--- a/Session-09/Session-09-String-Python.pptx
+++ b/Session-09/Session-09-String-Python.pptx
@@ -5,7 +5,7 @@
     <p:sldMasterId id="2147483660" r:id="rId1"/>
   </p:sldMasterIdLst>
   <p:notesMasterIdLst>
-    <p:notesMasterId r:id="rId19"/>
+    <p:notesMasterId r:id="rId25"/>
   </p:notesMasterIdLst>
   <p:sldIdLst>
     <p:sldId id="256" r:id="rId2"/>
@@ -22,9 +22,15 @@
     <p:sldId id="338" r:id="rId13"/>
     <p:sldId id="339" r:id="rId14"/>
     <p:sldId id="340" r:id="rId15"/>
-    <p:sldId id="341" r:id="rId16"/>
-    <p:sldId id="342" r:id="rId17"/>
-    <p:sldId id="266" r:id="rId18"/>
+    <p:sldId id="343" r:id="rId16"/>
+    <p:sldId id="344" r:id="rId17"/>
+    <p:sldId id="345" r:id="rId18"/>
+    <p:sldId id="346" r:id="rId19"/>
+    <p:sldId id="347" r:id="rId20"/>
+    <p:sldId id="348" r:id="rId21"/>
+    <p:sldId id="341" r:id="rId22"/>
+    <p:sldId id="342" r:id="rId23"/>
+    <p:sldId id="266" r:id="rId24"/>
   </p:sldIdLst>
   <p:sldSz cx="9144000" cy="6858000" type="screen4x3"/>
   <p:notesSz cx="6858000" cy="9144000"/>
@@ -213,7 +219,7 @@
           <a:p>
             <a:fld id="{E1BDF935-9821-4834-9D99-7DEFA719F44D}" type="datetimeFigureOut">
               <a:rPr lang="en-US" smtClean="0"/>
-              <a:t>7/22/2023</a:t>
+              <a:t>7/24/2023</a:t>
             </a:fld>
             <a:endParaRPr lang="en-US"/>
           </a:p>
@@ -9716,20 +9722,833 @@
           <a:lstStyle/>
           <a:p>
             <a:r>
-              <a:rPr lang="en-US" dirty="0" smtClean="0"/>
-              <a:t>9.4 </a:t>
-            </a:r>
-            <a:r>
               <a:rPr lang="en-US" dirty="0"/>
-              <a:t>Escape </a:t>
-            </a:r>
-            <a:r>
-              <a:rPr lang="en-US" dirty="0" smtClean="0"/>
-              <a:t>Character</a:t>
-            </a:r>
-            <a:endParaRPr lang="en-US" dirty="0">
+              <a:t>9.3 </a:t>
+            </a:r>
+            <a:r>
+              <a:rPr lang="en-US" dirty="0" err="1"/>
+              <a:t>Định</a:t>
+            </a:r>
+            <a:r>
+              <a:rPr lang="en-US" dirty="0"/>
+              <a:t> </a:t>
+            </a:r>
+            <a:r>
+              <a:rPr lang="en-US" dirty="0" err="1"/>
+              <a:t>dạng</a:t>
+            </a:r>
+            <a:r>
+              <a:rPr lang="en-US" dirty="0"/>
+              <a:t> </a:t>
+            </a:r>
+            <a:r>
+              <a:rPr lang="en-US" dirty="0" err="1"/>
+              <a:t>Chuỗi</a:t>
+            </a:r>
+            <a:endParaRPr lang="en-US" dirty="0"/>
+          </a:p>
+        </p:txBody>
+      </p:sp>
+      <p:sp>
+        <p:nvSpPr>
+          <p:cNvPr id="29" name="Rectangle 28"/>
+          <p:cNvSpPr/>
+          <p:nvPr/>
+        </p:nvSpPr>
+        <p:spPr>
+          <a:xfrm>
+            <a:off x="699793" y="2590402"/>
+            <a:ext cx="7774356" cy="1843605"/>
+          </a:xfrm>
+          <a:prstGeom prst="rect">
+            <a:avLst/>
+          </a:prstGeom>
+          <a:solidFill>
+            <a:schemeClr val="tx1">
+              <a:lumMod val="85000"/>
+              <a:lumOff val="15000"/>
+            </a:schemeClr>
+          </a:solidFill>
+          <a:ln>
+            <a:noFill/>
+          </a:ln>
+        </p:spPr>
+        <p:style>
+          <a:lnRef idx="2">
+            <a:schemeClr val="accent1">
+              <a:shade val="50000"/>
+            </a:schemeClr>
+          </a:lnRef>
+          <a:fillRef idx="1">
+            <a:schemeClr val="accent1"/>
+          </a:fillRef>
+          <a:effectRef idx="0">
+            <a:schemeClr val="accent1"/>
+          </a:effectRef>
+          <a:fontRef idx="minor">
+            <a:schemeClr val="lt1"/>
+          </a:fontRef>
+        </p:style>
+        <p:txBody>
+          <a:bodyPr rtlCol="0" anchor="ctr"/>
+          <a:lstStyle/>
+          <a:p>
+            <a:pPr algn="ctr"/>
+            <a:endParaRPr lang="en-US" dirty="0"/>
+          </a:p>
+        </p:txBody>
+      </p:sp>
+      <p:sp>
+        <p:nvSpPr>
+          <p:cNvPr id="30" name="TextBox 29"/>
+          <p:cNvSpPr txBox="1"/>
+          <p:nvPr/>
+        </p:nvSpPr>
+        <p:spPr>
+          <a:xfrm>
+            <a:off x="880547" y="2740561"/>
+            <a:ext cx="7402216" cy="1477328"/>
+          </a:xfrm>
+          <a:prstGeom prst="rect">
+            <a:avLst/>
+          </a:prstGeom>
+          <a:noFill/>
+        </p:spPr>
+        <p:txBody>
+          <a:bodyPr wrap="square" rtlCol="0">
+            <a:spAutoFit/>
+          </a:bodyPr>
+          <a:lstStyle/>
+          <a:p>
+            <a:r>
+              <a:rPr lang="en-US" dirty="0">
+                <a:solidFill>
+                  <a:schemeClr val="bg1"/>
+                </a:solidFill>
+              </a:rPr>
+              <a:t>quantity</a:t>
+            </a:r>
+            <a:r>
+              <a:rPr lang="en-US" dirty="0"/>
+              <a:t> </a:t>
+            </a:r>
+            <a:r>
+              <a:rPr lang="en-US" dirty="0" smtClean="0">
+                <a:solidFill>
+                  <a:schemeClr val="bg1"/>
+                </a:solidFill>
+              </a:rPr>
+              <a:t> </a:t>
+            </a:r>
+            <a:r>
+              <a:rPr lang="en-US" dirty="0">
+                <a:solidFill>
+                  <a:schemeClr val="bg1"/>
+                </a:solidFill>
+              </a:rPr>
+              <a:t>= </a:t>
+            </a:r>
+            <a:r>
+              <a:rPr lang="en-US" dirty="0" smtClean="0">
+                <a:solidFill>
+                  <a:schemeClr val="accent6">
+                    <a:lumMod val="60000"/>
+                    <a:lumOff val="40000"/>
+                  </a:schemeClr>
+                </a:solidFill>
+              </a:rPr>
+              <a:t>2</a:t>
+            </a:r>
+          </a:p>
+          <a:p>
+            <a:r>
+              <a:rPr lang="en-US" dirty="0">
+                <a:solidFill>
+                  <a:schemeClr val="bg1"/>
+                </a:solidFill>
+              </a:rPr>
+              <a:t>price</a:t>
+            </a:r>
+            <a:r>
+              <a:rPr lang="en-US" dirty="0"/>
+              <a:t> </a:t>
+            </a:r>
+            <a:r>
+              <a:rPr lang="en-US" dirty="0" smtClean="0">
+                <a:solidFill>
+                  <a:schemeClr val="bg1"/>
+                </a:solidFill>
+              </a:rPr>
+              <a:t> = </a:t>
+            </a:r>
+            <a:r>
+              <a:rPr lang="en-US" dirty="0" smtClean="0">
+                <a:solidFill>
+                  <a:schemeClr val="accent6">
+                    <a:lumMod val="60000"/>
+                    <a:lumOff val="40000"/>
+                  </a:schemeClr>
+                </a:solidFill>
+              </a:rPr>
+              <a:t>49.95</a:t>
+            </a:r>
+          </a:p>
+          <a:p>
+            <a:r>
+              <a:rPr lang="en-US" dirty="0" smtClean="0">
+                <a:solidFill>
+                  <a:schemeClr val="bg1"/>
+                </a:solidFill>
+              </a:rPr>
+              <a:t>txt </a:t>
+            </a:r>
+            <a:r>
+              <a:rPr lang="en-US" dirty="0">
+                <a:solidFill>
+                  <a:schemeClr val="bg1"/>
+                </a:solidFill>
+              </a:rPr>
+              <a:t>= </a:t>
+            </a:r>
+            <a:r>
+              <a:rPr lang="en-US" dirty="0" smtClean="0">
+                <a:solidFill>
+                  <a:schemeClr val="accent2">
+                    <a:lumMod val="75000"/>
+                  </a:schemeClr>
+                </a:solidFill>
+              </a:rPr>
+              <a:t>“</a:t>
+            </a:r>
+            <a:r>
+              <a:rPr lang="en-US" dirty="0" err="1" smtClean="0">
+                <a:solidFill>
+                  <a:schemeClr val="accent2">
+                    <a:lumMod val="75000"/>
+                  </a:schemeClr>
+                </a:solidFill>
+              </a:rPr>
+              <a:t>Mua</a:t>
+            </a:r>
+            <a:r>
+              <a:rPr lang="en-US" dirty="0" smtClean="0">
+                <a:solidFill>
+                  <a:schemeClr val="accent2">
+                    <a:lumMod val="75000"/>
+                  </a:schemeClr>
+                </a:solidFill>
+              </a:rPr>
+              <a:t> {0} </a:t>
+            </a:r>
+            <a:r>
+              <a:rPr lang="en-US" dirty="0" err="1" smtClean="0">
+                <a:solidFill>
+                  <a:schemeClr val="accent2">
+                    <a:lumMod val="75000"/>
+                  </a:schemeClr>
+                </a:solidFill>
+              </a:rPr>
+              <a:t>cái</a:t>
+            </a:r>
+            <a:r>
+              <a:rPr lang="en-US" dirty="0" smtClean="0">
+                <a:solidFill>
+                  <a:schemeClr val="accent2">
+                    <a:lumMod val="75000"/>
+                  </a:schemeClr>
+                </a:solidFill>
+              </a:rPr>
+              <a:t> </a:t>
+            </a:r>
+            <a:r>
+              <a:rPr lang="en-US" dirty="0" err="1" smtClean="0">
+                <a:solidFill>
+                  <a:schemeClr val="accent2">
+                    <a:lumMod val="75000"/>
+                  </a:schemeClr>
+                </a:solidFill>
+              </a:rPr>
+              <a:t>bánh</a:t>
+            </a:r>
+            <a:r>
+              <a:rPr lang="en-US" dirty="0" smtClean="0">
+                <a:solidFill>
+                  <a:schemeClr val="accent2">
+                    <a:lumMod val="75000"/>
+                  </a:schemeClr>
+                </a:solidFill>
+              </a:rPr>
+              <a:t> </a:t>
+            </a:r>
+            <a:r>
+              <a:rPr lang="en-US" dirty="0" err="1" smtClean="0">
+                <a:solidFill>
+                  <a:schemeClr val="accent2">
+                    <a:lumMod val="75000"/>
+                  </a:schemeClr>
+                </a:solidFill>
+              </a:rPr>
+              <a:t>hết</a:t>
+            </a:r>
+            <a:r>
+              <a:rPr lang="en-US" dirty="0" smtClean="0">
+                <a:solidFill>
+                  <a:schemeClr val="accent2">
+                    <a:lumMod val="75000"/>
+                  </a:schemeClr>
+                </a:solidFill>
+              </a:rPr>
+              <a:t> {1} </a:t>
+            </a:r>
+            <a:r>
+              <a:rPr lang="en-US" dirty="0" err="1" smtClean="0">
+                <a:solidFill>
+                  <a:schemeClr val="accent2">
+                    <a:lumMod val="75000"/>
+                  </a:schemeClr>
+                </a:solidFill>
+              </a:rPr>
+              <a:t>đô</a:t>
+            </a:r>
+            <a:r>
+              <a:rPr lang="en-US" dirty="0" smtClean="0">
+                <a:solidFill>
+                  <a:schemeClr val="accent2">
+                    <a:lumMod val="75000"/>
+                  </a:schemeClr>
+                </a:solidFill>
+              </a:rPr>
+              <a:t> la. </a:t>
+            </a:r>
+            <a:r>
+              <a:rPr lang="en-US" dirty="0" err="1" smtClean="0">
+                <a:solidFill>
+                  <a:schemeClr val="accent2">
+                    <a:lumMod val="75000"/>
+                  </a:schemeClr>
+                </a:solidFill>
+              </a:rPr>
+              <a:t>Em</a:t>
+            </a:r>
+            <a:r>
+              <a:rPr lang="en-US" dirty="0" smtClean="0">
+                <a:solidFill>
+                  <a:schemeClr val="accent2">
+                    <a:lumMod val="75000"/>
+                  </a:schemeClr>
+                </a:solidFill>
+              </a:rPr>
+              <a:t> </a:t>
+            </a:r>
+            <a:r>
+              <a:rPr lang="en-US" dirty="0" err="1" smtClean="0">
+                <a:solidFill>
+                  <a:schemeClr val="accent2">
+                    <a:lumMod val="75000"/>
+                  </a:schemeClr>
+                </a:solidFill>
+              </a:rPr>
+              <a:t>tôi</a:t>
+            </a:r>
+            <a:r>
+              <a:rPr lang="en-US" dirty="0" smtClean="0">
+                <a:solidFill>
+                  <a:schemeClr val="accent2">
+                    <a:lumMod val="75000"/>
+                  </a:schemeClr>
+                </a:solidFill>
+              </a:rPr>
+              <a:t> </a:t>
+            </a:r>
+            <a:r>
+              <a:rPr lang="en-US" dirty="0" err="1" smtClean="0">
+                <a:solidFill>
+                  <a:schemeClr val="accent2">
+                    <a:lumMod val="75000"/>
+                  </a:schemeClr>
+                </a:solidFill>
+              </a:rPr>
+              <a:t>ăn</a:t>
+            </a:r>
+            <a:r>
+              <a:rPr lang="en-US" dirty="0" smtClean="0">
+                <a:solidFill>
+                  <a:schemeClr val="accent2">
+                    <a:lumMod val="75000"/>
+                  </a:schemeClr>
+                </a:solidFill>
+              </a:rPr>
+              <a:t> </a:t>
+            </a:r>
+            <a:r>
+              <a:rPr lang="en-US" dirty="0" err="1" smtClean="0">
+                <a:solidFill>
+                  <a:schemeClr val="accent2">
+                    <a:lumMod val="75000"/>
+                  </a:schemeClr>
+                </a:solidFill>
+              </a:rPr>
+              <a:t>hết</a:t>
+            </a:r>
+            <a:r>
+              <a:rPr lang="en-US" dirty="0" smtClean="0">
+                <a:solidFill>
+                  <a:schemeClr val="accent2">
+                    <a:lumMod val="75000"/>
+                  </a:schemeClr>
+                </a:solidFill>
+              </a:rPr>
+              <a:t> {0} </a:t>
+            </a:r>
+            <a:r>
+              <a:rPr lang="en-US" dirty="0" err="1" smtClean="0">
+                <a:solidFill>
+                  <a:schemeClr val="accent2">
+                    <a:lumMod val="75000"/>
+                  </a:schemeClr>
+                </a:solidFill>
+              </a:rPr>
+              <a:t>cái</a:t>
+            </a:r>
+            <a:r>
+              <a:rPr lang="en-US" dirty="0" smtClean="0">
+                <a:solidFill>
+                  <a:schemeClr val="accent2">
+                    <a:lumMod val="75000"/>
+                  </a:schemeClr>
+                </a:solidFill>
+              </a:rPr>
+              <a:t> </a:t>
+            </a:r>
+            <a:r>
+              <a:rPr lang="en-US" dirty="0" err="1" smtClean="0">
+                <a:solidFill>
+                  <a:schemeClr val="accent2">
+                    <a:lumMod val="75000"/>
+                  </a:schemeClr>
+                </a:solidFill>
+              </a:rPr>
+              <a:t>bánh</a:t>
+            </a:r>
+            <a:r>
+              <a:rPr lang="en-US" dirty="0" smtClean="0">
+                <a:solidFill>
+                  <a:schemeClr val="accent2">
+                    <a:lumMod val="75000"/>
+                  </a:schemeClr>
+                </a:solidFill>
+              </a:rPr>
+              <a:t>"</a:t>
+            </a:r>
+            <a:r>
+              <a:rPr lang="en-US" dirty="0">
+                <a:solidFill>
+                  <a:schemeClr val="bg1"/>
+                </a:solidFill>
+              </a:rPr>
+              <a:t/>
+            </a:r>
+            <a:br>
+              <a:rPr lang="en-US" dirty="0">
+                <a:solidFill>
+                  <a:schemeClr val="bg1"/>
+                </a:solidFill>
+              </a:rPr>
+            </a:br>
+            <a:r>
+              <a:rPr lang="en-US" dirty="0" smtClean="0">
+                <a:solidFill>
+                  <a:schemeClr val="bg1"/>
+                </a:solidFill>
+              </a:rPr>
+              <a:t>print</a:t>
+            </a:r>
+            <a:r>
+              <a:rPr lang="en-US" dirty="0" smtClean="0">
+                <a:solidFill>
+                  <a:schemeClr val="accent4">
+                    <a:lumMod val="60000"/>
+                    <a:lumOff val="40000"/>
+                  </a:schemeClr>
+                </a:solidFill>
+              </a:rPr>
+              <a:t>(</a:t>
+            </a:r>
+            <a:r>
+              <a:rPr lang="en-US" dirty="0" err="1" smtClean="0">
+                <a:solidFill>
+                  <a:schemeClr val="bg1"/>
+                </a:solidFill>
+              </a:rPr>
+              <a:t>txt.format</a:t>
+            </a:r>
+            <a:r>
+              <a:rPr lang="en-US" dirty="0" smtClean="0">
+                <a:solidFill>
+                  <a:srgbClr val="FF66CC"/>
+                </a:solidFill>
+              </a:rPr>
+              <a:t>(</a:t>
+            </a:r>
+            <a:r>
+              <a:rPr lang="en-US" dirty="0">
+                <a:solidFill>
+                  <a:schemeClr val="bg1"/>
+                </a:solidFill>
+              </a:rPr>
+              <a:t>quantity</a:t>
+            </a:r>
+            <a:r>
+              <a:rPr lang="en-US" dirty="0" smtClean="0">
+                <a:solidFill>
+                  <a:schemeClr val="bg1"/>
+                </a:solidFill>
+              </a:rPr>
+              <a:t>, </a:t>
+            </a:r>
+            <a:r>
+              <a:rPr lang="en-US" dirty="0">
+                <a:solidFill>
+                  <a:schemeClr val="bg1"/>
+                </a:solidFill>
+              </a:rPr>
+              <a:t>price</a:t>
+            </a:r>
+            <a:r>
+              <a:rPr lang="en-US" dirty="0" smtClean="0">
+                <a:solidFill>
+                  <a:srgbClr val="FF66CC"/>
+                </a:solidFill>
+              </a:rPr>
+              <a:t>)</a:t>
+            </a:r>
+            <a:r>
+              <a:rPr lang="en-US" dirty="0" smtClean="0">
+                <a:solidFill>
+                  <a:schemeClr val="accent4">
+                    <a:lumMod val="60000"/>
+                    <a:lumOff val="40000"/>
+                  </a:schemeClr>
+                </a:solidFill>
+              </a:rPr>
+              <a:t>)</a:t>
+            </a:r>
+          </a:p>
+          <a:p>
+            <a:r>
+              <a:rPr lang="en-US" sz="1600" dirty="0" smtClean="0">
+                <a:solidFill>
+                  <a:schemeClr val="accent4">
+                    <a:lumMod val="60000"/>
+                    <a:lumOff val="40000"/>
+                  </a:schemeClr>
+                </a:solidFill>
+              </a:rPr>
+              <a:t>#</a:t>
+            </a:r>
+            <a:r>
+              <a:rPr lang="en-US" sz="1600" dirty="0" err="1" smtClean="0">
+                <a:solidFill>
+                  <a:schemeClr val="accent4">
+                    <a:lumMod val="60000"/>
+                    <a:lumOff val="40000"/>
+                  </a:schemeClr>
+                </a:solidFill>
+              </a:rPr>
+              <a:t>Kết</a:t>
+            </a:r>
+            <a:r>
+              <a:rPr lang="en-US" sz="1600" dirty="0" smtClean="0">
+                <a:solidFill>
+                  <a:schemeClr val="accent4">
+                    <a:lumMod val="60000"/>
+                    <a:lumOff val="40000"/>
+                  </a:schemeClr>
+                </a:solidFill>
+              </a:rPr>
+              <a:t> </a:t>
+            </a:r>
+            <a:r>
+              <a:rPr lang="en-US" sz="1600" dirty="0" err="1" smtClean="0">
+                <a:solidFill>
+                  <a:schemeClr val="accent4">
+                    <a:lumMod val="60000"/>
+                    <a:lumOff val="40000"/>
+                  </a:schemeClr>
+                </a:solidFill>
+              </a:rPr>
+              <a:t>quả</a:t>
+            </a:r>
+            <a:r>
+              <a:rPr lang="en-US" sz="1600" dirty="0" smtClean="0">
+                <a:solidFill>
+                  <a:schemeClr val="accent4">
+                    <a:lumMod val="60000"/>
+                    <a:lumOff val="40000"/>
+                  </a:schemeClr>
+                </a:solidFill>
+              </a:rPr>
+              <a:t> in </a:t>
+            </a:r>
+            <a:r>
+              <a:rPr lang="en-US" sz="1600" dirty="0" err="1" smtClean="0">
+                <a:solidFill>
+                  <a:schemeClr val="accent4">
+                    <a:lumMod val="60000"/>
+                    <a:lumOff val="40000"/>
+                  </a:schemeClr>
+                </a:solidFill>
+              </a:rPr>
+              <a:t>ra</a:t>
+            </a:r>
+            <a:r>
+              <a:rPr lang="en-US" sz="1600" dirty="0" smtClean="0">
+                <a:solidFill>
+                  <a:schemeClr val="accent4">
+                    <a:lumMod val="60000"/>
+                    <a:lumOff val="40000"/>
+                  </a:schemeClr>
+                </a:solidFill>
+              </a:rPr>
+              <a:t>: </a:t>
+            </a:r>
+            <a:r>
+              <a:rPr lang="en-US" dirty="0" err="1" smtClean="0">
+                <a:solidFill>
+                  <a:schemeClr val="accent4">
+                    <a:lumMod val="60000"/>
+                    <a:lumOff val="40000"/>
+                  </a:schemeClr>
+                </a:solidFill>
+              </a:rPr>
+              <a:t>Mua</a:t>
+            </a:r>
+            <a:r>
+              <a:rPr lang="en-US" dirty="0" smtClean="0">
+                <a:solidFill>
+                  <a:schemeClr val="accent4">
+                    <a:lumMod val="60000"/>
+                    <a:lumOff val="40000"/>
+                  </a:schemeClr>
+                </a:solidFill>
+              </a:rPr>
+              <a:t> 2 </a:t>
+            </a:r>
+            <a:r>
+              <a:rPr lang="en-US" dirty="0" err="1" smtClean="0">
+                <a:solidFill>
+                  <a:schemeClr val="accent4">
+                    <a:lumMod val="60000"/>
+                    <a:lumOff val="40000"/>
+                  </a:schemeClr>
+                </a:solidFill>
+              </a:rPr>
+              <a:t>cái</a:t>
+            </a:r>
+            <a:r>
+              <a:rPr lang="en-US" dirty="0" smtClean="0">
+                <a:solidFill>
+                  <a:schemeClr val="accent4">
+                    <a:lumMod val="60000"/>
+                    <a:lumOff val="40000"/>
+                  </a:schemeClr>
+                </a:solidFill>
+              </a:rPr>
+              <a:t> </a:t>
+            </a:r>
+            <a:r>
+              <a:rPr lang="en-US" dirty="0" err="1" smtClean="0">
+                <a:solidFill>
+                  <a:schemeClr val="accent4">
+                    <a:lumMod val="60000"/>
+                    <a:lumOff val="40000"/>
+                  </a:schemeClr>
+                </a:solidFill>
+              </a:rPr>
+              <a:t>bánh</a:t>
+            </a:r>
+            <a:r>
+              <a:rPr lang="en-US" dirty="0" smtClean="0">
+                <a:solidFill>
+                  <a:schemeClr val="accent4">
+                    <a:lumMod val="60000"/>
+                    <a:lumOff val="40000"/>
+                  </a:schemeClr>
+                </a:solidFill>
+              </a:rPr>
+              <a:t> </a:t>
+            </a:r>
+            <a:r>
+              <a:rPr lang="en-US" dirty="0" err="1" smtClean="0">
+                <a:solidFill>
+                  <a:schemeClr val="accent4">
+                    <a:lumMod val="60000"/>
+                    <a:lumOff val="40000"/>
+                  </a:schemeClr>
+                </a:solidFill>
+              </a:rPr>
+              <a:t>hết</a:t>
+            </a:r>
+            <a:r>
+              <a:rPr lang="en-US" dirty="0" smtClean="0">
+                <a:solidFill>
+                  <a:schemeClr val="accent4">
+                    <a:lumMod val="60000"/>
+                    <a:lumOff val="40000"/>
+                  </a:schemeClr>
+                </a:solidFill>
+              </a:rPr>
+              <a:t> 49.95 </a:t>
+            </a:r>
+            <a:r>
+              <a:rPr lang="en-US" dirty="0" err="1" smtClean="0">
+                <a:solidFill>
+                  <a:schemeClr val="accent4">
+                    <a:lumMod val="60000"/>
+                    <a:lumOff val="40000"/>
+                  </a:schemeClr>
+                </a:solidFill>
+              </a:rPr>
+              <a:t>đô</a:t>
+            </a:r>
+            <a:r>
+              <a:rPr lang="en-US" dirty="0" smtClean="0">
+                <a:solidFill>
+                  <a:schemeClr val="accent4">
+                    <a:lumMod val="60000"/>
+                    <a:lumOff val="40000"/>
+                  </a:schemeClr>
+                </a:solidFill>
+              </a:rPr>
+              <a:t> la. </a:t>
+            </a:r>
+            <a:r>
+              <a:rPr lang="en-US" dirty="0" err="1" smtClean="0">
+                <a:solidFill>
+                  <a:schemeClr val="accent4">
+                    <a:lumMod val="60000"/>
+                    <a:lumOff val="40000"/>
+                  </a:schemeClr>
+                </a:solidFill>
+              </a:rPr>
+              <a:t>Em</a:t>
+            </a:r>
+            <a:r>
+              <a:rPr lang="en-US" dirty="0" smtClean="0">
+                <a:solidFill>
+                  <a:schemeClr val="accent4">
+                    <a:lumMod val="60000"/>
+                    <a:lumOff val="40000"/>
+                  </a:schemeClr>
+                </a:solidFill>
+              </a:rPr>
+              <a:t> </a:t>
+            </a:r>
+            <a:r>
+              <a:rPr lang="en-US" dirty="0" err="1" smtClean="0">
+                <a:solidFill>
+                  <a:schemeClr val="accent4">
+                    <a:lumMod val="60000"/>
+                    <a:lumOff val="40000"/>
+                  </a:schemeClr>
+                </a:solidFill>
+              </a:rPr>
+              <a:t>tôi</a:t>
+            </a:r>
+            <a:r>
+              <a:rPr lang="en-US" dirty="0" smtClean="0">
+                <a:solidFill>
+                  <a:schemeClr val="accent4">
+                    <a:lumMod val="60000"/>
+                    <a:lumOff val="40000"/>
+                  </a:schemeClr>
+                </a:solidFill>
+              </a:rPr>
+              <a:t> </a:t>
+            </a:r>
+            <a:r>
+              <a:rPr lang="en-US" dirty="0" err="1" smtClean="0">
+                <a:solidFill>
+                  <a:schemeClr val="accent4">
+                    <a:lumMod val="60000"/>
+                    <a:lumOff val="40000"/>
+                  </a:schemeClr>
+                </a:solidFill>
+              </a:rPr>
+              <a:t>ăn</a:t>
+            </a:r>
+            <a:r>
+              <a:rPr lang="en-US" dirty="0" smtClean="0">
+                <a:solidFill>
+                  <a:schemeClr val="accent4">
+                    <a:lumMod val="60000"/>
+                    <a:lumOff val="40000"/>
+                  </a:schemeClr>
+                </a:solidFill>
+              </a:rPr>
+              <a:t> </a:t>
+            </a:r>
+            <a:r>
+              <a:rPr lang="en-US" dirty="0" err="1" smtClean="0">
+                <a:solidFill>
+                  <a:schemeClr val="accent4">
+                    <a:lumMod val="60000"/>
+                    <a:lumOff val="40000"/>
+                  </a:schemeClr>
+                </a:solidFill>
+              </a:rPr>
+              <a:t>hết</a:t>
+            </a:r>
+            <a:r>
+              <a:rPr lang="en-US" dirty="0" smtClean="0">
+                <a:solidFill>
+                  <a:schemeClr val="accent4">
+                    <a:lumMod val="60000"/>
+                    <a:lumOff val="40000"/>
+                  </a:schemeClr>
+                </a:solidFill>
+              </a:rPr>
+              <a:t> 2 </a:t>
+            </a:r>
+            <a:r>
+              <a:rPr lang="en-US" dirty="0" err="1" smtClean="0">
+                <a:solidFill>
+                  <a:schemeClr val="accent4">
+                    <a:lumMod val="60000"/>
+                    <a:lumOff val="40000"/>
+                  </a:schemeClr>
+                </a:solidFill>
+              </a:rPr>
+              <a:t>cái</a:t>
+            </a:r>
+            <a:r>
+              <a:rPr lang="en-US" dirty="0" smtClean="0">
+                <a:solidFill>
+                  <a:schemeClr val="accent4">
+                    <a:lumMod val="60000"/>
+                    <a:lumOff val="40000"/>
+                  </a:schemeClr>
+                </a:solidFill>
+              </a:rPr>
+              <a:t> </a:t>
+            </a:r>
+            <a:r>
+              <a:rPr lang="en-US" dirty="0" err="1" smtClean="0">
+                <a:solidFill>
+                  <a:schemeClr val="accent4">
+                    <a:lumMod val="60000"/>
+                    <a:lumOff val="40000"/>
+                  </a:schemeClr>
+                </a:solidFill>
+              </a:rPr>
+              <a:t>bánh</a:t>
+            </a:r>
+            <a:endParaRPr lang="en-US" sz="1600" dirty="0">
               <a:solidFill>
-                <a:srgbClr val="FF0000"/>
+                <a:schemeClr val="accent4">
+                  <a:lumMod val="60000"/>
+                  <a:lumOff val="40000"/>
+                </a:schemeClr>
               </a:solidFill>
             </a:endParaRPr>
           </a:p>
@@ -9744,7 +10563,7 @@
         <p:spPr>
           <a:xfrm>
             <a:off x="774221" y="2098011"/>
-            <a:ext cx="7834152" cy="2862322"/>
+            <a:ext cx="7834152" cy="369332"/>
           </a:xfrm>
           <a:prstGeom prst="rect">
             <a:avLst/>
@@ -9758,19 +10577,54 @@
           <a:lstStyle/>
           <a:p>
             <a:r>
-              <a:rPr lang="vi-VN" dirty="0"/>
-              <a:t>Trong Python, ký tự escape (escape character) là một ký tự đặc biệt được sử dụng để thể hiện các ký tự không thể hiện hoặc có ý nghĩa đặc biệt trong chuỗi. Khi bạn sử dụng ký tự escape, nó cho phép bạn đưa vào chuỗi những ký tự đặc biệt như dấu nháy kép, dấu nháy đơn, dấu gạch chéo ngược, và các ký tự khác mà không bị xem là kết thúc của chuỗi hoặc gây ra sự hiểu lầm về cú pháp.</a:t>
-            </a:r>
-          </a:p>
-          <a:p>
-            <a:endParaRPr lang="vi-VN" dirty="0"/>
-          </a:p>
-          <a:p>
-            <a:r>
-              <a:rPr lang="vi-VN" dirty="0"/>
-              <a:t>Ký tự escape được ký hiệu bằng một dấu gạch chéo ngược ("") theo sau là ký tự đại diện cho ý nghĩa cụ thể. Dưới đây là một số ví dụ về ký tự escape phổ biến trong Python:</a:t>
-            </a:r>
-            <a:endParaRPr lang="en-US" dirty="0">
+              <a:rPr lang="en-US" b="1" dirty="0" err="1" smtClean="0"/>
+              <a:t>Chỉ</a:t>
+            </a:r>
+            <a:r>
+              <a:rPr lang="en-US" b="1" dirty="0" smtClean="0"/>
+              <a:t> </a:t>
+            </a:r>
+            <a:r>
+              <a:rPr lang="en-US" b="1" dirty="0" err="1" smtClean="0"/>
+              <a:t>lệnh</a:t>
+            </a:r>
+            <a:r>
+              <a:rPr lang="en-US" b="1" dirty="0" smtClean="0"/>
+              <a:t> </a:t>
+            </a:r>
+            <a:r>
+              <a:rPr lang="en-US" b="1" dirty="0" err="1" smtClean="0"/>
+              <a:t>thiết</a:t>
+            </a:r>
+            <a:r>
+              <a:rPr lang="en-US" b="1" dirty="0" smtClean="0"/>
+              <a:t> </a:t>
+            </a:r>
+            <a:r>
+              <a:rPr lang="en-US" b="1" dirty="0" err="1" smtClean="0"/>
+              <a:t>lập</a:t>
+            </a:r>
+            <a:r>
+              <a:rPr lang="en-US" b="1" dirty="0" smtClean="0"/>
+              <a:t> </a:t>
+            </a:r>
+            <a:r>
+              <a:rPr lang="en-US" b="1" dirty="0" err="1" smtClean="0"/>
+              <a:t>chiều</a:t>
+            </a:r>
+            <a:r>
+              <a:rPr lang="en-US" b="1" dirty="0" smtClean="0"/>
+              <a:t> </a:t>
+            </a:r>
+            <a:r>
+              <a:rPr lang="en-US" b="1" dirty="0" err="1" smtClean="0"/>
+              <a:t>rộng</a:t>
+            </a:r>
+            <a:r>
+              <a:rPr lang="en-US" b="1" dirty="0" smtClean="0"/>
+              <a:t> Width</a:t>
+            </a:r>
+            <a:endParaRPr lang="en-US" b="1" dirty="0">
               <a:solidFill>
                 <a:srgbClr val="FF0000"/>
               </a:solidFill>
@@ -9886,7 +10740,7 @@
           <a:p>
             <a:r>
               <a:rPr lang="en-US" b="1" dirty="0" err="1" smtClean="0"/>
-              <a:t>Giới</a:t>
+              <a:t>Chỉ</a:t>
             </a:r>
             <a:r>
               <a:rPr lang="en-US" b="1" dirty="0" smtClean="0"/>
@@ -9894,7 +10748,7 @@
             </a:r>
             <a:r>
               <a:rPr lang="en-US" b="1" dirty="0" err="1" smtClean="0"/>
-              <a:t>thiệu</a:t>
+              <a:t>lệnh</a:t>
             </a:r>
             <a:r>
               <a:rPr lang="en-US" b="1" dirty="0" smtClean="0"/>
@@ -9902,27 +10756,11 @@
             </a:r>
             <a:r>
               <a:rPr lang="en-US" b="1" dirty="0" err="1" smtClean="0"/>
-              <a:t>về</a:t>
+              <a:t>trong</a:t>
             </a:r>
             <a:r>
               <a:rPr lang="en-US" b="1" dirty="0" smtClean="0"/>
-              <a:t> </a:t>
-            </a:r>
-            <a:r>
-              <a:rPr lang="en-US" b="1" dirty="0" err="1" smtClean="0"/>
-              <a:t>khái</a:t>
-            </a:r>
-            <a:r>
-              <a:rPr lang="en-US" b="1" dirty="0" smtClean="0"/>
-              <a:t> </a:t>
-            </a:r>
-            <a:r>
-              <a:rPr lang="en-US" b="1" dirty="0" err="1" smtClean="0"/>
-              <a:t>niệm</a:t>
-            </a:r>
-            <a:r>
-              <a:rPr lang="en-US" b="1" dirty="0" smtClean="0"/>
-              <a:t> Escape</a:t>
+              <a:t> field</a:t>
             </a:r>
             <a:endParaRPr lang="en-US" b="1" dirty="0">
               <a:solidFill>
@@ -9932,151 +10770,10 @@
           </a:p>
         </p:txBody>
       </p:sp>
-      <p:sp>
-        <p:nvSpPr>
-          <p:cNvPr id="13" name="TextBox 12"/>
-          <p:cNvSpPr txBox="1"/>
-          <p:nvPr/>
-        </p:nvSpPr>
-        <p:spPr>
-          <a:xfrm>
-            <a:off x="774221" y="5128290"/>
-            <a:ext cx="7834152" cy="1200329"/>
-          </a:xfrm>
-          <a:prstGeom prst="rect">
-            <a:avLst/>
-          </a:prstGeom>
-          <a:noFill/>
-        </p:spPr>
-        <p:txBody>
-          <a:bodyPr wrap="square" rtlCol="0">
-            <a:spAutoFit/>
-          </a:bodyPr>
-          <a:lstStyle/>
-          <a:p>
-            <a:r>
-              <a:rPr lang="en-US" dirty="0"/>
-              <a:t>\n: </a:t>
-            </a:r>
-            <a:r>
-              <a:rPr lang="en-US" dirty="0" err="1"/>
-              <a:t>Ký</a:t>
-            </a:r>
-            <a:r>
-              <a:rPr lang="en-US" dirty="0"/>
-              <a:t> </a:t>
-            </a:r>
-            <a:r>
-              <a:rPr lang="en-US" dirty="0" err="1"/>
-              <a:t>tự</a:t>
-            </a:r>
-            <a:r>
-              <a:rPr lang="en-US" dirty="0"/>
-              <a:t> </a:t>
-            </a:r>
-            <a:r>
-              <a:rPr lang="en-US" dirty="0" err="1"/>
-              <a:t>xuống</a:t>
-            </a:r>
-            <a:r>
-              <a:rPr lang="en-US" dirty="0"/>
-              <a:t> </a:t>
-            </a:r>
-            <a:r>
-              <a:rPr lang="en-US" dirty="0" err="1"/>
-              <a:t>dòng</a:t>
-            </a:r>
-            <a:r>
-              <a:rPr lang="en-US" dirty="0"/>
-              <a:t> (newline</a:t>
-            </a:r>
-            <a:r>
-              <a:rPr lang="en-US" dirty="0" smtClean="0"/>
-              <a:t>)</a:t>
-            </a:r>
-          </a:p>
-          <a:p>
-            <a:r>
-              <a:rPr lang="en-US" dirty="0"/>
-              <a:t>\t: </a:t>
-            </a:r>
-            <a:r>
-              <a:rPr lang="en-US" dirty="0" err="1"/>
-              <a:t>Ký</a:t>
-            </a:r>
-            <a:r>
-              <a:rPr lang="en-US" dirty="0"/>
-              <a:t> </a:t>
-            </a:r>
-            <a:r>
-              <a:rPr lang="en-US" dirty="0" err="1"/>
-              <a:t>tự</a:t>
-            </a:r>
-            <a:r>
-              <a:rPr lang="en-US" dirty="0"/>
-              <a:t> tab </a:t>
-            </a:r>
-            <a:r>
-              <a:rPr lang="en-US" dirty="0" err="1"/>
-              <a:t>ngang</a:t>
-            </a:r>
-            <a:r>
-              <a:rPr lang="en-US" dirty="0"/>
-              <a:t> (tab</a:t>
-            </a:r>
-            <a:r>
-              <a:rPr lang="en-US" dirty="0" smtClean="0"/>
-              <a:t>)</a:t>
-            </a:r>
-          </a:p>
-          <a:p>
-            <a:r>
-              <a:rPr lang="en-US" dirty="0"/>
-              <a:t>": </a:t>
-            </a:r>
-            <a:r>
-              <a:rPr lang="en-US" dirty="0" err="1"/>
-              <a:t>Dấu</a:t>
-            </a:r>
-            <a:r>
-              <a:rPr lang="en-US" dirty="0"/>
-              <a:t> </a:t>
-            </a:r>
-            <a:r>
-              <a:rPr lang="en-US" dirty="0" err="1"/>
-              <a:t>nháy</a:t>
-            </a:r>
-            <a:r>
-              <a:rPr lang="en-US" dirty="0"/>
-              <a:t> </a:t>
-            </a:r>
-            <a:r>
-              <a:rPr lang="en-US" dirty="0" err="1" smtClean="0"/>
-              <a:t>kép</a:t>
-            </a:r>
-            <a:endParaRPr lang="en-US" dirty="0" smtClean="0"/>
-          </a:p>
-          <a:p>
-            <a:r>
-              <a:rPr lang="vi-VN" dirty="0"/>
-              <a:t>': Dấu nháy </a:t>
-            </a:r>
-            <a:r>
-              <a:rPr lang="vi-VN" dirty="0" smtClean="0"/>
-              <a:t>đơn</a:t>
-            </a:r>
-            <a:endParaRPr lang="en-US" dirty="0">
-              <a:solidFill>
-                <a:srgbClr val="FF0000"/>
-              </a:solidFill>
-            </a:endParaRPr>
-          </a:p>
-        </p:txBody>
-      </p:sp>
     </p:spTree>
     <p:extLst>
       <p:ext uri="{BB962C8B-B14F-4D97-AF65-F5344CB8AC3E}">
-        <p14:creationId xmlns:p14="http://schemas.microsoft.com/office/powerpoint/2010/main" val="3937770836"/>
+        <p14:creationId xmlns:p14="http://schemas.microsoft.com/office/powerpoint/2010/main" val="4068995673"/>
       </p:ext>
     </p:extLst>
   </p:cSld>
@@ -10156,6 +10853,6784 @@
           <a:p>
             <a:r>
               <a:rPr lang="en-US" dirty="0"/>
+              <a:t>9.3 </a:t>
+            </a:r>
+            <a:r>
+              <a:rPr lang="en-US" dirty="0" err="1"/>
+              <a:t>Định</a:t>
+            </a:r>
+            <a:r>
+              <a:rPr lang="en-US" dirty="0"/>
+              <a:t> </a:t>
+            </a:r>
+            <a:r>
+              <a:rPr lang="en-US" dirty="0" err="1"/>
+              <a:t>dạng</a:t>
+            </a:r>
+            <a:r>
+              <a:rPr lang="en-US" dirty="0"/>
+              <a:t> </a:t>
+            </a:r>
+            <a:r>
+              <a:rPr lang="en-US" dirty="0" err="1"/>
+              <a:t>Chuỗi</a:t>
+            </a:r>
+            <a:endParaRPr lang="en-US" dirty="0"/>
+          </a:p>
+        </p:txBody>
+      </p:sp>
+      <p:sp>
+        <p:nvSpPr>
+          <p:cNvPr id="29" name="Rectangle 28"/>
+          <p:cNvSpPr/>
+          <p:nvPr/>
+        </p:nvSpPr>
+        <p:spPr>
+          <a:xfrm>
+            <a:off x="699793" y="2590402"/>
+            <a:ext cx="7774356" cy="1843605"/>
+          </a:xfrm>
+          <a:prstGeom prst="rect">
+            <a:avLst/>
+          </a:prstGeom>
+          <a:solidFill>
+            <a:schemeClr val="tx1">
+              <a:lumMod val="85000"/>
+              <a:lumOff val="15000"/>
+            </a:schemeClr>
+          </a:solidFill>
+          <a:ln>
+            <a:noFill/>
+          </a:ln>
+        </p:spPr>
+        <p:style>
+          <a:lnRef idx="2">
+            <a:schemeClr val="accent1">
+              <a:shade val="50000"/>
+            </a:schemeClr>
+          </a:lnRef>
+          <a:fillRef idx="1">
+            <a:schemeClr val="accent1"/>
+          </a:fillRef>
+          <a:effectRef idx="0">
+            <a:schemeClr val="accent1"/>
+          </a:effectRef>
+          <a:fontRef idx="minor">
+            <a:schemeClr val="lt1"/>
+          </a:fontRef>
+        </p:style>
+        <p:txBody>
+          <a:bodyPr rtlCol="0" anchor="ctr"/>
+          <a:lstStyle/>
+          <a:p>
+            <a:pPr algn="ctr"/>
+            <a:endParaRPr lang="en-US" dirty="0"/>
+          </a:p>
+        </p:txBody>
+      </p:sp>
+      <p:sp>
+        <p:nvSpPr>
+          <p:cNvPr id="30" name="TextBox 29"/>
+          <p:cNvSpPr txBox="1"/>
+          <p:nvPr/>
+        </p:nvSpPr>
+        <p:spPr>
+          <a:xfrm>
+            <a:off x="880547" y="2740561"/>
+            <a:ext cx="7402216" cy="1477328"/>
+          </a:xfrm>
+          <a:prstGeom prst="rect">
+            <a:avLst/>
+          </a:prstGeom>
+          <a:noFill/>
+        </p:spPr>
+        <p:txBody>
+          <a:bodyPr wrap="square" rtlCol="0">
+            <a:spAutoFit/>
+          </a:bodyPr>
+          <a:lstStyle/>
+          <a:p>
+            <a:r>
+              <a:rPr lang="en-US" dirty="0">
+                <a:solidFill>
+                  <a:schemeClr val="bg1"/>
+                </a:solidFill>
+              </a:rPr>
+              <a:t>quantity</a:t>
+            </a:r>
+            <a:r>
+              <a:rPr lang="en-US" dirty="0"/>
+              <a:t> </a:t>
+            </a:r>
+            <a:r>
+              <a:rPr lang="en-US" dirty="0" smtClean="0">
+                <a:solidFill>
+                  <a:schemeClr val="bg1"/>
+                </a:solidFill>
+              </a:rPr>
+              <a:t> </a:t>
+            </a:r>
+            <a:r>
+              <a:rPr lang="en-US" dirty="0">
+                <a:solidFill>
+                  <a:schemeClr val="bg1"/>
+                </a:solidFill>
+              </a:rPr>
+              <a:t>= </a:t>
+            </a:r>
+            <a:r>
+              <a:rPr lang="en-US" dirty="0" smtClean="0">
+                <a:solidFill>
+                  <a:schemeClr val="accent6">
+                    <a:lumMod val="60000"/>
+                    <a:lumOff val="40000"/>
+                  </a:schemeClr>
+                </a:solidFill>
+              </a:rPr>
+              <a:t>2</a:t>
+            </a:r>
+          </a:p>
+          <a:p>
+            <a:r>
+              <a:rPr lang="en-US" dirty="0">
+                <a:solidFill>
+                  <a:schemeClr val="bg1"/>
+                </a:solidFill>
+              </a:rPr>
+              <a:t>price</a:t>
+            </a:r>
+            <a:r>
+              <a:rPr lang="en-US" dirty="0"/>
+              <a:t> </a:t>
+            </a:r>
+            <a:r>
+              <a:rPr lang="en-US" dirty="0" smtClean="0">
+                <a:solidFill>
+                  <a:schemeClr val="bg1"/>
+                </a:solidFill>
+              </a:rPr>
+              <a:t> = </a:t>
+            </a:r>
+            <a:r>
+              <a:rPr lang="en-US" dirty="0" smtClean="0">
+                <a:solidFill>
+                  <a:schemeClr val="accent6">
+                    <a:lumMod val="60000"/>
+                    <a:lumOff val="40000"/>
+                  </a:schemeClr>
+                </a:solidFill>
+              </a:rPr>
+              <a:t>49.95</a:t>
+            </a:r>
+          </a:p>
+          <a:p>
+            <a:r>
+              <a:rPr lang="en-US" dirty="0" smtClean="0">
+                <a:solidFill>
+                  <a:schemeClr val="bg1"/>
+                </a:solidFill>
+              </a:rPr>
+              <a:t>txt </a:t>
+            </a:r>
+            <a:r>
+              <a:rPr lang="en-US" dirty="0">
+                <a:solidFill>
+                  <a:schemeClr val="bg1"/>
+                </a:solidFill>
+              </a:rPr>
+              <a:t>= </a:t>
+            </a:r>
+            <a:r>
+              <a:rPr lang="en-US" dirty="0" smtClean="0">
+                <a:solidFill>
+                  <a:schemeClr val="accent2">
+                    <a:lumMod val="75000"/>
+                  </a:schemeClr>
+                </a:solidFill>
+              </a:rPr>
+              <a:t>“</a:t>
+            </a:r>
+            <a:r>
+              <a:rPr lang="en-US" dirty="0" err="1" smtClean="0">
+                <a:solidFill>
+                  <a:schemeClr val="accent2">
+                    <a:lumMod val="75000"/>
+                  </a:schemeClr>
+                </a:solidFill>
+              </a:rPr>
+              <a:t>Mua</a:t>
+            </a:r>
+            <a:r>
+              <a:rPr lang="en-US" dirty="0" smtClean="0">
+                <a:solidFill>
+                  <a:schemeClr val="accent2">
+                    <a:lumMod val="75000"/>
+                  </a:schemeClr>
+                </a:solidFill>
+              </a:rPr>
+              <a:t> {0} </a:t>
+            </a:r>
+            <a:r>
+              <a:rPr lang="en-US" dirty="0" err="1" smtClean="0">
+                <a:solidFill>
+                  <a:schemeClr val="accent2">
+                    <a:lumMod val="75000"/>
+                  </a:schemeClr>
+                </a:solidFill>
+              </a:rPr>
+              <a:t>cái</a:t>
+            </a:r>
+            <a:r>
+              <a:rPr lang="en-US" dirty="0" smtClean="0">
+                <a:solidFill>
+                  <a:schemeClr val="accent2">
+                    <a:lumMod val="75000"/>
+                  </a:schemeClr>
+                </a:solidFill>
+              </a:rPr>
+              <a:t> </a:t>
+            </a:r>
+            <a:r>
+              <a:rPr lang="en-US" dirty="0" err="1" smtClean="0">
+                <a:solidFill>
+                  <a:schemeClr val="accent2">
+                    <a:lumMod val="75000"/>
+                  </a:schemeClr>
+                </a:solidFill>
+              </a:rPr>
+              <a:t>bánh</a:t>
+            </a:r>
+            <a:r>
+              <a:rPr lang="en-US" dirty="0" smtClean="0">
+                <a:solidFill>
+                  <a:schemeClr val="accent2">
+                    <a:lumMod val="75000"/>
+                  </a:schemeClr>
+                </a:solidFill>
+              </a:rPr>
+              <a:t> </a:t>
+            </a:r>
+            <a:r>
+              <a:rPr lang="en-US" dirty="0" err="1" smtClean="0">
+                <a:solidFill>
+                  <a:schemeClr val="accent2">
+                    <a:lumMod val="75000"/>
+                  </a:schemeClr>
+                </a:solidFill>
+              </a:rPr>
+              <a:t>hết</a:t>
+            </a:r>
+            <a:r>
+              <a:rPr lang="en-US" dirty="0" smtClean="0">
+                <a:solidFill>
+                  <a:schemeClr val="accent2">
+                    <a:lumMod val="75000"/>
+                  </a:schemeClr>
+                </a:solidFill>
+              </a:rPr>
+              <a:t> {1} </a:t>
+            </a:r>
+            <a:r>
+              <a:rPr lang="en-US" dirty="0" err="1" smtClean="0">
+                <a:solidFill>
+                  <a:schemeClr val="accent2">
+                    <a:lumMod val="75000"/>
+                  </a:schemeClr>
+                </a:solidFill>
+              </a:rPr>
+              <a:t>đô</a:t>
+            </a:r>
+            <a:r>
+              <a:rPr lang="en-US" dirty="0" smtClean="0">
+                <a:solidFill>
+                  <a:schemeClr val="accent2">
+                    <a:lumMod val="75000"/>
+                  </a:schemeClr>
+                </a:solidFill>
+              </a:rPr>
+              <a:t> la. </a:t>
+            </a:r>
+            <a:r>
+              <a:rPr lang="en-US" dirty="0" err="1" smtClean="0">
+                <a:solidFill>
+                  <a:schemeClr val="accent2">
+                    <a:lumMod val="75000"/>
+                  </a:schemeClr>
+                </a:solidFill>
+              </a:rPr>
+              <a:t>Em</a:t>
+            </a:r>
+            <a:r>
+              <a:rPr lang="en-US" dirty="0" smtClean="0">
+                <a:solidFill>
+                  <a:schemeClr val="accent2">
+                    <a:lumMod val="75000"/>
+                  </a:schemeClr>
+                </a:solidFill>
+              </a:rPr>
+              <a:t> </a:t>
+            </a:r>
+            <a:r>
+              <a:rPr lang="en-US" dirty="0" err="1" smtClean="0">
+                <a:solidFill>
+                  <a:schemeClr val="accent2">
+                    <a:lumMod val="75000"/>
+                  </a:schemeClr>
+                </a:solidFill>
+              </a:rPr>
+              <a:t>tôi</a:t>
+            </a:r>
+            <a:r>
+              <a:rPr lang="en-US" dirty="0" smtClean="0">
+                <a:solidFill>
+                  <a:schemeClr val="accent2">
+                    <a:lumMod val="75000"/>
+                  </a:schemeClr>
+                </a:solidFill>
+              </a:rPr>
+              <a:t> </a:t>
+            </a:r>
+            <a:r>
+              <a:rPr lang="en-US" dirty="0" err="1" smtClean="0">
+                <a:solidFill>
+                  <a:schemeClr val="accent2">
+                    <a:lumMod val="75000"/>
+                  </a:schemeClr>
+                </a:solidFill>
+              </a:rPr>
+              <a:t>ăn</a:t>
+            </a:r>
+            <a:r>
+              <a:rPr lang="en-US" dirty="0" smtClean="0">
+                <a:solidFill>
+                  <a:schemeClr val="accent2">
+                    <a:lumMod val="75000"/>
+                  </a:schemeClr>
+                </a:solidFill>
+              </a:rPr>
+              <a:t> </a:t>
+            </a:r>
+            <a:r>
+              <a:rPr lang="en-US" dirty="0" err="1" smtClean="0">
+                <a:solidFill>
+                  <a:schemeClr val="accent2">
+                    <a:lumMod val="75000"/>
+                  </a:schemeClr>
+                </a:solidFill>
+              </a:rPr>
+              <a:t>hết</a:t>
+            </a:r>
+            <a:r>
+              <a:rPr lang="en-US" dirty="0" smtClean="0">
+                <a:solidFill>
+                  <a:schemeClr val="accent2">
+                    <a:lumMod val="75000"/>
+                  </a:schemeClr>
+                </a:solidFill>
+              </a:rPr>
+              <a:t> {0} </a:t>
+            </a:r>
+            <a:r>
+              <a:rPr lang="en-US" dirty="0" err="1" smtClean="0">
+                <a:solidFill>
+                  <a:schemeClr val="accent2">
+                    <a:lumMod val="75000"/>
+                  </a:schemeClr>
+                </a:solidFill>
+              </a:rPr>
+              <a:t>cái</a:t>
+            </a:r>
+            <a:r>
+              <a:rPr lang="en-US" dirty="0" smtClean="0">
+                <a:solidFill>
+                  <a:schemeClr val="accent2">
+                    <a:lumMod val="75000"/>
+                  </a:schemeClr>
+                </a:solidFill>
+              </a:rPr>
+              <a:t> </a:t>
+            </a:r>
+            <a:r>
+              <a:rPr lang="en-US" dirty="0" err="1" smtClean="0">
+                <a:solidFill>
+                  <a:schemeClr val="accent2">
+                    <a:lumMod val="75000"/>
+                  </a:schemeClr>
+                </a:solidFill>
+              </a:rPr>
+              <a:t>bánh</a:t>
+            </a:r>
+            <a:r>
+              <a:rPr lang="en-US" dirty="0" smtClean="0">
+                <a:solidFill>
+                  <a:schemeClr val="accent2">
+                    <a:lumMod val="75000"/>
+                  </a:schemeClr>
+                </a:solidFill>
+              </a:rPr>
+              <a:t>"</a:t>
+            </a:r>
+            <a:r>
+              <a:rPr lang="en-US" dirty="0">
+                <a:solidFill>
+                  <a:schemeClr val="bg1"/>
+                </a:solidFill>
+              </a:rPr>
+              <a:t/>
+            </a:r>
+            <a:br>
+              <a:rPr lang="en-US" dirty="0">
+                <a:solidFill>
+                  <a:schemeClr val="bg1"/>
+                </a:solidFill>
+              </a:rPr>
+            </a:br>
+            <a:r>
+              <a:rPr lang="en-US" dirty="0" smtClean="0">
+                <a:solidFill>
+                  <a:schemeClr val="bg1"/>
+                </a:solidFill>
+              </a:rPr>
+              <a:t>print</a:t>
+            </a:r>
+            <a:r>
+              <a:rPr lang="en-US" dirty="0" smtClean="0">
+                <a:solidFill>
+                  <a:schemeClr val="accent4">
+                    <a:lumMod val="60000"/>
+                    <a:lumOff val="40000"/>
+                  </a:schemeClr>
+                </a:solidFill>
+              </a:rPr>
+              <a:t>(</a:t>
+            </a:r>
+            <a:r>
+              <a:rPr lang="en-US" dirty="0" err="1" smtClean="0">
+                <a:solidFill>
+                  <a:schemeClr val="bg1"/>
+                </a:solidFill>
+              </a:rPr>
+              <a:t>txt.format</a:t>
+            </a:r>
+            <a:r>
+              <a:rPr lang="en-US" dirty="0" smtClean="0">
+                <a:solidFill>
+                  <a:srgbClr val="FF66CC"/>
+                </a:solidFill>
+              </a:rPr>
+              <a:t>(</a:t>
+            </a:r>
+            <a:r>
+              <a:rPr lang="en-US" dirty="0">
+                <a:solidFill>
+                  <a:schemeClr val="bg1"/>
+                </a:solidFill>
+              </a:rPr>
+              <a:t>quantity</a:t>
+            </a:r>
+            <a:r>
+              <a:rPr lang="en-US" dirty="0" smtClean="0">
+                <a:solidFill>
+                  <a:schemeClr val="bg1"/>
+                </a:solidFill>
+              </a:rPr>
+              <a:t>, </a:t>
+            </a:r>
+            <a:r>
+              <a:rPr lang="en-US" dirty="0">
+                <a:solidFill>
+                  <a:schemeClr val="bg1"/>
+                </a:solidFill>
+              </a:rPr>
+              <a:t>price</a:t>
+            </a:r>
+            <a:r>
+              <a:rPr lang="en-US" dirty="0" smtClean="0">
+                <a:solidFill>
+                  <a:srgbClr val="FF66CC"/>
+                </a:solidFill>
+              </a:rPr>
+              <a:t>)</a:t>
+            </a:r>
+            <a:r>
+              <a:rPr lang="en-US" dirty="0" smtClean="0">
+                <a:solidFill>
+                  <a:schemeClr val="accent4">
+                    <a:lumMod val="60000"/>
+                    <a:lumOff val="40000"/>
+                  </a:schemeClr>
+                </a:solidFill>
+              </a:rPr>
+              <a:t>)</a:t>
+            </a:r>
+          </a:p>
+          <a:p>
+            <a:r>
+              <a:rPr lang="en-US" sz="1600" dirty="0" smtClean="0">
+                <a:solidFill>
+                  <a:schemeClr val="accent4">
+                    <a:lumMod val="60000"/>
+                    <a:lumOff val="40000"/>
+                  </a:schemeClr>
+                </a:solidFill>
+              </a:rPr>
+              <a:t>#</a:t>
+            </a:r>
+            <a:r>
+              <a:rPr lang="en-US" sz="1600" dirty="0" err="1" smtClean="0">
+                <a:solidFill>
+                  <a:schemeClr val="accent4">
+                    <a:lumMod val="60000"/>
+                    <a:lumOff val="40000"/>
+                  </a:schemeClr>
+                </a:solidFill>
+              </a:rPr>
+              <a:t>Kết</a:t>
+            </a:r>
+            <a:r>
+              <a:rPr lang="en-US" sz="1600" dirty="0" smtClean="0">
+                <a:solidFill>
+                  <a:schemeClr val="accent4">
+                    <a:lumMod val="60000"/>
+                    <a:lumOff val="40000"/>
+                  </a:schemeClr>
+                </a:solidFill>
+              </a:rPr>
+              <a:t> </a:t>
+            </a:r>
+            <a:r>
+              <a:rPr lang="en-US" sz="1600" dirty="0" err="1" smtClean="0">
+                <a:solidFill>
+                  <a:schemeClr val="accent4">
+                    <a:lumMod val="60000"/>
+                    <a:lumOff val="40000"/>
+                  </a:schemeClr>
+                </a:solidFill>
+              </a:rPr>
+              <a:t>quả</a:t>
+            </a:r>
+            <a:r>
+              <a:rPr lang="en-US" sz="1600" dirty="0" smtClean="0">
+                <a:solidFill>
+                  <a:schemeClr val="accent4">
+                    <a:lumMod val="60000"/>
+                    <a:lumOff val="40000"/>
+                  </a:schemeClr>
+                </a:solidFill>
+              </a:rPr>
+              <a:t> in </a:t>
+            </a:r>
+            <a:r>
+              <a:rPr lang="en-US" sz="1600" dirty="0" err="1" smtClean="0">
+                <a:solidFill>
+                  <a:schemeClr val="accent4">
+                    <a:lumMod val="60000"/>
+                    <a:lumOff val="40000"/>
+                  </a:schemeClr>
+                </a:solidFill>
+              </a:rPr>
+              <a:t>ra</a:t>
+            </a:r>
+            <a:r>
+              <a:rPr lang="en-US" sz="1600" dirty="0" smtClean="0">
+                <a:solidFill>
+                  <a:schemeClr val="accent4">
+                    <a:lumMod val="60000"/>
+                    <a:lumOff val="40000"/>
+                  </a:schemeClr>
+                </a:solidFill>
+              </a:rPr>
+              <a:t>: </a:t>
+            </a:r>
+            <a:r>
+              <a:rPr lang="en-US" dirty="0" err="1" smtClean="0">
+                <a:solidFill>
+                  <a:schemeClr val="accent4">
+                    <a:lumMod val="60000"/>
+                    <a:lumOff val="40000"/>
+                  </a:schemeClr>
+                </a:solidFill>
+              </a:rPr>
+              <a:t>Mua</a:t>
+            </a:r>
+            <a:r>
+              <a:rPr lang="en-US" dirty="0" smtClean="0">
+                <a:solidFill>
+                  <a:schemeClr val="accent4">
+                    <a:lumMod val="60000"/>
+                    <a:lumOff val="40000"/>
+                  </a:schemeClr>
+                </a:solidFill>
+              </a:rPr>
+              <a:t> 2 </a:t>
+            </a:r>
+            <a:r>
+              <a:rPr lang="en-US" dirty="0" err="1" smtClean="0">
+                <a:solidFill>
+                  <a:schemeClr val="accent4">
+                    <a:lumMod val="60000"/>
+                    <a:lumOff val="40000"/>
+                  </a:schemeClr>
+                </a:solidFill>
+              </a:rPr>
+              <a:t>cái</a:t>
+            </a:r>
+            <a:r>
+              <a:rPr lang="en-US" dirty="0" smtClean="0">
+                <a:solidFill>
+                  <a:schemeClr val="accent4">
+                    <a:lumMod val="60000"/>
+                    <a:lumOff val="40000"/>
+                  </a:schemeClr>
+                </a:solidFill>
+              </a:rPr>
+              <a:t> </a:t>
+            </a:r>
+            <a:r>
+              <a:rPr lang="en-US" dirty="0" err="1" smtClean="0">
+                <a:solidFill>
+                  <a:schemeClr val="accent4">
+                    <a:lumMod val="60000"/>
+                    <a:lumOff val="40000"/>
+                  </a:schemeClr>
+                </a:solidFill>
+              </a:rPr>
+              <a:t>bánh</a:t>
+            </a:r>
+            <a:r>
+              <a:rPr lang="en-US" dirty="0" smtClean="0">
+                <a:solidFill>
+                  <a:schemeClr val="accent4">
+                    <a:lumMod val="60000"/>
+                    <a:lumOff val="40000"/>
+                  </a:schemeClr>
+                </a:solidFill>
+              </a:rPr>
+              <a:t> </a:t>
+            </a:r>
+            <a:r>
+              <a:rPr lang="en-US" dirty="0" err="1" smtClean="0">
+                <a:solidFill>
+                  <a:schemeClr val="accent4">
+                    <a:lumMod val="60000"/>
+                    <a:lumOff val="40000"/>
+                  </a:schemeClr>
+                </a:solidFill>
+              </a:rPr>
+              <a:t>hết</a:t>
+            </a:r>
+            <a:r>
+              <a:rPr lang="en-US" dirty="0" smtClean="0">
+                <a:solidFill>
+                  <a:schemeClr val="accent4">
+                    <a:lumMod val="60000"/>
+                    <a:lumOff val="40000"/>
+                  </a:schemeClr>
+                </a:solidFill>
+              </a:rPr>
+              <a:t> 49.95 </a:t>
+            </a:r>
+            <a:r>
+              <a:rPr lang="en-US" dirty="0" err="1" smtClean="0">
+                <a:solidFill>
+                  <a:schemeClr val="accent4">
+                    <a:lumMod val="60000"/>
+                    <a:lumOff val="40000"/>
+                  </a:schemeClr>
+                </a:solidFill>
+              </a:rPr>
+              <a:t>đô</a:t>
+            </a:r>
+            <a:r>
+              <a:rPr lang="en-US" dirty="0" smtClean="0">
+                <a:solidFill>
+                  <a:schemeClr val="accent4">
+                    <a:lumMod val="60000"/>
+                    <a:lumOff val="40000"/>
+                  </a:schemeClr>
+                </a:solidFill>
+              </a:rPr>
+              <a:t> la. </a:t>
+            </a:r>
+            <a:r>
+              <a:rPr lang="en-US" dirty="0" err="1" smtClean="0">
+                <a:solidFill>
+                  <a:schemeClr val="accent4">
+                    <a:lumMod val="60000"/>
+                    <a:lumOff val="40000"/>
+                  </a:schemeClr>
+                </a:solidFill>
+              </a:rPr>
+              <a:t>Em</a:t>
+            </a:r>
+            <a:r>
+              <a:rPr lang="en-US" dirty="0" smtClean="0">
+                <a:solidFill>
+                  <a:schemeClr val="accent4">
+                    <a:lumMod val="60000"/>
+                    <a:lumOff val="40000"/>
+                  </a:schemeClr>
+                </a:solidFill>
+              </a:rPr>
+              <a:t> </a:t>
+            </a:r>
+            <a:r>
+              <a:rPr lang="en-US" dirty="0" err="1" smtClean="0">
+                <a:solidFill>
+                  <a:schemeClr val="accent4">
+                    <a:lumMod val="60000"/>
+                    <a:lumOff val="40000"/>
+                  </a:schemeClr>
+                </a:solidFill>
+              </a:rPr>
+              <a:t>tôi</a:t>
+            </a:r>
+            <a:r>
+              <a:rPr lang="en-US" dirty="0" smtClean="0">
+                <a:solidFill>
+                  <a:schemeClr val="accent4">
+                    <a:lumMod val="60000"/>
+                    <a:lumOff val="40000"/>
+                  </a:schemeClr>
+                </a:solidFill>
+              </a:rPr>
+              <a:t> </a:t>
+            </a:r>
+            <a:r>
+              <a:rPr lang="en-US" dirty="0" err="1" smtClean="0">
+                <a:solidFill>
+                  <a:schemeClr val="accent4">
+                    <a:lumMod val="60000"/>
+                    <a:lumOff val="40000"/>
+                  </a:schemeClr>
+                </a:solidFill>
+              </a:rPr>
+              <a:t>ăn</a:t>
+            </a:r>
+            <a:r>
+              <a:rPr lang="en-US" dirty="0" smtClean="0">
+                <a:solidFill>
+                  <a:schemeClr val="accent4">
+                    <a:lumMod val="60000"/>
+                    <a:lumOff val="40000"/>
+                  </a:schemeClr>
+                </a:solidFill>
+              </a:rPr>
+              <a:t> </a:t>
+            </a:r>
+            <a:r>
+              <a:rPr lang="en-US" dirty="0" err="1" smtClean="0">
+                <a:solidFill>
+                  <a:schemeClr val="accent4">
+                    <a:lumMod val="60000"/>
+                    <a:lumOff val="40000"/>
+                  </a:schemeClr>
+                </a:solidFill>
+              </a:rPr>
+              <a:t>hết</a:t>
+            </a:r>
+            <a:r>
+              <a:rPr lang="en-US" dirty="0" smtClean="0">
+                <a:solidFill>
+                  <a:schemeClr val="accent4">
+                    <a:lumMod val="60000"/>
+                    <a:lumOff val="40000"/>
+                  </a:schemeClr>
+                </a:solidFill>
+              </a:rPr>
+              <a:t> 2 </a:t>
+            </a:r>
+            <a:r>
+              <a:rPr lang="en-US" dirty="0" err="1" smtClean="0">
+                <a:solidFill>
+                  <a:schemeClr val="accent4">
+                    <a:lumMod val="60000"/>
+                    <a:lumOff val="40000"/>
+                  </a:schemeClr>
+                </a:solidFill>
+              </a:rPr>
+              <a:t>cái</a:t>
+            </a:r>
+            <a:r>
+              <a:rPr lang="en-US" dirty="0" smtClean="0">
+                <a:solidFill>
+                  <a:schemeClr val="accent4">
+                    <a:lumMod val="60000"/>
+                    <a:lumOff val="40000"/>
+                  </a:schemeClr>
+                </a:solidFill>
+              </a:rPr>
+              <a:t> </a:t>
+            </a:r>
+            <a:r>
+              <a:rPr lang="en-US" dirty="0" err="1" smtClean="0">
+                <a:solidFill>
+                  <a:schemeClr val="accent4">
+                    <a:lumMod val="60000"/>
+                    <a:lumOff val="40000"/>
+                  </a:schemeClr>
+                </a:solidFill>
+              </a:rPr>
+              <a:t>bánh</a:t>
+            </a:r>
+            <a:endParaRPr lang="en-US" sz="1600" dirty="0">
+              <a:solidFill>
+                <a:schemeClr val="accent4">
+                  <a:lumMod val="60000"/>
+                  <a:lumOff val="40000"/>
+                </a:schemeClr>
+              </a:solidFill>
+            </a:endParaRPr>
+          </a:p>
+        </p:txBody>
+      </p:sp>
+      <p:sp>
+        <p:nvSpPr>
+          <p:cNvPr id="14" name="TextBox 13"/>
+          <p:cNvSpPr txBox="1"/>
+          <p:nvPr/>
+        </p:nvSpPr>
+        <p:spPr>
+          <a:xfrm>
+            <a:off x="774221" y="2098011"/>
+            <a:ext cx="7834152" cy="369332"/>
+          </a:xfrm>
+          <a:prstGeom prst="rect">
+            <a:avLst/>
+          </a:prstGeom>
+          <a:noFill/>
+        </p:spPr>
+        <p:txBody>
+          <a:bodyPr wrap="square" rtlCol="0">
+            <a:spAutoFit/>
+          </a:bodyPr>
+          <a:lstStyle/>
+          <a:p>
+            <a:r>
+              <a:rPr lang="en-US" b="1" dirty="0" err="1" smtClean="0"/>
+              <a:t>Chỉ</a:t>
+            </a:r>
+            <a:r>
+              <a:rPr lang="en-US" b="1" dirty="0" smtClean="0"/>
+              <a:t> </a:t>
+            </a:r>
+            <a:r>
+              <a:rPr lang="en-US" b="1" dirty="0" err="1" smtClean="0"/>
+              <a:t>lệnh</a:t>
+            </a:r>
+            <a:r>
+              <a:rPr lang="en-US" b="1" dirty="0" smtClean="0"/>
+              <a:t> </a:t>
+            </a:r>
+            <a:r>
+              <a:rPr lang="en-US" b="1" dirty="0" err="1" smtClean="0"/>
+              <a:t>thiết</a:t>
+            </a:r>
+            <a:r>
+              <a:rPr lang="en-US" b="1" dirty="0" smtClean="0"/>
+              <a:t> </a:t>
+            </a:r>
+            <a:r>
+              <a:rPr lang="en-US" b="1" dirty="0" err="1" smtClean="0"/>
+              <a:t>lập</a:t>
+            </a:r>
+            <a:r>
+              <a:rPr lang="en-US" b="1" dirty="0" smtClean="0"/>
+              <a:t> </a:t>
+            </a:r>
+            <a:r>
+              <a:rPr lang="en-US" b="1" dirty="0" err="1" smtClean="0"/>
+              <a:t>canh</a:t>
+            </a:r>
+            <a:r>
+              <a:rPr lang="en-US" b="1" dirty="0" smtClean="0"/>
+              <a:t> </a:t>
+            </a:r>
+            <a:r>
+              <a:rPr lang="en-US" b="1" dirty="0" err="1" smtClean="0"/>
+              <a:t>thẳng</a:t>
+            </a:r>
+            <a:r>
+              <a:rPr lang="en-US" b="1" dirty="0" smtClean="0"/>
+              <a:t> </a:t>
+            </a:r>
+            <a:r>
+              <a:rPr lang="en-US" b="1" dirty="0" err="1" smtClean="0"/>
+              <a:t>hàng</a:t>
+            </a:r>
+            <a:endParaRPr lang="en-US" b="1" dirty="0">
+              <a:solidFill>
+                <a:srgbClr val="FF0000"/>
+              </a:solidFill>
+            </a:endParaRPr>
+          </a:p>
+        </p:txBody>
+      </p:sp>
+      <p:sp>
+        <p:nvSpPr>
+          <p:cNvPr id="25" name="Flowchart: Decision 24"/>
+          <p:cNvSpPr/>
+          <p:nvPr/>
+        </p:nvSpPr>
+        <p:spPr>
+          <a:xfrm>
+            <a:off x="625365" y="2207205"/>
+            <a:ext cx="148856" cy="170120"/>
+          </a:xfrm>
+          <a:prstGeom prst="flowChartDecision">
+            <a:avLst/>
+          </a:prstGeom>
+          <a:solidFill>
+            <a:srgbClr val="3A75A6"/>
+          </a:solidFill>
+        </p:spPr>
+        <p:style>
+          <a:lnRef idx="2">
+            <a:schemeClr val="accent1">
+              <a:shade val="50000"/>
+            </a:schemeClr>
+          </a:lnRef>
+          <a:fillRef idx="1">
+            <a:schemeClr val="accent1"/>
+          </a:fillRef>
+          <a:effectRef idx="0">
+            <a:schemeClr val="accent1"/>
+          </a:effectRef>
+          <a:fontRef idx="minor">
+            <a:schemeClr val="lt1"/>
+          </a:fontRef>
+        </p:style>
+        <p:txBody>
+          <a:bodyPr rtlCol="0" anchor="ctr"/>
+          <a:lstStyle/>
+          <a:p>
+            <a:pPr algn="ctr"/>
+            <a:endParaRPr lang="en-US"/>
+          </a:p>
+        </p:txBody>
+      </p:sp>
+      <p:pic>
+        <p:nvPicPr>
+          <p:cNvPr id="26" name="Picture 2" descr="https://www.python.org/static/apple-touch-icon-precomposed.png"/>
+          <p:cNvPicPr>
+            <a:picLocks noChangeAspect="1" noChangeArrowheads="1"/>
+          </p:cNvPicPr>
+          <p:nvPr/>
+        </p:nvPicPr>
+        <p:blipFill>
+          <a:blip r:embed="rId2">
+            <a:extLst>
+              <a:ext uri="{28A0092B-C50C-407E-A947-70E740481C1C}">
+                <a14:useLocalDpi xmlns:a14="http://schemas.microsoft.com/office/drawing/2010/main" val="0"/>
+              </a:ext>
+            </a:extLst>
+          </a:blip>
+          <a:srcRect/>
+          <a:stretch>
+            <a:fillRect/>
+          </a:stretch>
+        </p:blipFill>
+        <p:spPr bwMode="auto">
+          <a:xfrm>
+            <a:off x="548981" y="1516875"/>
+            <a:ext cx="450480" cy="450481"/>
+          </a:xfrm>
+          <a:prstGeom prst="rect">
+            <a:avLst/>
+          </a:prstGeom>
+          <a:noFill/>
+          <a:extLst>
+            <a:ext uri="{909E8E84-426E-40DD-AFC4-6F175D3DCCD1}">
+              <a14:hiddenFill xmlns:a14="http://schemas.microsoft.com/office/drawing/2010/main">
+                <a:solidFill>
+                  <a:srgbClr val="FFFFFF"/>
+                </a:solidFill>
+              </a14:hiddenFill>
+            </a:ext>
+          </a:extLst>
+        </p:spPr>
+      </p:pic>
+      <p:sp>
+        <p:nvSpPr>
+          <p:cNvPr id="27" name="TextBox 26"/>
+          <p:cNvSpPr txBox="1"/>
+          <p:nvPr/>
+        </p:nvSpPr>
+        <p:spPr>
+          <a:xfrm>
+            <a:off x="1041993" y="1557449"/>
+            <a:ext cx="6432695" cy="369332"/>
+          </a:xfrm>
+          <a:prstGeom prst="rect">
+            <a:avLst/>
+          </a:prstGeom>
+          <a:noFill/>
+        </p:spPr>
+        <p:txBody>
+          <a:bodyPr wrap="square" rtlCol="0">
+            <a:spAutoFit/>
+          </a:bodyPr>
+          <a:lstStyle/>
+          <a:p>
+            <a:r>
+              <a:rPr lang="en-US" b="1" dirty="0" err="1" smtClean="0"/>
+              <a:t>Chỉ</a:t>
+            </a:r>
+            <a:r>
+              <a:rPr lang="en-US" b="1" dirty="0" smtClean="0"/>
+              <a:t> </a:t>
+            </a:r>
+            <a:r>
+              <a:rPr lang="en-US" b="1" dirty="0" err="1" smtClean="0"/>
+              <a:t>lệnh</a:t>
+            </a:r>
+            <a:r>
+              <a:rPr lang="en-US" b="1" dirty="0" smtClean="0"/>
+              <a:t> </a:t>
+            </a:r>
+            <a:r>
+              <a:rPr lang="en-US" b="1" dirty="0" err="1" smtClean="0"/>
+              <a:t>trong</a:t>
+            </a:r>
+            <a:r>
+              <a:rPr lang="en-US" b="1" dirty="0" smtClean="0"/>
+              <a:t> field</a:t>
+            </a:r>
+            <a:endParaRPr lang="en-US" b="1" dirty="0">
+              <a:solidFill>
+                <a:srgbClr val="FF0000"/>
+              </a:solidFill>
+            </a:endParaRPr>
+          </a:p>
+        </p:txBody>
+      </p:sp>
+    </p:spTree>
+    <p:extLst>
+      <p:ext uri="{BB962C8B-B14F-4D97-AF65-F5344CB8AC3E}">
+        <p14:creationId xmlns:p14="http://schemas.microsoft.com/office/powerpoint/2010/main" val="1420726808"/>
+      </p:ext>
+    </p:extLst>
+  </p:cSld>
+  <p:clrMapOvr>
+    <a:masterClrMapping/>
+  </p:clrMapOvr>
+  <p:timing>
+    <p:tnLst>
+      <p:par>
+        <p:cTn id="1" dur="indefinite" restart="never" nodeType="tmRoot"/>
+      </p:par>
+    </p:tnLst>
+  </p:timing>
+</p:sld>
+</file>
+
+<file path=ppt/slides/slide17.xml><?xml version="1.0" encoding="utf-8"?>
+<p:sld xmlns:a="http://schemas.openxmlformats.org/drawingml/2006/main" xmlns:r="http://schemas.openxmlformats.org/officeDocument/2006/relationships" xmlns:p="http://schemas.openxmlformats.org/presentationml/2006/main">
+  <p:cSld>
+    <p:spTree>
+      <p:nvGrpSpPr>
+        <p:cNvPr id="1" name=""/>
+        <p:cNvGrpSpPr/>
+        <p:nvPr/>
+      </p:nvGrpSpPr>
+      <p:grpSpPr>
+        <a:xfrm>
+          <a:off x="0" y="0"/>
+          <a:ext cx="0" cy="0"/>
+          <a:chOff x="0" y="0"/>
+          <a:chExt cx="0" cy="0"/>
+        </a:xfrm>
+      </p:grpSpPr>
+      <p:sp>
+        <p:nvSpPr>
+          <p:cNvPr id="2" name="Slide Number Placeholder 1"/>
+          <p:cNvSpPr>
+            <a:spLocks noGrp="1"/>
+          </p:cNvSpPr>
+          <p:nvPr>
+            <p:ph type="sldNum" sz="quarter" idx="12"/>
+          </p:nvPr>
+        </p:nvSpPr>
+        <p:spPr/>
+        <p:txBody>
+          <a:bodyPr/>
+          <a:lstStyle/>
+          <a:p>
+            <a:fld id="{7D9EC917-02A2-4152-9EE3-DFE2775A77C7}" type="slidenum">
+              <a:rPr lang="en-US" smtClean="0"/>
+              <a:pPr/>
+              <a:t>17</a:t>
+            </a:fld>
+            <a:endParaRPr lang="en-US"/>
+          </a:p>
+        </p:txBody>
+      </p:sp>
+      <p:sp>
+        <p:nvSpPr>
+          <p:cNvPr id="3" name="Text Placeholder 2"/>
+          <p:cNvSpPr>
+            <a:spLocks noGrp="1"/>
+          </p:cNvSpPr>
+          <p:nvPr>
+            <p:ph type="body" sz="quarter" idx="13"/>
+          </p:nvPr>
+        </p:nvSpPr>
+        <p:spPr>
+          <a:xfrm>
+            <a:off x="301925" y="851290"/>
+            <a:ext cx="8454964" cy="424732"/>
+          </a:xfrm>
+        </p:spPr>
+        <p:txBody>
+          <a:bodyPr/>
+          <a:lstStyle/>
+          <a:p>
+            <a:r>
+              <a:rPr lang="en-US" dirty="0"/>
+              <a:t>9.3 </a:t>
+            </a:r>
+            <a:r>
+              <a:rPr lang="en-US" dirty="0" err="1"/>
+              <a:t>Định</a:t>
+            </a:r>
+            <a:r>
+              <a:rPr lang="en-US" dirty="0"/>
+              <a:t> </a:t>
+            </a:r>
+            <a:r>
+              <a:rPr lang="en-US" dirty="0" err="1"/>
+              <a:t>dạng</a:t>
+            </a:r>
+            <a:r>
+              <a:rPr lang="en-US" dirty="0"/>
+              <a:t> </a:t>
+            </a:r>
+            <a:r>
+              <a:rPr lang="en-US" dirty="0" err="1"/>
+              <a:t>Chuỗi</a:t>
+            </a:r>
+            <a:endParaRPr lang="en-US" dirty="0"/>
+          </a:p>
+        </p:txBody>
+      </p:sp>
+      <p:sp>
+        <p:nvSpPr>
+          <p:cNvPr id="29" name="Rectangle 28"/>
+          <p:cNvSpPr/>
+          <p:nvPr/>
+        </p:nvSpPr>
+        <p:spPr>
+          <a:xfrm>
+            <a:off x="699793" y="2590402"/>
+            <a:ext cx="7774356" cy="1843605"/>
+          </a:xfrm>
+          <a:prstGeom prst="rect">
+            <a:avLst/>
+          </a:prstGeom>
+          <a:solidFill>
+            <a:schemeClr val="tx1">
+              <a:lumMod val="85000"/>
+              <a:lumOff val="15000"/>
+            </a:schemeClr>
+          </a:solidFill>
+          <a:ln>
+            <a:noFill/>
+          </a:ln>
+        </p:spPr>
+        <p:style>
+          <a:lnRef idx="2">
+            <a:schemeClr val="accent1">
+              <a:shade val="50000"/>
+            </a:schemeClr>
+          </a:lnRef>
+          <a:fillRef idx="1">
+            <a:schemeClr val="accent1"/>
+          </a:fillRef>
+          <a:effectRef idx="0">
+            <a:schemeClr val="accent1"/>
+          </a:effectRef>
+          <a:fontRef idx="minor">
+            <a:schemeClr val="lt1"/>
+          </a:fontRef>
+        </p:style>
+        <p:txBody>
+          <a:bodyPr rtlCol="0" anchor="ctr"/>
+          <a:lstStyle/>
+          <a:p>
+            <a:pPr algn="ctr"/>
+            <a:endParaRPr lang="en-US" dirty="0"/>
+          </a:p>
+        </p:txBody>
+      </p:sp>
+      <p:sp>
+        <p:nvSpPr>
+          <p:cNvPr id="30" name="TextBox 29"/>
+          <p:cNvSpPr txBox="1"/>
+          <p:nvPr/>
+        </p:nvSpPr>
+        <p:spPr>
+          <a:xfrm>
+            <a:off x="880547" y="2740561"/>
+            <a:ext cx="7402216" cy="1477328"/>
+          </a:xfrm>
+          <a:prstGeom prst="rect">
+            <a:avLst/>
+          </a:prstGeom>
+          <a:noFill/>
+        </p:spPr>
+        <p:txBody>
+          <a:bodyPr wrap="square" rtlCol="0">
+            <a:spAutoFit/>
+          </a:bodyPr>
+          <a:lstStyle/>
+          <a:p>
+            <a:r>
+              <a:rPr lang="en-US" dirty="0">
+                <a:solidFill>
+                  <a:schemeClr val="bg1"/>
+                </a:solidFill>
+              </a:rPr>
+              <a:t>quantity</a:t>
+            </a:r>
+            <a:r>
+              <a:rPr lang="en-US" dirty="0"/>
+              <a:t> </a:t>
+            </a:r>
+            <a:r>
+              <a:rPr lang="en-US" dirty="0" smtClean="0">
+                <a:solidFill>
+                  <a:schemeClr val="bg1"/>
+                </a:solidFill>
+              </a:rPr>
+              <a:t> </a:t>
+            </a:r>
+            <a:r>
+              <a:rPr lang="en-US" dirty="0">
+                <a:solidFill>
+                  <a:schemeClr val="bg1"/>
+                </a:solidFill>
+              </a:rPr>
+              <a:t>= </a:t>
+            </a:r>
+            <a:r>
+              <a:rPr lang="en-US" dirty="0" smtClean="0">
+                <a:solidFill>
+                  <a:schemeClr val="accent6">
+                    <a:lumMod val="60000"/>
+                    <a:lumOff val="40000"/>
+                  </a:schemeClr>
+                </a:solidFill>
+              </a:rPr>
+              <a:t>2</a:t>
+            </a:r>
+          </a:p>
+          <a:p>
+            <a:r>
+              <a:rPr lang="en-US" dirty="0">
+                <a:solidFill>
+                  <a:schemeClr val="bg1"/>
+                </a:solidFill>
+              </a:rPr>
+              <a:t>price</a:t>
+            </a:r>
+            <a:r>
+              <a:rPr lang="en-US" dirty="0"/>
+              <a:t> </a:t>
+            </a:r>
+            <a:r>
+              <a:rPr lang="en-US" dirty="0" smtClean="0">
+                <a:solidFill>
+                  <a:schemeClr val="bg1"/>
+                </a:solidFill>
+              </a:rPr>
+              <a:t> = </a:t>
+            </a:r>
+            <a:r>
+              <a:rPr lang="en-US" dirty="0" smtClean="0">
+                <a:solidFill>
+                  <a:schemeClr val="accent6">
+                    <a:lumMod val="60000"/>
+                    <a:lumOff val="40000"/>
+                  </a:schemeClr>
+                </a:solidFill>
+              </a:rPr>
+              <a:t>49.95</a:t>
+            </a:r>
+          </a:p>
+          <a:p>
+            <a:r>
+              <a:rPr lang="en-US" dirty="0" smtClean="0">
+                <a:solidFill>
+                  <a:schemeClr val="bg1"/>
+                </a:solidFill>
+              </a:rPr>
+              <a:t>txt </a:t>
+            </a:r>
+            <a:r>
+              <a:rPr lang="en-US" dirty="0">
+                <a:solidFill>
+                  <a:schemeClr val="bg1"/>
+                </a:solidFill>
+              </a:rPr>
+              <a:t>= </a:t>
+            </a:r>
+            <a:r>
+              <a:rPr lang="en-US" dirty="0" smtClean="0">
+                <a:solidFill>
+                  <a:schemeClr val="accent2">
+                    <a:lumMod val="75000"/>
+                  </a:schemeClr>
+                </a:solidFill>
+              </a:rPr>
+              <a:t>“</a:t>
+            </a:r>
+            <a:r>
+              <a:rPr lang="en-US" dirty="0" err="1" smtClean="0">
+                <a:solidFill>
+                  <a:schemeClr val="accent2">
+                    <a:lumMod val="75000"/>
+                  </a:schemeClr>
+                </a:solidFill>
+              </a:rPr>
+              <a:t>Mua</a:t>
+            </a:r>
+            <a:r>
+              <a:rPr lang="en-US" dirty="0" smtClean="0">
+                <a:solidFill>
+                  <a:schemeClr val="accent2">
+                    <a:lumMod val="75000"/>
+                  </a:schemeClr>
+                </a:solidFill>
+              </a:rPr>
+              <a:t> {0} </a:t>
+            </a:r>
+            <a:r>
+              <a:rPr lang="en-US" dirty="0" err="1" smtClean="0">
+                <a:solidFill>
+                  <a:schemeClr val="accent2">
+                    <a:lumMod val="75000"/>
+                  </a:schemeClr>
+                </a:solidFill>
+              </a:rPr>
+              <a:t>cái</a:t>
+            </a:r>
+            <a:r>
+              <a:rPr lang="en-US" dirty="0" smtClean="0">
+                <a:solidFill>
+                  <a:schemeClr val="accent2">
+                    <a:lumMod val="75000"/>
+                  </a:schemeClr>
+                </a:solidFill>
+              </a:rPr>
+              <a:t> </a:t>
+            </a:r>
+            <a:r>
+              <a:rPr lang="en-US" dirty="0" err="1" smtClean="0">
+                <a:solidFill>
+                  <a:schemeClr val="accent2">
+                    <a:lumMod val="75000"/>
+                  </a:schemeClr>
+                </a:solidFill>
+              </a:rPr>
+              <a:t>bánh</a:t>
+            </a:r>
+            <a:r>
+              <a:rPr lang="en-US" dirty="0" smtClean="0">
+                <a:solidFill>
+                  <a:schemeClr val="accent2">
+                    <a:lumMod val="75000"/>
+                  </a:schemeClr>
+                </a:solidFill>
+              </a:rPr>
+              <a:t> </a:t>
+            </a:r>
+            <a:r>
+              <a:rPr lang="en-US" dirty="0" err="1" smtClean="0">
+                <a:solidFill>
+                  <a:schemeClr val="accent2">
+                    <a:lumMod val="75000"/>
+                  </a:schemeClr>
+                </a:solidFill>
+              </a:rPr>
+              <a:t>hết</a:t>
+            </a:r>
+            <a:r>
+              <a:rPr lang="en-US" dirty="0" smtClean="0">
+                <a:solidFill>
+                  <a:schemeClr val="accent2">
+                    <a:lumMod val="75000"/>
+                  </a:schemeClr>
+                </a:solidFill>
+              </a:rPr>
+              <a:t> {1} </a:t>
+            </a:r>
+            <a:r>
+              <a:rPr lang="en-US" dirty="0" err="1" smtClean="0">
+                <a:solidFill>
+                  <a:schemeClr val="accent2">
+                    <a:lumMod val="75000"/>
+                  </a:schemeClr>
+                </a:solidFill>
+              </a:rPr>
+              <a:t>đô</a:t>
+            </a:r>
+            <a:r>
+              <a:rPr lang="en-US" dirty="0" smtClean="0">
+                <a:solidFill>
+                  <a:schemeClr val="accent2">
+                    <a:lumMod val="75000"/>
+                  </a:schemeClr>
+                </a:solidFill>
+              </a:rPr>
+              <a:t> la. </a:t>
+            </a:r>
+            <a:r>
+              <a:rPr lang="en-US" dirty="0" err="1" smtClean="0">
+                <a:solidFill>
+                  <a:schemeClr val="accent2">
+                    <a:lumMod val="75000"/>
+                  </a:schemeClr>
+                </a:solidFill>
+              </a:rPr>
+              <a:t>Em</a:t>
+            </a:r>
+            <a:r>
+              <a:rPr lang="en-US" dirty="0" smtClean="0">
+                <a:solidFill>
+                  <a:schemeClr val="accent2">
+                    <a:lumMod val="75000"/>
+                  </a:schemeClr>
+                </a:solidFill>
+              </a:rPr>
+              <a:t> </a:t>
+            </a:r>
+            <a:r>
+              <a:rPr lang="en-US" dirty="0" err="1" smtClean="0">
+                <a:solidFill>
+                  <a:schemeClr val="accent2">
+                    <a:lumMod val="75000"/>
+                  </a:schemeClr>
+                </a:solidFill>
+              </a:rPr>
+              <a:t>tôi</a:t>
+            </a:r>
+            <a:r>
+              <a:rPr lang="en-US" dirty="0" smtClean="0">
+                <a:solidFill>
+                  <a:schemeClr val="accent2">
+                    <a:lumMod val="75000"/>
+                  </a:schemeClr>
+                </a:solidFill>
+              </a:rPr>
+              <a:t> </a:t>
+            </a:r>
+            <a:r>
+              <a:rPr lang="en-US" dirty="0" err="1" smtClean="0">
+                <a:solidFill>
+                  <a:schemeClr val="accent2">
+                    <a:lumMod val="75000"/>
+                  </a:schemeClr>
+                </a:solidFill>
+              </a:rPr>
+              <a:t>ăn</a:t>
+            </a:r>
+            <a:r>
+              <a:rPr lang="en-US" dirty="0" smtClean="0">
+                <a:solidFill>
+                  <a:schemeClr val="accent2">
+                    <a:lumMod val="75000"/>
+                  </a:schemeClr>
+                </a:solidFill>
+              </a:rPr>
+              <a:t> </a:t>
+            </a:r>
+            <a:r>
+              <a:rPr lang="en-US" dirty="0" err="1" smtClean="0">
+                <a:solidFill>
+                  <a:schemeClr val="accent2">
+                    <a:lumMod val="75000"/>
+                  </a:schemeClr>
+                </a:solidFill>
+              </a:rPr>
+              <a:t>hết</a:t>
+            </a:r>
+            <a:r>
+              <a:rPr lang="en-US" dirty="0" smtClean="0">
+                <a:solidFill>
+                  <a:schemeClr val="accent2">
+                    <a:lumMod val="75000"/>
+                  </a:schemeClr>
+                </a:solidFill>
+              </a:rPr>
+              <a:t> {0} </a:t>
+            </a:r>
+            <a:r>
+              <a:rPr lang="en-US" dirty="0" err="1" smtClean="0">
+                <a:solidFill>
+                  <a:schemeClr val="accent2">
+                    <a:lumMod val="75000"/>
+                  </a:schemeClr>
+                </a:solidFill>
+              </a:rPr>
+              <a:t>cái</a:t>
+            </a:r>
+            <a:r>
+              <a:rPr lang="en-US" dirty="0" smtClean="0">
+                <a:solidFill>
+                  <a:schemeClr val="accent2">
+                    <a:lumMod val="75000"/>
+                  </a:schemeClr>
+                </a:solidFill>
+              </a:rPr>
+              <a:t> </a:t>
+            </a:r>
+            <a:r>
+              <a:rPr lang="en-US" dirty="0" err="1" smtClean="0">
+                <a:solidFill>
+                  <a:schemeClr val="accent2">
+                    <a:lumMod val="75000"/>
+                  </a:schemeClr>
+                </a:solidFill>
+              </a:rPr>
+              <a:t>bánh</a:t>
+            </a:r>
+            <a:r>
+              <a:rPr lang="en-US" dirty="0" smtClean="0">
+                <a:solidFill>
+                  <a:schemeClr val="accent2">
+                    <a:lumMod val="75000"/>
+                  </a:schemeClr>
+                </a:solidFill>
+              </a:rPr>
+              <a:t>"</a:t>
+            </a:r>
+            <a:r>
+              <a:rPr lang="en-US" dirty="0">
+                <a:solidFill>
+                  <a:schemeClr val="bg1"/>
+                </a:solidFill>
+              </a:rPr>
+              <a:t/>
+            </a:r>
+            <a:br>
+              <a:rPr lang="en-US" dirty="0">
+                <a:solidFill>
+                  <a:schemeClr val="bg1"/>
+                </a:solidFill>
+              </a:rPr>
+            </a:br>
+            <a:r>
+              <a:rPr lang="en-US" dirty="0" smtClean="0">
+                <a:solidFill>
+                  <a:schemeClr val="bg1"/>
+                </a:solidFill>
+              </a:rPr>
+              <a:t>print</a:t>
+            </a:r>
+            <a:r>
+              <a:rPr lang="en-US" dirty="0" smtClean="0">
+                <a:solidFill>
+                  <a:schemeClr val="accent4">
+                    <a:lumMod val="60000"/>
+                    <a:lumOff val="40000"/>
+                  </a:schemeClr>
+                </a:solidFill>
+              </a:rPr>
+              <a:t>(</a:t>
+            </a:r>
+            <a:r>
+              <a:rPr lang="en-US" dirty="0" err="1" smtClean="0">
+                <a:solidFill>
+                  <a:schemeClr val="bg1"/>
+                </a:solidFill>
+              </a:rPr>
+              <a:t>txt.format</a:t>
+            </a:r>
+            <a:r>
+              <a:rPr lang="en-US" dirty="0" smtClean="0">
+                <a:solidFill>
+                  <a:srgbClr val="FF66CC"/>
+                </a:solidFill>
+              </a:rPr>
+              <a:t>(</a:t>
+            </a:r>
+            <a:r>
+              <a:rPr lang="en-US" dirty="0">
+                <a:solidFill>
+                  <a:schemeClr val="bg1"/>
+                </a:solidFill>
+              </a:rPr>
+              <a:t>quantity</a:t>
+            </a:r>
+            <a:r>
+              <a:rPr lang="en-US" dirty="0" smtClean="0">
+                <a:solidFill>
+                  <a:schemeClr val="bg1"/>
+                </a:solidFill>
+              </a:rPr>
+              <a:t>, </a:t>
+            </a:r>
+            <a:r>
+              <a:rPr lang="en-US" dirty="0">
+                <a:solidFill>
+                  <a:schemeClr val="bg1"/>
+                </a:solidFill>
+              </a:rPr>
+              <a:t>price</a:t>
+            </a:r>
+            <a:r>
+              <a:rPr lang="en-US" dirty="0" smtClean="0">
+                <a:solidFill>
+                  <a:srgbClr val="FF66CC"/>
+                </a:solidFill>
+              </a:rPr>
+              <a:t>)</a:t>
+            </a:r>
+            <a:r>
+              <a:rPr lang="en-US" dirty="0" smtClean="0">
+                <a:solidFill>
+                  <a:schemeClr val="accent4">
+                    <a:lumMod val="60000"/>
+                    <a:lumOff val="40000"/>
+                  </a:schemeClr>
+                </a:solidFill>
+              </a:rPr>
+              <a:t>)</a:t>
+            </a:r>
+          </a:p>
+          <a:p>
+            <a:r>
+              <a:rPr lang="en-US" sz="1600" dirty="0" smtClean="0">
+                <a:solidFill>
+                  <a:schemeClr val="accent4">
+                    <a:lumMod val="60000"/>
+                    <a:lumOff val="40000"/>
+                  </a:schemeClr>
+                </a:solidFill>
+              </a:rPr>
+              <a:t>#</a:t>
+            </a:r>
+            <a:r>
+              <a:rPr lang="en-US" sz="1600" dirty="0" err="1" smtClean="0">
+                <a:solidFill>
+                  <a:schemeClr val="accent4">
+                    <a:lumMod val="60000"/>
+                    <a:lumOff val="40000"/>
+                  </a:schemeClr>
+                </a:solidFill>
+              </a:rPr>
+              <a:t>Kết</a:t>
+            </a:r>
+            <a:r>
+              <a:rPr lang="en-US" sz="1600" dirty="0" smtClean="0">
+                <a:solidFill>
+                  <a:schemeClr val="accent4">
+                    <a:lumMod val="60000"/>
+                    <a:lumOff val="40000"/>
+                  </a:schemeClr>
+                </a:solidFill>
+              </a:rPr>
+              <a:t> </a:t>
+            </a:r>
+            <a:r>
+              <a:rPr lang="en-US" sz="1600" dirty="0" err="1" smtClean="0">
+                <a:solidFill>
+                  <a:schemeClr val="accent4">
+                    <a:lumMod val="60000"/>
+                    <a:lumOff val="40000"/>
+                  </a:schemeClr>
+                </a:solidFill>
+              </a:rPr>
+              <a:t>quả</a:t>
+            </a:r>
+            <a:r>
+              <a:rPr lang="en-US" sz="1600" dirty="0" smtClean="0">
+                <a:solidFill>
+                  <a:schemeClr val="accent4">
+                    <a:lumMod val="60000"/>
+                    <a:lumOff val="40000"/>
+                  </a:schemeClr>
+                </a:solidFill>
+              </a:rPr>
+              <a:t> in </a:t>
+            </a:r>
+            <a:r>
+              <a:rPr lang="en-US" sz="1600" dirty="0" err="1" smtClean="0">
+                <a:solidFill>
+                  <a:schemeClr val="accent4">
+                    <a:lumMod val="60000"/>
+                    <a:lumOff val="40000"/>
+                  </a:schemeClr>
+                </a:solidFill>
+              </a:rPr>
+              <a:t>ra</a:t>
+            </a:r>
+            <a:r>
+              <a:rPr lang="en-US" sz="1600" dirty="0" smtClean="0">
+                <a:solidFill>
+                  <a:schemeClr val="accent4">
+                    <a:lumMod val="60000"/>
+                    <a:lumOff val="40000"/>
+                  </a:schemeClr>
+                </a:solidFill>
+              </a:rPr>
+              <a:t>: </a:t>
+            </a:r>
+            <a:r>
+              <a:rPr lang="en-US" dirty="0" err="1" smtClean="0">
+                <a:solidFill>
+                  <a:schemeClr val="accent4">
+                    <a:lumMod val="60000"/>
+                    <a:lumOff val="40000"/>
+                  </a:schemeClr>
+                </a:solidFill>
+              </a:rPr>
+              <a:t>Mua</a:t>
+            </a:r>
+            <a:r>
+              <a:rPr lang="en-US" dirty="0" smtClean="0">
+                <a:solidFill>
+                  <a:schemeClr val="accent4">
+                    <a:lumMod val="60000"/>
+                    <a:lumOff val="40000"/>
+                  </a:schemeClr>
+                </a:solidFill>
+              </a:rPr>
+              <a:t> 2 </a:t>
+            </a:r>
+            <a:r>
+              <a:rPr lang="en-US" dirty="0" err="1" smtClean="0">
+                <a:solidFill>
+                  <a:schemeClr val="accent4">
+                    <a:lumMod val="60000"/>
+                    <a:lumOff val="40000"/>
+                  </a:schemeClr>
+                </a:solidFill>
+              </a:rPr>
+              <a:t>cái</a:t>
+            </a:r>
+            <a:r>
+              <a:rPr lang="en-US" dirty="0" smtClean="0">
+                <a:solidFill>
+                  <a:schemeClr val="accent4">
+                    <a:lumMod val="60000"/>
+                    <a:lumOff val="40000"/>
+                  </a:schemeClr>
+                </a:solidFill>
+              </a:rPr>
+              <a:t> </a:t>
+            </a:r>
+            <a:r>
+              <a:rPr lang="en-US" dirty="0" err="1" smtClean="0">
+                <a:solidFill>
+                  <a:schemeClr val="accent4">
+                    <a:lumMod val="60000"/>
+                    <a:lumOff val="40000"/>
+                  </a:schemeClr>
+                </a:solidFill>
+              </a:rPr>
+              <a:t>bánh</a:t>
+            </a:r>
+            <a:r>
+              <a:rPr lang="en-US" dirty="0" smtClean="0">
+                <a:solidFill>
+                  <a:schemeClr val="accent4">
+                    <a:lumMod val="60000"/>
+                    <a:lumOff val="40000"/>
+                  </a:schemeClr>
+                </a:solidFill>
+              </a:rPr>
+              <a:t> </a:t>
+            </a:r>
+            <a:r>
+              <a:rPr lang="en-US" dirty="0" err="1" smtClean="0">
+                <a:solidFill>
+                  <a:schemeClr val="accent4">
+                    <a:lumMod val="60000"/>
+                    <a:lumOff val="40000"/>
+                  </a:schemeClr>
+                </a:solidFill>
+              </a:rPr>
+              <a:t>hết</a:t>
+            </a:r>
+            <a:r>
+              <a:rPr lang="en-US" dirty="0" smtClean="0">
+                <a:solidFill>
+                  <a:schemeClr val="accent4">
+                    <a:lumMod val="60000"/>
+                    <a:lumOff val="40000"/>
+                  </a:schemeClr>
+                </a:solidFill>
+              </a:rPr>
+              <a:t> 49.95 </a:t>
+            </a:r>
+            <a:r>
+              <a:rPr lang="en-US" dirty="0" err="1" smtClean="0">
+                <a:solidFill>
+                  <a:schemeClr val="accent4">
+                    <a:lumMod val="60000"/>
+                    <a:lumOff val="40000"/>
+                  </a:schemeClr>
+                </a:solidFill>
+              </a:rPr>
+              <a:t>đô</a:t>
+            </a:r>
+            <a:r>
+              <a:rPr lang="en-US" dirty="0" smtClean="0">
+                <a:solidFill>
+                  <a:schemeClr val="accent4">
+                    <a:lumMod val="60000"/>
+                    <a:lumOff val="40000"/>
+                  </a:schemeClr>
+                </a:solidFill>
+              </a:rPr>
+              <a:t> la. </a:t>
+            </a:r>
+            <a:r>
+              <a:rPr lang="en-US" dirty="0" err="1" smtClean="0">
+                <a:solidFill>
+                  <a:schemeClr val="accent4">
+                    <a:lumMod val="60000"/>
+                    <a:lumOff val="40000"/>
+                  </a:schemeClr>
+                </a:solidFill>
+              </a:rPr>
+              <a:t>Em</a:t>
+            </a:r>
+            <a:r>
+              <a:rPr lang="en-US" dirty="0" smtClean="0">
+                <a:solidFill>
+                  <a:schemeClr val="accent4">
+                    <a:lumMod val="60000"/>
+                    <a:lumOff val="40000"/>
+                  </a:schemeClr>
+                </a:solidFill>
+              </a:rPr>
+              <a:t> </a:t>
+            </a:r>
+            <a:r>
+              <a:rPr lang="en-US" dirty="0" err="1" smtClean="0">
+                <a:solidFill>
+                  <a:schemeClr val="accent4">
+                    <a:lumMod val="60000"/>
+                    <a:lumOff val="40000"/>
+                  </a:schemeClr>
+                </a:solidFill>
+              </a:rPr>
+              <a:t>tôi</a:t>
+            </a:r>
+            <a:r>
+              <a:rPr lang="en-US" dirty="0" smtClean="0">
+                <a:solidFill>
+                  <a:schemeClr val="accent4">
+                    <a:lumMod val="60000"/>
+                    <a:lumOff val="40000"/>
+                  </a:schemeClr>
+                </a:solidFill>
+              </a:rPr>
+              <a:t> </a:t>
+            </a:r>
+            <a:r>
+              <a:rPr lang="en-US" dirty="0" err="1" smtClean="0">
+                <a:solidFill>
+                  <a:schemeClr val="accent4">
+                    <a:lumMod val="60000"/>
+                    <a:lumOff val="40000"/>
+                  </a:schemeClr>
+                </a:solidFill>
+              </a:rPr>
+              <a:t>ăn</a:t>
+            </a:r>
+            <a:r>
+              <a:rPr lang="en-US" dirty="0" smtClean="0">
+                <a:solidFill>
+                  <a:schemeClr val="accent4">
+                    <a:lumMod val="60000"/>
+                    <a:lumOff val="40000"/>
+                  </a:schemeClr>
+                </a:solidFill>
+              </a:rPr>
+              <a:t> </a:t>
+            </a:r>
+            <a:r>
+              <a:rPr lang="en-US" dirty="0" err="1" smtClean="0">
+                <a:solidFill>
+                  <a:schemeClr val="accent4">
+                    <a:lumMod val="60000"/>
+                    <a:lumOff val="40000"/>
+                  </a:schemeClr>
+                </a:solidFill>
+              </a:rPr>
+              <a:t>hết</a:t>
+            </a:r>
+            <a:r>
+              <a:rPr lang="en-US" dirty="0" smtClean="0">
+                <a:solidFill>
+                  <a:schemeClr val="accent4">
+                    <a:lumMod val="60000"/>
+                    <a:lumOff val="40000"/>
+                  </a:schemeClr>
+                </a:solidFill>
+              </a:rPr>
+              <a:t> 2 </a:t>
+            </a:r>
+            <a:r>
+              <a:rPr lang="en-US" dirty="0" err="1" smtClean="0">
+                <a:solidFill>
+                  <a:schemeClr val="accent4">
+                    <a:lumMod val="60000"/>
+                    <a:lumOff val="40000"/>
+                  </a:schemeClr>
+                </a:solidFill>
+              </a:rPr>
+              <a:t>cái</a:t>
+            </a:r>
+            <a:r>
+              <a:rPr lang="en-US" dirty="0" smtClean="0">
+                <a:solidFill>
+                  <a:schemeClr val="accent4">
+                    <a:lumMod val="60000"/>
+                    <a:lumOff val="40000"/>
+                  </a:schemeClr>
+                </a:solidFill>
+              </a:rPr>
+              <a:t> </a:t>
+            </a:r>
+            <a:r>
+              <a:rPr lang="en-US" dirty="0" err="1" smtClean="0">
+                <a:solidFill>
+                  <a:schemeClr val="accent4">
+                    <a:lumMod val="60000"/>
+                    <a:lumOff val="40000"/>
+                  </a:schemeClr>
+                </a:solidFill>
+              </a:rPr>
+              <a:t>bánh</a:t>
+            </a:r>
+            <a:endParaRPr lang="en-US" sz="1600" dirty="0">
+              <a:solidFill>
+                <a:schemeClr val="accent4">
+                  <a:lumMod val="60000"/>
+                  <a:lumOff val="40000"/>
+                </a:schemeClr>
+              </a:solidFill>
+            </a:endParaRPr>
+          </a:p>
+        </p:txBody>
+      </p:sp>
+      <p:sp>
+        <p:nvSpPr>
+          <p:cNvPr id="14" name="TextBox 13"/>
+          <p:cNvSpPr txBox="1"/>
+          <p:nvPr/>
+        </p:nvSpPr>
+        <p:spPr>
+          <a:xfrm>
+            <a:off x="774221" y="2098011"/>
+            <a:ext cx="7834152" cy="369332"/>
+          </a:xfrm>
+          <a:prstGeom prst="rect">
+            <a:avLst/>
+          </a:prstGeom>
+          <a:noFill/>
+        </p:spPr>
+        <p:txBody>
+          <a:bodyPr wrap="square" rtlCol="0">
+            <a:spAutoFit/>
+          </a:bodyPr>
+          <a:lstStyle/>
+          <a:p>
+            <a:r>
+              <a:rPr lang="en-US" b="1" dirty="0" err="1" smtClean="0"/>
+              <a:t>Chỉ</a:t>
+            </a:r>
+            <a:r>
+              <a:rPr lang="en-US" b="1" dirty="0" smtClean="0"/>
+              <a:t> </a:t>
+            </a:r>
+            <a:r>
+              <a:rPr lang="en-US" b="1" dirty="0" err="1" smtClean="0"/>
+              <a:t>lệnh</a:t>
+            </a:r>
+            <a:r>
+              <a:rPr lang="en-US" b="1" dirty="0" smtClean="0"/>
+              <a:t> </a:t>
+            </a:r>
+            <a:r>
+              <a:rPr lang="en-US" b="1" dirty="0" err="1" smtClean="0"/>
+              <a:t>chèn</a:t>
+            </a:r>
+            <a:r>
+              <a:rPr lang="en-US" b="1" dirty="0" smtClean="0"/>
+              <a:t> </a:t>
+            </a:r>
+            <a:r>
+              <a:rPr lang="en-US" b="1" dirty="0" err="1" smtClean="0"/>
+              <a:t>kí</a:t>
+            </a:r>
+            <a:r>
+              <a:rPr lang="en-US" b="1" dirty="0" smtClean="0"/>
+              <a:t> </a:t>
+            </a:r>
+            <a:r>
+              <a:rPr lang="en-US" b="1" dirty="0" err="1" smtClean="0"/>
+              <a:t>tự</a:t>
+            </a:r>
+            <a:r>
+              <a:rPr lang="en-US" b="1" dirty="0" smtClean="0"/>
+              <a:t> </a:t>
+            </a:r>
+            <a:r>
+              <a:rPr lang="en-US" b="1" dirty="0" err="1" smtClean="0"/>
+              <a:t>vào</a:t>
+            </a:r>
+            <a:r>
+              <a:rPr lang="en-US" b="1" dirty="0" smtClean="0"/>
+              <a:t> </a:t>
+            </a:r>
+            <a:r>
+              <a:rPr lang="en-US" b="1" dirty="0" err="1" smtClean="0"/>
+              <a:t>khoảng</a:t>
+            </a:r>
+            <a:r>
+              <a:rPr lang="en-US" b="1" dirty="0" smtClean="0"/>
+              <a:t> </a:t>
+            </a:r>
+            <a:r>
+              <a:rPr lang="en-US" b="1" dirty="0" err="1" smtClean="0"/>
+              <a:t>trống</a:t>
+            </a:r>
+            <a:endParaRPr lang="en-US" b="1" dirty="0">
+              <a:solidFill>
+                <a:srgbClr val="FF0000"/>
+              </a:solidFill>
+            </a:endParaRPr>
+          </a:p>
+        </p:txBody>
+      </p:sp>
+      <p:sp>
+        <p:nvSpPr>
+          <p:cNvPr id="25" name="Flowchart: Decision 24"/>
+          <p:cNvSpPr/>
+          <p:nvPr/>
+        </p:nvSpPr>
+        <p:spPr>
+          <a:xfrm>
+            <a:off x="625365" y="2207205"/>
+            <a:ext cx="148856" cy="170120"/>
+          </a:xfrm>
+          <a:prstGeom prst="flowChartDecision">
+            <a:avLst/>
+          </a:prstGeom>
+          <a:solidFill>
+            <a:srgbClr val="3A75A6"/>
+          </a:solidFill>
+        </p:spPr>
+        <p:style>
+          <a:lnRef idx="2">
+            <a:schemeClr val="accent1">
+              <a:shade val="50000"/>
+            </a:schemeClr>
+          </a:lnRef>
+          <a:fillRef idx="1">
+            <a:schemeClr val="accent1"/>
+          </a:fillRef>
+          <a:effectRef idx="0">
+            <a:schemeClr val="accent1"/>
+          </a:effectRef>
+          <a:fontRef idx="minor">
+            <a:schemeClr val="lt1"/>
+          </a:fontRef>
+        </p:style>
+        <p:txBody>
+          <a:bodyPr rtlCol="0" anchor="ctr"/>
+          <a:lstStyle/>
+          <a:p>
+            <a:pPr algn="ctr"/>
+            <a:endParaRPr lang="en-US"/>
+          </a:p>
+        </p:txBody>
+      </p:sp>
+      <p:pic>
+        <p:nvPicPr>
+          <p:cNvPr id="26" name="Picture 2" descr="https://www.python.org/static/apple-touch-icon-precomposed.png"/>
+          <p:cNvPicPr>
+            <a:picLocks noChangeAspect="1" noChangeArrowheads="1"/>
+          </p:cNvPicPr>
+          <p:nvPr/>
+        </p:nvPicPr>
+        <p:blipFill>
+          <a:blip r:embed="rId2">
+            <a:extLst>
+              <a:ext uri="{28A0092B-C50C-407E-A947-70E740481C1C}">
+                <a14:useLocalDpi xmlns:a14="http://schemas.microsoft.com/office/drawing/2010/main" val="0"/>
+              </a:ext>
+            </a:extLst>
+          </a:blip>
+          <a:srcRect/>
+          <a:stretch>
+            <a:fillRect/>
+          </a:stretch>
+        </p:blipFill>
+        <p:spPr bwMode="auto">
+          <a:xfrm>
+            <a:off x="548981" y="1516875"/>
+            <a:ext cx="450480" cy="450481"/>
+          </a:xfrm>
+          <a:prstGeom prst="rect">
+            <a:avLst/>
+          </a:prstGeom>
+          <a:noFill/>
+          <a:extLst>
+            <a:ext uri="{909E8E84-426E-40DD-AFC4-6F175D3DCCD1}">
+              <a14:hiddenFill xmlns:a14="http://schemas.microsoft.com/office/drawing/2010/main">
+                <a:solidFill>
+                  <a:srgbClr val="FFFFFF"/>
+                </a:solidFill>
+              </a14:hiddenFill>
+            </a:ext>
+          </a:extLst>
+        </p:spPr>
+      </p:pic>
+      <p:sp>
+        <p:nvSpPr>
+          <p:cNvPr id="27" name="TextBox 26"/>
+          <p:cNvSpPr txBox="1"/>
+          <p:nvPr/>
+        </p:nvSpPr>
+        <p:spPr>
+          <a:xfrm>
+            <a:off x="1041993" y="1557449"/>
+            <a:ext cx="6432695" cy="369332"/>
+          </a:xfrm>
+          <a:prstGeom prst="rect">
+            <a:avLst/>
+          </a:prstGeom>
+          <a:noFill/>
+        </p:spPr>
+        <p:txBody>
+          <a:bodyPr wrap="square" rtlCol="0">
+            <a:spAutoFit/>
+          </a:bodyPr>
+          <a:lstStyle/>
+          <a:p>
+            <a:r>
+              <a:rPr lang="en-US" b="1" dirty="0" err="1" smtClean="0"/>
+              <a:t>Chỉ</a:t>
+            </a:r>
+            <a:r>
+              <a:rPr lang="en-US" b="1" dirty="0" smtClean="0"/>
+              <a:t> </a:t>
+            </a:r>
+            <a:r>
+              <a:rPr lang="en-US" b="1" dirty="0" err="1" smtClean="0"/>
+              <a:t>lệnh</a:t>
+            </a:r>
+            <a:r>
+              <a:rPr lang="en-US" b="1" dirty="0" smtClean="0"/>
+              <a:t> </a:t>
+            </a:r>
+            <a:r>
+              <a:rPr lang="en-US" b="1" dirty="0" err="1" smtClean="0"/>
+              <a:t>trong</a:t>
+            </a:r>
+            <a:r>
+              <a:rPr lang="en-US" b="1" dirty="0" smtClean="0"/>
+              <a:t> field</a:t>
+            </a:r>
+            <a:endParaRPr lang="en-US" b="1" dirty="0">
+              <a:solidFill>
+                <a:srgbClr val="FF0000"/>
+              </a:solidFill>
+            </a:endParaRPr>
+          </a:p>
+        </p:txBody>
+      </p:sp>
+    </p:spTree>
+    <p:extLst>
+      <p:ext uri="{BB962C8B-B14F-4D97-AF65-F5344CB8AC3E}">
+        <p14:creationId xmlns:p14="http://schemas.microsoft.com/office/powerpoint/2010/main" val="2116300847"/>
+      </p:ext>
+    </p:extLst>
+  </p:cSld>
+  <p:clrMapOvr>
+    <a:masterClrMapping/>
+  </p:clrMapOvr>
+  <p:timing>
+    <p:tnLst>
+      <p:par>
+        <p:cTn id="1" dur="indefinite" restart="never" nodeType="tmRoot"/>
+      </p:par>
+    </p:tnLst>
+  </p:timing>
+</p:sld>
+</file>
+
+<file path=ppt/slides/slide18.xml><?xml version="1.0" encoding="utf-8"?>
+<p:sld xmlns:a="http://schemas.openxmlformats.org/drawingml/2006/main" xmlns:r="http://schemas.openxmlformats.org/officeDocument/2006/relationships" xmlns:p="http://schemas.openxmlformats.org/presentationml/2006/main">
+  <p:cSld>
+    <p:spTree>
+      <p:nvGrpSpPr>
+        <p:cNvPr id="1" name=""/>
+        <p:cNvGrpSpPr/>
+        <p:nvPr/>
+      </p:nvGrpSpPr>
+      <p:grpSpPr>
+        <a:xfrm>
+          <a:off x="0" y="0"/>
+          <a:ext cx="0" cy="0"/>
+          <a:chOff x="0" y="0"/>
+          <a:chExt cx="0" cy="0"/>
+        </a:xfrm>
+      </p:grpSpPr>
+      <p:sp>
+        <p:nvSpPr>
+          <p:cNvPr id="2" name="Slide Number Placeholder 1"/>
+          <p:cNvSpPr>
+            <a:spLocks noGrp="1"/>
+          </p:cNvSpPr>
+          <p:nvPr>
+            <p:ph type="sldNum" sz="quarter" idx="12"/>
+          </p:nvPr>
+        </p:nvSpPr>
+        <p:spPr/>
+        <p:txBody>
+          <a:bodyPr/>
+          <a:lstStyle/>
+          <a:p>
+            <a:fld id="{7D9EC917-02A2-4152-9EE3-DFE2775A77C7}" type="slidenum">
+              <a:rPr lang="en-US" smtClean="0"/>
+              <a:pPr/>
+              <a:t>18</a:t>
+            </a:fld>
+            <a:endParaRPr lang="en-US"/>
+          </a:p>
+        </p:txBody>
+      </p:sp>
+      <p:sp>
+        <p:nvSpPr>
+          <p:cNvPr id="3" name="Text Placeholder 2"/>
+          <p:cNvSpPr>
+            <a:spLocks noGrp="1"/>
+          </p:cNvSpPr>
+          <p:nvPr>
+            <p:ph type="body" sz="quarter" idx="13"/>
+          </p:nvPr>
+        </p:nvSpPr>
+        <p:spPr>
+          <a:xfrm>
+            <a:off x="301925" y="851290"/>
+            <a:ext cx="8454964" cy="424732"/>
+          </a:xfrm>
+        </p:spPr>
+        <p:txBody>
+          <a:bodyPr/>
+          <a:lstStyle/>
+          <a:p>
+            <a:r>
+              <a:rPr lang="en-US" dirty="0"/>
+              <a:t>9.3 </a:t>
+            </a:r>
+            <a:r>
+              <a:rPr lang="en-US" dirty="0" err="1"/>
+              <a:t>Định</a:t>
+            </a:r>
+            <a:r>
+              <a:rPr lang="en-US" dirty="0"/>
+              <a:t> </a:t>
+            </a:r>
+            <a:r>
+              <a:rPr lang="en-US" dirty="0" err="1"/>
+              <a:t>dạng</a:t>
+            </a:r>
+            <a:r>
+              <a:rPr lang="en-US" dirty="0"/>
+              <a:t> </a:t>
+            </a:r>
+            <a:r>
+              <a:rPr lang="en-US" dirty="0" err="1"/>
+              <a:t>Chuỗi</a:t>
+            </a:r>
+            <a:endParaRPr lang="en-US" dirty="0"/>
+          </a:p>
+        </p:txBody>
+      </p:sp>
+      <p:sp>
+        <p:nvSpPr>
+          <p:cNvPr id="29" name="Rectangle 28"/>
+          <p:cNvSpPr/>
+          <p:nvPr/>
+        </p:nvSpPr>
+        <p:spPr>
+          <a:xfrm>
+            <a:off x="699793" y="2590402"/>
+            <a:ext cx="7774356" cy="1843605"/>
+          </a:xfrm>
+          <a:prstGeom prst="rect">
+            <a:avLst/>
+          </a:prstGeom>
+          <a:solidFill>
+            <a:schemeClr val="tx1">
+              <a:lumMod val="85000"/>
+              <a:lumOff val="15000"/>
+            </a:schemeClr>
+          </a:solidFill>
+          <a:ln>
+            <a:noFill/>
+          </a:ln>
+        </p:spPr>
+        <p:style>
+          <a:lnRef idx="2">
+            <a:schemeClr val="accent1">
+              <a:shade val="50000"/>
+            </a:schemeClr>
+          </a:lnRef>
+          <a:fillRef idx="1">
+            <a:schemeClr val="accent1"/>
+          </a:fillRef>
+          <a:effectRef idx="0">
+            <a:schemeClr val="accent1"/>
+          </a:effectRef>
+          <a:fontRef idx="minor">
+            <a:schemeClr val="lt1"/>
+          </a:fontRef>
+        </p:style>
+        <p:txBody>
+          <a:bodyPr rtlCol="0" anchor="ctr"/>
+          <a:lstStyle/>
+          <a:p>
+            <a:pPr algn="ctr"/>
+            <a:endParaRPr lang="en-US" dirty="0"/>
+          </a:p>
+        </p:txBody>
+      </p:sp>
+      <p:sp>
+        <p:nvSpPr>
+          <p:cNvPr id="30" name="TextBox 29"/>
+          <p:cNvSpPr txBox="1"/>
+          <p:nvPr/>
+        </p:nvSpPr>
+        <p:spPr>
+          <a:xfrm>
+            <a:off x="880547" y="2740561"/>
+            <a:ext cx="7402216" cy="1477328"/>
+          </a:xfrm>
+          <a:prstGeom prst="rect">
+            <a:avLst/>
+          </a:prstGeom>
+          <a:noFill/>
+        </p:spPr>
+        <p:txBody>
+          <a:bodyPr wrap="square" rtlCol="0">
+            <a:spAutoFit/>
+          </a:bodyPr>
+          <a:lstStyle/>
+          <a:p>
+            <a:r>
+              <a:rPr lang="en-US" dirty="0">
+                <a:solidFill>
+                  <a:schemeClr val="bg1"/>
+                </a:solidFill>
+              </a:rPr>
+              <a:t>quantity</a:t>
+            </a:r>
+            <a:r>
+              <a:rPr lang="en-US" dirty="0"/>
+              <a:t> </a:t>
+            </a:r>
+            <a:r>
+              <a:rPr lang="en-US" dirty="0" smtClean="0">
+                <a:solidFill>
+                  <a:schemeClr val="bg1"/>
+                </a:solidFill>
+              </a:rPr>
+              <a:t> </a:t>
+            </a:r>
+            <a:r>
+              <a:rPr lang="en-US" dirty="0">
+                <a:solidFill>
+                  <a:schemeClr val="bg1"/>
+                </a:solidFill>
+              </a:rPr>
+              <a:t>= </a:t>
+            </a:r>
+            <a:r>
+              <a:rPr lang="en-US" dirty="0" smtClean="0">
+                <a:solidFill>
+                  <a:schemeClr val="accent6">
+                    <a:lumMod val="60000"/>
+                    <a:lumOff val="40000"/>
+                  </a:schemeClr>
+                </a:solidFill>
+              </a:rPr>
+              <a:t>2</a:t>
+            </a:r>
+          </a:p>
+          <a:p>
+            <a:r>
+              <a:rPr lang="en-US" dirty="0">
+                <a:solidFill>
+                  <a:schemeClr val="bg1"/>
+                </a:solidFill>
+              </a:rPr>
+              <a:t>price</a:t>
+            </a:r>
+            <a:r>
+              <a:rPr lang="en-US" dirty="0"/>
+              <a:t> </a:t>
+            </a:r>
+            <a:r>
+              <a:rPr lang="en-US" dirty="0" smtClean="0">
+                <a:solidFill>
+                  <a:schemeClr val="bg1"/>
+                </a:solidFill>
+              </a:rPr>
+              <a:t> = </a:t>
+            </a:r>
+            <a:r>
+              <a:rPr lang="en-US" dirty="0" smtClean="0">
+                <a:solidFill>
+                  <a:schemeClr val="accent6">
+                    <a:lumMod val="60000"/>
+                    <a:lumOff val="40000"/>
+                  </a:schemeClr>
+                </a:solidFill>
+              </a:rPr>
+              <a:t>49.95</a:t>
+            </a:r>
+          </a:p>
+          <a:p>
+            <a:r>
+              <a:rPr lang="en-US" dirty="0" smtClean="0">
+                <a:solidFill>
+                  <a:schemeClr val="bg1"/>
+                </a:solidFill>
+              </a:rPr>
+              <a:t>txt </a:t>
+            </a:r>
+            <a:r>
+              <a:rPr lang="en-US" dirty="0">
+                <a:solidFill>
+                  <a:schemeClr val="bg1"/>
+                </a:solidFill>
+              </a:rPr>
+              <a:t>= </a:t>
+            </a:r>
+            <a:r>
+              <a:rPr lang="en-US" dirty="0" smtClean="0">
+                <a:solidFill>
+                  <a:schemeClr val="accent2">
+                    <a:lumMod val="75000"/>
+                  </a:schemeClr>
+                </a:solidFill>
+              </a:rPr>
+              <a:t>“</a:t>
+            </a:r>
+            <a:r>
+              <a:rPr lang="en-US" dirty="0" err="1" smtClean="0">
+                <a:solidFill>
+                  <a:schemeClr val="accent2">
+                    <a:lumMod val="75000"/>
+                  </a:schemeClr>
+                </a:solidFill>
+              </a:rPr>
+              <a:t>Mua</a:t>
+            </a:r>
+            <a:r>
+              <a:rPr lang="en-US" dirty="0" smtClean="0">
+                <a:solidFill>
+                  <a:schemeClr val="accent2">
+                    <a:lumMod val="75000"/>
+                  </a:schemeClr>
+                </a:solidFill>
+              </a:rPr>
+              <a:t> {0} </a:t>
+            </a:r>
+            <a:r>
+              <a:rPr lang="en-US" dirty="0" err="1" smtClean="0">
+                <a:solidFill>
+                  <a:schemeClr val="accent2">
+                    <a:lumMod val="75000"/>
+                  </a:schemeClr>
+                </a:solidFill>
+              </a:rPr>
+              <a:t>cái</a:t>
+            </a:r>
+            <a:r>
+              <a:rPr lang="en-US" dirty="0" smtClean="0">
+                <a:solidFill>
+                  <a:schemeClr val="accent2">
+                    <a:lumMod val="75000"/>
+                  </a:schemeClr>
+                </a:solidFill>
+              </a:rPr>
+              <a:t> </a:t>
+            </a:r>
+            <a:r>
+              <a:rPr lang="en-US" dirty="0" err="1" smtClean="0">
+                <a:solidFill>
+                  <a:schemeClr val="accent2">
+                    <a:lumMod val="75000"/>
+                  </a:schemeClr>
+                </a:solidFill>
+              </a:rPr>
+              <a:t>bánh</a:t>
+            </a:r>
+            <a:r>
+              <a:rPr lang="en-US" dirty="0" smtClean="0">
+                <a:solidFill>
+                  <a:schemeClr val="accent2">
+                    <a:lumMod val="75000"/>
+                  </a:schemeClr>
+                </a:solidFill>
+              </a:rPr>
+              <a:t> </a:t>
+            </a:r>
+            <a:r>
+              <a:rPr lang="en-US" dirty="0" err="1" smtClean="0">
+                <a:solidFill>
+                  <a:schemeClr val="accent2">
+                    <a:lumMod val="75000"/>
+                  </a:schemeClr>
+                </a:solidFill>
+              </a:rPr>
+              <a:t>hết</a:t>
+            </a:r>
+            <a:r>
+              <a:rPr lang="en-US" dirty="0" smtClean="0">
+                <a:solidFill>
+                  <a:schemeClr val="accent2">
+                    <a:lumMod val="75000"/>
+                  </a:schemeClr>
+                </a:solidFill>
+              </a:rPr>
+              <a:t> {1} </a:t>
+            </a:r>
+            <a:r>
+              <a:rPr lang="en-US" dirty="0" err="1" smtClean="0">
+                <a:solidFill>
+                  <a:schemeClr val="accent2">
+                    <a:lumMod val="75000"/>
+                  </a:schemeClr>
+                </a:solidFill>
+              </a:rPr>
+              <a:t>đô</a:t>
+            </a:r>
+            <a:r>
+              <a:rPr lang="en-US" dirty="0" smtClean="0">
+                <a:solidFill>
+                  <a:schemeClr val="accent2">
+                    <a:lumMod val="75000"/>
+                  </a:schemeClr>
+                </a:solidFill>
+              </a:rPr>
+              <a:t> la. </a:t>
+            </a:r>
+            <a:r>
+              <a:rPr lang="en-US" dirty="0" err="1" smtClean="0">
+                <a:solidFill>
+                  <a:schemeClr val="accent2">
+                    <a:lumMod val="75000"/>
+                  </a:schemeClr>
+                </a:solidFill>
+              </a:rPr>
+              <a:t>Em</a:t>
+            </a:r>
+            <a:r>
+              <a:rPr lang="en-US" dirty="0" smtClean="0">
+                <a:solidFill>
+                  <a:schemeClr val="accent2">
+                    <a:lumMod val="75000"/>
+                  </a:schemeClr>
+                </a:solidFill>
+              </a:rPr>
+              <a:t> </a:t>
+            </a:r>
+            <a:r>
+              <a:rPr lang="en-US" dirty="0" err="1" smtClean="0">
+                <a:solidFill>
+                  <a:schemeClr val="accent2">
+                    <a:lumMod val="75000"/>
+                  </a:schemeClr>
+                </a:solidFill>
+              </a:rPr>
+              <a:t>tôi</a:t>
+            </a:r>
+            <a:r>
+              <a:rPr lang="en-US" dirty="0" smtClean="0">
+                <a:solidFill>
+                  <a:schemeClr val="accent2">
+                    <a:lumMod val="75000"/>
+                  </a:schemeClr>
+                </a:solidFill>
+              </a:rPr>
+              <a:t> </a:t>
+            </a:r>
+            <a:r>
+              <a:rPr lang="en-US" dirty="0" err="1" smtClean="0">
+                <a:solidFill>
+                  <a:schemeClr val="accent2">
+                    <a:lumMod val="75000"/>
+                  </a:schemeClr>
+                </a:solidFill>
+              </a:rPr>
+              <a:t>ăn</a:t>
+            </a:r>
+            <a:r>
+              <a:rPr lang="en-US" dirty="0" smtClean="0">
+                <a:solidFill>
+                  <a:schemeClr val="accent2">
+                    <a:lumMod val="75000"/>
+                  </a:schemeClr>
+                </a:solidFill>
+              </a:rPr>
+              <a:t> </a:t>
+            </a:r>
+            <a:r>
+              <a:rPr lang="en-US" dirty="0" err="1" smtClean="0">
+                <a:solidFill>
+                  <a:schemeClr val="accent2">
+                    <a:lumMod val="75000"/>
+                  </a:schemeClr>
+                </a:solidFill>
+              </a:rPr>
+              <a:t>hết</a:t>
+            </a:r>
+            <a:r>
+              <a:rPr lang="en-US" dirty="0" smtClean="0">
+                <a:solidFill>
+                  <a:schemeClr val="accent2">
+                    <a:lumMod val="75000"/>
+                  </a:schemeClr>
+                </a:solidFill>
+              </a:rPr>
+              <a:t> {0} </a:t>
+            </a:r>
+            <a:r>
+              <a:rPr lang="en-US" dirty="0" err="1" smtClean="0">
+                <a:solidFill>
+                  <a:schemeClr val="accent2">
+                    <a:lumMod val="75000"/>
+                  </a:schemeClr>
+                </a:solidFill>
+              </a:rPr>
+              <a:t>cái</a:t>
+            </a:r>
+            <a:r>
+              <a:rPr lang="en-US" dirty="0" smtClean="0">
+                <a:solidFill>
+                  <a:schemeClr val="accent2">
+                    <a:lumMod val="75000"/>
+                  </a:schemeClr>
+                </a:solidFill>
+              </a:rPr>
+              <a:t> </a:t>
+            </a:r>
+            <a:r>
+              <a:rPr lang="en-US" dirty="0" err="1" smtClean="0">
+                <a:solidFill>
+                  <a:schemeClr val="accent2">
+                    <a:lumMod val="75000"/>
+                  </a:schemeClr>
+                </a:solidFill>
+              </a:rPr>
+              <a:t>bánh</a:t>
+            </a:r>
+            <a:r>
+              <a:rPr lang="en-US" dirty="0" smtClean="0">
+                <a:solidFill>
+                  <a:schemeClr val="accent2">
+                    <a:lumMod val="75000"/>
+                  </a:schemeClr>
+                </a:solidFill>
+              </a:rPr>
+              <a:t>"</a:t>
+            </a:r>
+            <a:r>
+              <a:rPr lang="en-US" dirty="0">
+                <a:solidFill>
+                  <a:schemeClr val="bg1"/>
+                </a:solidFill>
+              </a:rPr>
+              <a:t/>
+            </a:r>
+            <a:br>
+              <a:rPr lang="en-US" dirty="0">
+                <a:solidFill>
+                  <a:schemeClr val="bg1"/>
+                </a:solidFill>
+              </a:rPr>
+            </a:br>
+            <a:r>
+              <a:rPr lang="en-US" dirty="0" smtClean="0">
+                <a:solidFill>
+                  <a:schemeClr val="bg1"/>
+                </a:solidFill>
+              </a:rPr>
+              <a:t>print</a:t>
+            </a:r>
+            <a:r>
+              <a:rPr lang="en-US" dirty="0" smtClean="0">
+                <a:solidFill>
+                  <a:schemeClr val="accent4">
+                    <a:lumMod val="60000"/>
+                    <a:lumOff val="40000"/>
+                  </a:schemeClr>
+                </a:solidFill>
+              </a:rPr>
+              <a:t>(</a:t>
+            </a:r>
+            <a:r>
+              <a:rPr lang="en-US" dirty="0" err="1" smtClean="0">
+                <a:solidFill>
+                  <a:schemeClr val="bg1"/>
+                </a:solidFill>
+              </a:rPr>
+              <a:t>txt.format</a:t>
+            </a:r>
+            <a:r>
+              <a:rPr lang="en-US" dirty="0" smtClean="0">
+                <a:solidFill>
+                  <a:srgbClr val="FF66CC"/>
+                </a:solidFill>
+              </a:rPr>
+              <a:t>(</a:t>
+            </a:r>
+            <a:r>
+              <a:rPr lang="en-US" dirty="0">
+                <a:solidFill>
+                  <a:schemeClr val="bg1"/>
+                </a:solidFill>
+              </a:rPr>
+              <a:t>quantity</a:t>
+            </a:r>
+            <a:r>
+              <a:rPr lang="en-US" dirty="0" smtClean="0">
+                <a:solidFill>
+                  <a:schemeClr val="bg1"/>
+                </a:solidFill>
+              </a:rPr>
+              <a:t>, </a:t>
+            </a:r>
+            <a:r>
+              <a:rPr lang="en-US" dirty="0">
+                <a:solidFill>
+                  <a:schemeClr val="bg1"/>
+                </a:solidFill>
+              </a:rPr>
+              <a:t>price</a:t>
+            </a:r>
+            <a:r>
+              <a:rPr lang="en-US" dirty="0" smtClean="0">
+                <a:solidFill>
+                  <a:srgbClr val="FF66CC"/>
+                </a:solidFill>
+              </a:rPr>
+              <a:t>)</a:t>
+            </a:r>
+            <a:r>
+              <a:rPr lang="en-US" dirty="0" smtClean="0">
+                <a:solidFill>
+                  <a:schemeClr val="accent4">
+                    <a:lumMod val="60000"/>
+                    <a:lumOff val="40000"/>
+                  </a:schemeClr>
+                </a:solidFill>
+              </a:rPr>
+              <a:t>)</a:t>
+            </a:r>
+          </a:p>
+          <a:p>
+            <a:r>
+              <a:rPr lang="en-US" sz="1600" dirty="0" smtClean="0">
+                <a:solidFill>
+                  <a:schemeClr val="accent4">
+                    <a:lumMod val="60000"/>
+                    <a:lumOff val="40000"/>
+                  </a:schemeClr>
+                </a:solidFill>
+              </a:rPr>
+              <a:t>#</a:t>
+            </a:r>
+            <a:r>
+              <a:rPr lang="en-US" sz="1600" dirty="0" err="1" smtClean="0">
+                <a:solidFill>
+                  <a:schemeClr val="accent4">
+                    <a:lumMod val="60000"/>
+                    <a:lumOff val="40000"/>
+                  </a:schemeClr>
+                </a:solidFill>
+              </a:rPr>
+              <a:t>Kết</a:t>
+            </a:r>
+            <a:r>
+              <a:rPr lang="en-US" sz="1600" dirty="0" smtClean="0">
+                <a:solidFill>
+                  <a:schemeClr val="accent4">
+                    <a:lumMod val="60000"/>
+                    <a:lumOff val="40000"/>
+                  </a:schemeClr>
+                </a:solidFill>
+              </a:rPr>
+              <a:t> </a:t>
+            </a:r>
+            <a:r>
+              <a:rPr lang="en-US" sz="1600" dirty="0" err="1" smtClean="0">
+                <a:solidFill>
+                  <a:schemeClr val="accent4">
+                    <a:lumMod val="60000"/>
+                    <a:lumOff val="40000"/>
+                  </a:schemeClr>
+                </a:solidFill>
+              </a:rPr>
+              <a:t>quả</a:t>
+            </a:r>
+            <a:r>
+              <a:rPr lang="en-US" sz="1600" dirty="0" smtClean="0">
+                <a:solidFill>
+                  <a:schemeClr val="accent4">
+                    <a:lumMod val="60000"/>
+                    <a:lumOff val="40000"/>
+                  </a:schemeClr>
+                </a:solidFill>
+              </a:rPr>
+              <a:t> in </a:t>
+            </a:r>
+            <a:r>
+              <a:rPr lang="en-US" sz="1600" dirty="0" err="1" smtClean="0">
+                <a:solidFill>
+                  <a:schemeClr val="accent4">
+                    <a:lumMod val="60000"/>
+                    <a:lumOff val="40000"/>
+                  </a:schemeClr>
+                </a:solidFill>
+              </a:rPr>
+              <a:t>ra</a:t>
+            </a:r>
+            <a:r>
+              <a:rPr lang="en-US" sz="1600" dirty="0" smtClean="0">
+                <a:solidFill>
+                  <a:schemeClr val="accent4">
+                    <a:lumMod val="60000"/>
+                    <a:lumOff val="40000"/>
+                  </a:schemeClr>
+                </a:solidFill>
+              </a:rPr>
+              <a:t>: </a:t>
+            </a:r>
+            <a:r>
+              <a:rPr lang="en-US" dirty="0" err="1" smtClean="0">
+                <a:solidFill>
+                  <a:schemeClr val="accent4">
+                    <a:lumMod val="60000"/>
+                    <a:lumOff val="40000"/>
+                  </a:schemeClr>
+                </a:solidFill>
+              </a:rPr>
+              <a:t>Mua</a:t>
+            </a:r>
+            <a:r>
+              <a:rPr lang="en-US" dirty="0" smtClean="0">
+                <a:solidFill>
+                  <a:schemeClr val="accent4">
+                    <a:lumMod val="60000"/>
+                    <a:lumOff val="40000"/>
+                  </a:schemeClr>
+                </a:solidFill>
+              </a:rPr>
+              <a:t> 2 </a:t>
+            </a:r>
+            <a:r>
+              <a:rPr lang="en-US" dirty="0" err="1" smtClean="0">
+                <a:solidFill>
+                  <a:schemeClr val="accent4">
+                    <a:lumMod val="60000"/>
+                    <a:lumOff val="40000"/>
+                  </a:schemeClr>
+                </a:solidFill>
+              </a:rPr>
+              <a:t>cái</a:t>
+            </a:r>
+            <a:r>
+              <a:rPr lang="en-US" dirty="0" smtClean="0">
+                <a:solidFill>
+                  <a:schemeClr val="accent4">
+                    <a:lumMod val="60000"/>
+                    <a:lumOff val="40000"/>
+                  </a:schemeClr>
+                </a:solidFill>
+              </a:rPr>
+              <a:t> </a:t>
+            </a:r>
+            <a:r>
+              <a:rPr lang="en-US" dirty="0" err="1" smtClean="0">
+                <a:solidFill>
+                  <a:schemeClr val="accent4">
+                    <a:lumMod val="60000"/>
+                    <a:lumOff val="40000"/>
+                  </a:schemeClr>
+                </a:solidFill>
+              </a:rPr>
+              <a:t>bánh</a:t>
+            </a:r>
+            <a:r>
+              <a:rPr lang="en-US" dirty="0" smtClean="0">
+                <a:solidFill>
+                  <a:schemeClr val="accent4">
+                    <a:lumMod val="60000"/>
+                    <a:lumOff val="40000"/>
+                  </a:schemeClr>
+                </a:solidFill>
+              </a:rPr>
+              <a:t> </a:t>
+            </a:r>
+            <a:r>
+              <a:rPr lang="en-US" dirty="0" err="1" smtClean="0">
+                <a:solidFill>
+                  <a:schemeClr val="accent4">
+                    <a:lumMod val="60000"/>
+                    <a:lumOff val="40000"/>
+                  </a:schemeClr>
+                </a:solidFill>
+              </a:rPr>
+              <a:t>hết</a:t>
+            </a:r>
+            <a:r>
+              <a:rPr lang="en-US" dirty="0" smtClean="0">
+                <a:solidFill>
+                  <a:schemeClr val="accent4">
+                    <a:lumMod val="60000"/>
+                    <a:lumOff val="40000"/>
+                  </a:schemeClr>
+                </a:solidFill>
+              </a:rPr>
+              <a:t> 49.95 </a:t>
+            </a:r>
+            <a:r>
+              <a:rPr lang="en-US" dirty="0" err="1" smtClean="0">
+                <a:solidFill>
+                  <a:schemeClr val="accent4">
+                    <a:lumMod val="60000"/>
+                    <a:lumOff val="40000"/>
+                  </a:schemeClr>
+                </a:solidFill>
+              </a:rPr>
+              <a:t>đô</a:t>
+            </a:r>
+            <a:r>
+              <a:rPr lang="en-US" dirty="0" smtClean="0">
+                <a:solidFill>
+                  <a:schemeClr val="accent4">
+                    <a:lumMod val="60000"/>
+                    <a:lumOff val="40000"/>
+                  </a:schemeClr>
+                </a:solidFill>
+              </a:rPr>
+              <a:t> la. </a:t>
+            </a:r>
+            <a:r>
+              <a:rPr lang="en-US" dirty="0" err="1" smtClean="0">
+                <a:solidFill>
+                  <a:schemeClr val="accent4">
+                    <a:lumMod val="60000"/>
+                    <a:lumOff val="40000"/>
+                  </a:schemeClr>
+                </a:solidFill>
+              </a:rPr>
+              <a:t>Em</a:t>
+            </a:r>
+            <a:r>
+              <a:rPr lang="en-US" dirty="0" smtClean="0">
+                <a:solidFill>
+                  <a:schemeClr val="accent4">
+                    <a:lumMod val="60000"/>
+                    <a:lumOff val="40000"/>
+                  </a:schemeClr>
+                </a:solidFill>
+              </a:rPr>
+              <a:t> </a:t>
+            </a:r>
+            <a:r>
+              <a:rPr lang="en-US" dirty="0" err="1" smtClean="0">
+                <a:solidFill>
+                  <a:schemeClr val="accent4">
+                    <a:lumMod val="60000"/>
+                    <a:lumOff val="40000"/>
+                  </a:schemeClr>
+                </a:solidFill>
+              </a:rPr>
+              <a:t>tôi</a:t>
+            </a:r>
+            <a:r>
+              <a:rPr lang="en-US" dirty="0" smtClean="0">
+                <a:solidFill>
+                  <a:schemeClr val="accent4">
+                    <a:lumMod val="60000"/>
+                    <a:lumOff val="40000"/>
+                  </a:schemeClr>
+                </a:solidFill>
+              </a:rPr>
+              <a:t> </a:t>
+            </a:r>
+            <a:r>
+              <a:rPr lang="en-US" dirty="0" err="1" smtClean="0">
+                <a:solidFill>
+                  <a:schemeClr val="accent4">
+                    <a:lumMod val="60000"/>
+                    <a:lumOff val="40000"/>
+                  </a:schemeClr>
+                </a:solidFill>
+              </a:rPr>
+              <a:t>ăn</a:t>
+            </a:r>
+            <a:r>
+              <a:rPr lang="en-US" dirty="0" smtClean="0">
+                <a:solidFill>
+                  <a:schemeClr val="accent4">
+                    <a:lumMod val="60000"/>
+                    <a:lumOff val="40000"/>
+                  </a:schemeClr>
+                </a:solidFill>
+              </a:rPr>
+              <a:t> </a:t>
+            </a:r>
+            <a:r>
+              <a:rPr lang="en-US" dirty="0" err="1" smtClean="0">
+                <a:solidFill>
+                  <a:schemeClr val="accent4">
+                    <a:lumMod val="60000"/>
+                    <a:lumOff val="40000"/>
+                  </a:schemeClr>
+                </a:solidFill>
+              </a:rPr>
+              <a:t>hết</a:t>
+            </a:r>
+            <a:r>
+              <a:rPr lang="en-US" dirty="0" smtClean="0">
+                <a:solidFill>
+                  <a:schemeClr val="accent4">
+                    <a:lumMod val="60000"/>
+                    <a:lumOff val="40000"/>
+                  </a:schemeClr>
+                </a:solidFill>
+              </a:rPr>
+              <a:t> 2 </a:t>
+            </a:r>
+            <a:r>
+              <a:rPr lang="en-US" dirty="0" err="1" smtClean="0">
+                <a:solidFill>
+                  <a:schemeClr val="accent4">
+                    <a:lumMod val="60000"/>
+                    <a:lumOff val="40000"/>
+                  </a:schemeClr>
+                </a:solidFill>
+              </a:rPr>
+              <a:t>cái</a:t>
+            </a:r>
+            <a:r>
+              <a:rPr lang="en-US" dirty="0" smtClean="0">
+                <a:solidFill>
+                  <a:schemeClr val="accent4">
+                    <a:lumMod val="60000"/>
+                    <a:lumOff val="40000"/>
+                  </a:schemeClr>
+                </a:solidFill>
+              </a:rPr>
+              <a:t> </a:t>
+            </a:r>
+            <a:r>
+              <a:rPr lang="en-US" dirty="0" err="1" smtClean="0">
+                <a:solidFill>
+                  <a:schemeClr val="accent4">
+                    <a:lumMod val="60000"/>
+                    <a:lumOff val="40000"/>
+                  </a:schemeClr>
+                </a:solidFill>
+              </a:rPr>
+              <a:t>bánh</a:t>
+            </a:r>
+            <a:endParaRPr lang="en-US" sz="1600" dirty="0">
+              <a:solidFill>
+                <a:schemeClr val="accent4">
+                  <a:lumMod val="60000"/>
+                  <a:lumOff val="40000"/>
+                </a:schemeClr>
+              </a:solidFill>
+            </a:endParaRPr>
+          </a:p>
+        </p:txBody>
+      </p:sp>
+      <p:sp>
+        <p:nvSpPr>
+          <p:cNvPr id="14" name="TextBox 13"/>
+          <p:cNvSpPr txBox="1"/>
+          <p:nvPr/>
+        </p:nvSpPr>
+        <p:spPr>
+          <a:xfrm>
+            <a:off x="774221" y="2098011"/>
+            <a:ext cx="7834152" cy="369332"/>
+          </a:xfrm>
+          <a:prstGeom prst="rect">
+            <a:avLst/>
+          </a:prstGeom>
+          <a:noFill/>
+        </p:spPr>
+        <p:txBody>
+          <a:bodyPr wrap="square" rtlCol="0">
+            <a:spAutoFit/>
+          </a:bodyPr>
+          <a:lstStyle/>
+          <a:p>
+            <a:r>
+              <a:rPr lang="en-US" b="1" dirty="0" err="1" smtClean="0"/>
+              <a:t>Chỉ</a:t>
+            </a:r>
+            <a:r>
+              <a:rPr lang="en-US" b="1" dirty="0" smtClean="0"/>
+              <a:t> </a:t>
+            </a:r>
+            <a:r>
+              <a:rPr lang="en-US" b="1" dirty="0" err="1" smtClean="0"/>
+              <a:t>lệnh</a:t>
+            </a:r>
+            <a:r>
+              <a:rPr lang="en-US" b="1" dirty="0" smtClean="0"/>
+              <a:t> </a:t>
+            </a:r>
+            <a:r>
+              <a:rPr lang="en-US" b="1" dirty="0" err="1" smtClean="0"/>
+              <a:t>thể</a:t>
+            </a:r>
+            <a:r>
+              <a:rPr lang="en-US" b="1" dirty="0" smtClean="0"/>
+              <a:t> </a:t>
+            </a:r>
+            <a:r>
+              <a:rPr lang="en-US" b="1" dirty="0" err="1" smtClean="0"/>
+              <a:t>hiện</a:t>
+            </a:r>
+            <a:r>
+              <a:rPr lang="en-US" b="1" dirty="0" smtClean="0"/>
+              <a:t> </a:t>
+            </a:r>
+            <a:r>
+              <a:rPr lang="en-US" b="1" dirty="0" err="1" smtClean="0"/>
+              <a:t>số</a:t>
+            </a:r>
+            <a:r>
+              <a:rPr lang="en-US" b="1" dirty="0" smtClean="0"/>
+              <a:t> </a:t>
+            </a:r>
+            <a:r>
+              <a:rPr lang="en-US" b="1" dirty="0" err="1" smtClean="0"/>
+              <a:t>gần</a:t>
+            </a:r>
+            <a:r>
+              <a:rPr lang="en-US" b="1" dirty="0" smtClean="0"/>
+              <a:t> </a:t>
+            </a:r>
+            <a:r>
+              <a:rPr lang="en-US" b="1" dirty="0" err="1" smtClean="0"/>
+              <a:t>đúng</a:t>
+            </a:r>
+            <a:endParaRPr lang="en-US" b="1" dirty="0">
+              <a:solidFill>
+                <a:srgbClr val="FF0000"/>
+              </a:solidFill>
+            </a:endParaRPr>
+          </a:p>
+        </p:txBody>
+      </p:sp>
+      <p:sp>
+        <p:nvSpPr>
+          <p:cNvPr id="25" name="Flowchart: Decision 24"/>
+          <p:cNvSpPr/>
+          <p:nvPr/>
+        </p:nvSpPr>
+        <p:spPr>
+          <a:xfrm>
+            <a:off x="625365" y="2207205"/>
+            <a:ext cx="148856" cy="170120"/>
+          </a:xfrm>
+          <a:prstGeom prst="flowChartDecision">
+            <a:avLst/>
+          </a:prstGeom>
+          <a:solidFill>
+            <a:srgbClr val="3A75A6"/>
+          </a:solidFill>
+        </p:spPr>
+        <p:style>
+          <a:lnRef idx="2">
+            <a:schemeClr val="accent1">
+              <a:shade val="50000"/>
+            </a:schemeClr>
+          </a:lnRef>
+          <a:fillRef idx="1">
+            <a:schemeClr val="accent1"/>
+          </a:fillRef>
+          <a:effectRef idx="0">
+            <a:schemeClr val="accent1"/>
+          </a:effectRef>
+          <a:fontRef idx="minor">
+            <a:schemeClr val="lt1"/>
+          </a:fontRef>
+        </p:style>
+        <p:txBody>
+          <a:bodyPr rtlCol="0" anchor="ctr"/>
+          <a:lstStyle/>
+          <a:p>
+            <a:pPr algn="ctr"/>
+            <a:endParaRPr lang="en-US"/>
+          </a:p>
+        </p:txBody>
+      </p:sp>
+      <p:pic>
+        <p:nvPicPr>
+          <p:cNvPr id="26" name="Picture 2" descr="https://www.python.org/static/apple-touch-icon-precomposed.png"/>
+          <p:cNvPicPr>
+            <a:picLocks noChangeAspect="1" noChangeArrowheads="1"/>
+          </p:cNvPicPr>
+          <p:nvPr/>
+        </p:nvPicPr>
+        <p:blipFill>
+          <a:blip r:embed="rId2">
+            <a:extLst>
+              <a:ext uri="{28A0092B-C50C-407E-A947-70E740481C1C}">
+                <a14:useLocalDpi xmlns:a14="http://schemas.microsoft.com/office/drawing/2010/main" val="0"/>
+              </a:ext>
+            </a:extLst>
+          </a:blip>
+          <a:srcRect/>
+          <a:stretch>
+            <a:fillRect/>
+          </a:stretch>
+        </p:blipFill>
+        <p:spPr bwMode="auto">
+          <a:xfrm>
+            <a:off x="548981" y="1516875"/>
+            <a:ext cx="450480" cy="450481"/>
+          </a:xfrm>
+          <a:prstGeom prst="rect">
+            <a:avLst/>
+          </a:prstGeom>
+          <a:noFill/>
+          <a:extLst>
+            <a:ext uri="{909E8E84-426E-40DD-AFC4-6F175D3DCCD1}">
+              <a14:hiddenFill xmlns:a14="http://schemas.microsoft.com/office/drawing/2010/main">
+                <a:solidFill>
+                  <a:srgbClr val="FFFFFF"/>
+                </a:solidFill>
+              </a14:hiddenFill>
+            </a:ext>
+          </a:extLst>
+        </p:spPr>
+      </p:pic>
+      <p:sp>
+        <p:nvSpPr>
+          <p:cNvPr id="27" name="TextBox 26"/>
+          <p:cNvSpPr txBox="1"/>
+          <p:nvPr/>
+        </p:nvSpPr>
+        <p:spPr>
+          <a:xfrm>
+            <a:off x="1041993" y="1557449"/>
+            <a:ext cx="6432695" cy="369332"/>
+          </a:xfrm>
+          <a:prstGeom prst="rect">
+            <a:avLst/>
+          </a:prstGeom>
+          <a:noFill/>
+        </p:spPr>
+        <p:txBody>
+          <a:bodyPr wrap="square" rtlCol="0">
+            <a:spAutoFit/>
+          </a:bodyPr>
+          <a:lstStyle/>
+          <a:p>
+            <a:r>
+              <a:rPr lang="en-US" b="1" dirty="0" err="1" smtClean="0"/>
+              <a:t>Chỉ</a:t>
+            </a:r>
+            <a:r>
+              <a:rPr lang="en-US" b="1" dirty="0" smtClean="0"/>
+              <a:t> </a:t>
+            </a:r>
+            <a:r>
+              <a:rPr lang="en-US" b="1" dirty="0" err="1" smtClean="0"/>
+              <a:t>lệnh</a:t>
+            </a:r>
+            <a:r>
+              <a:rPr lang="en-US" b="1" dirty="0" smtClean="0"/>
+              <a:t> </a:t>
+            </a:r>
+            <a:r>
+              <a:rPr lang="en-US" b="1" dirty="0" err="1" smtClean="0"/>
+              <a:t>trong</a:t>
+            </a:r>
+            <a:r>
+              <a:rPr lang="en-US" b="1" dirty="0" smtClean="0"/>
+              <a:t> field</a:t>
+            </a:r>
+            <a:endParaRPr lang="en-US" b="1" dirty="0">
+              <a:solidFill>
+                <a:srgbClr val="FF0000"/>
+              </a:solidFill>
+            </a:endParaRPr>
+          </a:p>
+        </p:txBody>
+      </p:sp>
+    </p:spTree>
+    <p:extLst>
+      <p:ext uri="{BB962C8B-B14F-4D97-AF65-F5344CB8AC3E}">
+        <p14:creationId xmlns:p14="http://schemas.microsoft.com/office/powerpoint/2010/main" val="3293008965"/>
+      </p:ext>
+    </p:extLst>
+  </p:cSld>
+  <p:clrMapOvr>
+    <a:masterClrMapping/>
+  </p:clrMapOvr>
+  <p:timing>
+    <p:tnLst>
+      <p:par>
+        <p:cTn id="1" dur="indefinite" restart="never" nodeType="tmRoot"/>
+      </p:par>
+    </p:tnLst>
+  </p:timing>
+</p:sld>
+</file>
+
+<file path=ppt/slides/slide19.xml><?xml version="1.0" encoding="utf-8"?>
+<p:sld xmlns:a="http://schemas.openxmlformats.org/drawingml/2006/main" xmlns:r="http://schemas.openxmlformats.org/officeDocument/2006/relationships" xmlns:p="http://schemas.openxmlformats.org/presentationml/2006/main">
+  <p:cSld>
+    <p:spTree>
+      <p:nvGrpSpPr>
+        <p:cNvPr id="1" name=""/>
+        <p:cNvGrpSpPr/>
+        <p:nvPr/>
+      </p:nvGrpSpPr>
+      <p:grpSpPr>
+        <a:xfrm>
+          <a:off x="0" y="0"/>
+          <a:ext cx="0" cy="0"/>
+          <a:chOff x="0" y="0"/>
+          <a:chExt cx="0" cy="0"/>
+        </a:xfrm>
+      </p:grpSpPr>
+      <p:sp>
+        <p:nvSpPr>
+          <p:cNvPr id="2" name="Slide Number Placeholder 1"/>
+          <p:cNvSpPr>
+            <a:spLocks noGrp="1"/>
+          </p:cNvSpPr>
+          <p:nvPr>
+            <p:ph type="sldNum" sz="quarter" idx="12"/>
+          </p:nvPr>
+        </p:nvSpPr>
+        <p:spPr/>
+        <p:txBody>
+          <a:bodyPr/>
+          <a:lstStyle/>
+          <a:p>
+            <a:fld id="{7D9EC917-02A2-4152-9EE3-DFE2775A77C7}" type="slidenum">
+              <a:rPr lang="en-US" smtClean="0"/>
+              <a:pPr/>
+              <a:t>19</a:t>
+            </a:fld>
+            <a:endParaRPr lang="en-US"/>
+          </a:p>
+        </p:txBody>
+      </p:sp>
+      <p:sp>
+        <p:nvSpPr>
+          <p:cNvPr id="3" name="Text Placeholder 2"/>
+          <p:cNvSpPr>
+            <a:spLocks noGrp="1"/>
+          </p:cNvSpPr>
+          <p:nvPr>
+            <p:ph type="body" sz="quarter" idx="13"/>
+          </p:nvPr>
+        </p:nvSpPr>
+        <p:spPr>
+          <a:xfrm>
+            <a:off x="301925" y="851290"/>
+            <a:ext cx="8454964" cy="424732"/>
+          </a:xfrm>
+        </p:spPr>
+        <p:txBody>
+          <a:bodyPr/>
+          <a:lstStyle/>
+          <a:p>
+            <a:r>
+              <a:rPr lang="en-US" dirty="0"/>
+              <a:t>9.3 </a:t>
+            </a:r>
+            <a:r>
+              <a:rPr lang="en-US" dirty="0" err="1"/>
+              <a:t>Định</a:t>
+            </a:r>
+            <a:r>
+              <a:rPr lang="en-US" dirty="0"/>
+              <a:t> </a:t>
+            </a:r>
+            <a:r>
+              <a:rPr lang="en-US" dirty="0" err="1"/>
+              <a:t>dạng</a:t>
+            </a:r>
+            <a:r>
+              <a:rPr lang="en-US" dirty="0"/>
+              <a:t> </a:t>
+            </a:r>
+            <a:r>
+              <a:rPr lang="en-US" dirty="0" err="1"/>
+              <a:t>Chuỗi</a:t>
+            </a:r>
+            <a:endParaRPr lang="en-US" dirty="0"/>
+          </a:p>
+        </p:txBody>
+      </p:sp>
+      <p:sp>
+        <p:nvSpPr>
+          <p:cNvPr id="29" name="Rectangle 28"/>
+          <p:cNvSpPr/>
+          <p:nvPr/>
+        </p:nvSpPr>
+        <p:spPr>
+          <a:xfrm>
+            <a:off x="699793" y="2590402"/>
+            <a:ext cx="7774356" cy="1843605"/>
+          </a:xfrm>
+          <a:prstGeom prst="rect">
+            <a:avLst/>
+          </a:prstGeom>
+          <a:solidFill>
+            <a:schemeClr val="tx1">
+              <a:lumMod val="85000"/>
+              <a:lumOff val="15000"/>
+            </a:schemeClr>
+          </a:solidFill>
+          <a:ln>
+            <a:noFill/>
+          </a:ln>
+        </p:spPr>
+        <p:style>
+          <a:lnRef idx="2">
+            <a:schemeClr val="accent1">
+              <a:shade val="50000"/>
+            </a:schemeClr>
+          </a:lnRef>
+          <a:fillRef idx="1">
+            <a:schemeClr val="accent1"/>
+          </a:fillRef>
+          <a:effectRef idx="0">
+            <a:schemeClr val="accent1"/>
+          </a:effectRef>
+          <a:fontRef idx="minor">
+            <a:schemeClr val="lt1"/>
+          </a:fontRef>
+        </p:style>
+        <p:txBody>
+          <a:bodyPr rtlCol="0" anchor="ctr"/>
+          <a:lstStyle/>
+          <a:p>
+            <a:pPr algn="ctr"/>
+            <a:endParaRPr lang="en-US" dirty="0"/>
+          </a:p>
+        </p:txBody>
+      </p:sp>
+      <p:sp>
+        <p:nvSpPr>
+          <p:cNvPr id="30" name="TextBox 29"/>
+          <p:cNvSpPr txBox="1"/>
+          <p:nvPr/>
+        </p:nvSpPr>
+        <p:spPr>
+          <a:xfrm>
+            <a:off x="880547" y="2740561"/>
+            <a:ext cx="7402216" cy="1477328"/>
+          </a:xfrm>
+          <a:prstGeom prst="rect">
+            <a:avLst/>
+          </a:prstGeom>
+          <a:noFill/>
+        </p:spPr>
+        <p:txBody>
+          <a:bodyPr wrap="square" rtlCol="0">
+            <a:spAutoFit/>
+          </a:bodyPr>
+          <a:lstStyle/>
+          <a:p>
+            <a:r>
+              <a:rPr lang="en-US" dirty="0">
+                <a:solidFill>
+                  <a:schemeClr val="bg1"/>
+                </a:solidFill>
+              </a:rPr>
+              <a:t>quantity</a:t>
+            </a:r>
+            <a:r>
+              <a:rPr lang="en-US" dirty="0"/>
+              <a:t> </a:t>
+            </a:r>
+            <a:r>
+              <a:rPr lang="en-US" dirty="0" smtClean="0">
+                <a:solidFill>
+                  <a:schemeClr val="bg1"/>
+                </a:solidFill>
+              </a:rPr>
+              <a:t> </a:t>
+            </a:r>
+            <a:r>
+              <a:rPr lang="en-US" dirty="0">
+                <a:solidFill>
+                  <a:schemeClr val="bg1"/>
+                </a:solidFill>
+              </a:rPr>
+              <a:t>= </a:t>
+            </a:r>
+            <a:r>
+              <a:rPr lang="en-US" dirty="0" smtClean="0">
+                <a:solidFill>
+                  <a:schemeClr val="accent6">
+                    <a:lumMod val="60000"/>
+                    <a:lumOff val="40000"/>
+                  </a:schemeClr>
+                </a:solidFill>
+              </a:rPr>
+              <a:t>2</a:t>
+            </a:r>
+          </a:p>
+          <a:p>
+            <a:r>
+              <a:rPr lang="en-US" dirty="0">
+                <a:solidFill>
+                  <a:schemeClr val="bg1"/>
+                </a:solidFill>
+              </a:rPr>
+              <a:t>price</a:t>
+            </a:r>
+            <a:r>
+              <a:rPr lang="en-US" dirty="0"/>
+              <a:t> </a:t>
+            </a:r>
+            <a:r>
+              <a:rPr lang="en-US" dirty="0" smtClean="0">
+                <a:solidFill>
+                  <a:schemeClr val="bg1"/>
+                </a:solidFill>
+              </a:rPr>
+              <a:t> = </a:t>
+            </a:r>
+            <a:r>
+              <a:rPr lang="en-US" dirty="0" smtClean="0">
+                <a:solidFill>
+                  <a:schemeClr val="accent6">
+                    <a:lumMod val="60000"/>
+                    <a:lumOff val="40000"/>
+                  </a:schemeClr>
+                </a:solidFill>
+              </a:rPr>
+              <a:t>49.95</a:t>
+            </a:r>
+          </a:p>
+          <a:p>
+            <a:r>
+              <a:rPr lang="en-US" dirty="0" smtClean="0">
+                <a:solidFill>
+                  <a:schemeClr val="bg1"/>
+                </a:solidFill>
+              </a:rPr>
+              <a:t>txt </a:t>
+            </a:r>
+            <a:r>
+              <a:rPr lang="en-US" dirty="0">
+                <a:solidFill>
+                  <a:schemeClr val="bg1"/>
+                </a:solidFill>
+              </a:rPr>
+              <a:t>= </a:t>
+            </a:r>
+            <a:r>
+              <a:rPr lang="en-US" dirty="0" smtClean="0">
+                <a:solidFill>
+                  <a:schemeClr val="accent2">
+                    <a:lumMod val="75000"/>
+                  </a:schemeClr>
+                </a:solidFill>
+              </a:rPr>
+              <a:t>“</a:t>
+            </a:r>
+            <a:r>
+              <a:rPr lang="en-US" dirty="0" err="1" smtClean="0">
+                <a:solidFill>
+                  <a:schemeClr val="accent2">
+                    <a:lumMod val="75000"/>
+                  </a:schemeClr>
+                </a:solidFill>
+              </a:rPr>
+              <a:t>Mua</a:t>
+            </a:r>
+            <a:r>
+              <a:rPr lang="en-US" dirty="0" smtClean="0">
+                <a:solidFill>
+                  <a:schemeClr val="accent2">
+                    <a:lumMod val="75000"/>
+                  </a:schemeClr>
+                </a:solidFill>
+              </a:rPr>
+              <a:t> {0} </a:t>
+            </a:r>
+            <a:r>
+              <a:rPr lang="en-US" dirty="0" err="1" smtClean="0">
+                <a:solidFill>
+                  <a:schemeClr val="accent2">
+                    <a:lumMod val="75000"/>
+                  </a:schemeClr>
+                </a:solidFill>
+              </a:rPr>
+              <a:t>cái</a:t>
+            </a:r>
+            <a:r>
+              <a:rPr lang="en-US" dirty="0" smtClean="0">
+                <a:solidFill>
+                  <a:schemeClr val="accent2">
+                    <a:lumMod val="75000"/>
+                  </a:schemeClr>
+                </a:solidFill>
+              </a:rPr>
+              <a:t> </a:t>
+            </a:r>
+            <a:r>
+              <a:rPr lang="en-US" dirty="0" err="1" smtClean="0">
+                <a:solidFill>
+                  <a:schemeClr val="accent2">
+                    <a:lumMod val="75000"/>
+                  </a:schemeClr>
+                </a:solidFill>
+              </a:rPr>
+              <a:t>bánh</a:t>
+            </a:r>
+            <a:r>
+              <a:rPr lang="en-US" dirty="0" smtClean="0">
+                <a:solidFill>
+                  <a:schemeClr val="accent2">
+                    <a:lumMod val="75000"/>
+                  </a:schemeClr>
+                </a:solidFill>
+              </a:rPr>
+              <a:t> </a:t>
+            </a:r>
+            <a:r>
+              <a:rPr lang="en-US" dirty="0" err="1" smtClean="0">
+                <a:solidFill>
+                  <a:schemeClr val="accent2">
+                    <a:lumMod val="75000"/>
+                  </a:schemeClr>
+                </a:solidFill>
+              </a:rPr>
+              <a:t>hết</a:t>
+            </a:r>
+            <a:r>
+              <a:rPr lang="en-US" dirty="0" smtClean="0">
+                <a:solidFill>
+                  <a:schemeClr val="accent2">
+                    <a:lumMod val="75000"/>
+                  </a:schemeClr>
+                </a:solidFill>
+              </a:rPr>
+              <a:t> {1} </a:t>
+            </a:r>
+            <a:r>
+              <a:rPr lang="en-US" dirty="0" err="1" smtClean="0">
+                <a:solidFill>
+                  <a:schemeClr val="accent2">
+                    <a:lumMod val="75000"/>
+                  </a:schemeClr>
+                </a:solidFill>
+              </a:rPr>
+              <a:t>đô</a:t>
+            </a:r>
+            <a:r>
+              <a:rPr lang="en-US" dirty="0" smtClean="0">
+                <a:solidFill>
+                  <a:schemeClr val="accent2">
+                    <a:lumMod val="75000"/>
+                  </a:schemeClr>
+                </a:solidFill>
+              </a:rPr>
+              <a:t> la. </a:t>
+            </a:r>
+            <a:r>
+              <a:rPr lang="en-US" dirty="0" err="1" smtClean="0">
+                <a:solidFill>
+                  <a:schemeClr val="accent2">
+                    <a:lumMod val="75000"/>
+                  </a:schemeClr>
+                </a:solidFill>
+              </a:rPr>
+              <a:t>Em</a:t>
+            </a:r>
+            <a:r>
+              <a:rPr lang="en-US" dirty="0" smtClean="0">
+                <a:solidFill>
+                  <a:schemeClr val="accent2">
+                    <a:lumMod val="75000"/>
+                  </a:schemeClr>
+                </a:solidFill>
+              </a:rPr>
+              <a:t> </a:t>
+            </a:r>
+            <a:r>
+              <a:rPr lang="en-US" dirty="0" err="1" smtClean="0">
+                <a:solidFill>
+                  <a:schemeClr val="accent2">
+                    <a:lumMod val="75000"/>
+                  </a:schemeClr>
+                </a:solidFill>
+              </a:rPr>
+              <a:t>tôi</a:t>
+            </a:r>
+            <a:r>
+              <a:rPr lang="en-US" dirty="0" smtClean="0">
+                <a:solidFill>
+                  <a:schemeClr val="accent2">
+                    <a:lumMod val="75000"/>
+                  </a:schemeClr>
+                </a:solidFill>
+              </a:rPr>
+              <a:t> </a:t>
+            </a:r>
+            <a:r>
+              <a:rPr lang="en-US" dirty="0" err="1" smtClean="0">
+                <a:solidFill>
+                  <a:schemeClr val="accent2">
+                    <a:lumMod val="75000"/>
+                  </a:schemeClr>
+                </a:solidFill>
+              </a:rPr>
+              <a:t>ăn</a:t>
+            </a:r>
+            <a:r>
+              <a:rPr lang="en-US" dirty="0" smtClean="0">
+                <a:solidFill>
+                  <a:schemeClr val="accent2">
+                    <a:lumMod val="75000"/>
+                  </a:schemeClr>
+                </a:solidFill>
+              </a:rPr>
+              <a:t> </a:t>
+            </a:r>
+            <a:r>
+              <a:rPr lang="en-US" dirty="0" err="1" smtClean="0">
+                <a:solidFill>
+                  <a:schemeClr val="accent2">
+                    <a:lumMod val="75000"/>
+                  </a:schemeClr>
+                </a:solidFill>
+              </a:rPr>
+              <a:t>hết</a:t>
+            </a:r>
+            <a:r>
+              <a:rPr lang="en-US" dirty="0" smtClean="0">
+                <a:solidFill>
+                  <a:schemeClr val="accent2">
+                    <a:lumMod val="75000"/>
+                  </a:schemeClr>
+                </a:solidFill>
+              </a:rPr>
+              <a:t> {0} </a:t>
+            </a:r>
+            <a:r>
+              <a:rPr lang="en-US" dirty="0" err="1" smtClean="0">
+                <a:solidFill>
+                  <a:schemeClr val="accent2">
+                    <a:lumMod val="75000"/>
+                  </a:schemeClr>
+                </a:solidFill>
+              </a:rPr>
+              <a:t>cái</a:t>
+            </a:r>
+            <a:r>
+              <a:rPr lang="en-US" dirty="0" smtClean="0">
+                <a:solidFill>
+                  <a:schemeClr val="accent2">
+                    <a:lumMod val="75000"/>
+                  </a:schemeClr>
+                </a:solidFill>
+              </a:rPr>
+              <a:t> </a:t>
+            </a:r>
+            <a:r>
+              <a:rPr lang="en-US" dirty="0" err="1" smtClean="0">
+                <a:solidFill>
+                  <a:schemeClr val="accent2">
+                    <a:lumMod val="75000"/>
+                  </a:schemeClr>
+                </a:solidFill>
+              </a:rPr>
+              <a:t>bánh</a:t>
+            </a:r>
+            <a:r>
+              <a:rPr lang="en-US" dirty="0" smtClean="0">
+                <a:solidFill>
+                  <a:schemeClr val="accent2">
+                    <a:lumMod val="75000"/>
+                  </a:schemeClr>
+                </a:solidFill>
+              </a:rPr>
+              <a:t>"</a:t>
+            </a:r>
+            <a:r>
+              <a:rPr lang="en-US" dirty="0">
+                <a:solidFill>
+                  <a:schemeClr val="bg1"/>
+                </a:solidFill>
+              </a:rPr>
+              <a:t/>
+            </a:r>
+            <a:br>
+              <a:rPr lang="en-US" dirty="0">
+                <a:solidFill>
+                  <a:schemeClr val="bg1"/>
+                </a:solidFill>
+              </a:rPr>
+            </a:br>
+            <a:r>
+              <a:rPr lang="en-US" dirty="0" smtClean="0">
+                <a:solidFill>
+                  <a:schemeClr val="bg1"/>
+                </a:solidFill>
+              </a:rPr>
+              <a:t>print</a:t>
+            </a:r>
+            <a:r>
+              <a:rPr lang="en-US" dirty="0" smtClean="0">
+                <a:solidFill>
+                  <a:schemeClr val="accent4">
+                    <a:lumMod val="60000"/>
+                    <a:lumOff val="40000"/>
+                  </a:schemeClr>
+                </a:solidFill>
+              </a:rPr>
+              <a:t>(</a:t>
+            </a:r>
+            <a:r>
+              <a:rPr lang="en-US" dirty="0" err="1" smtClean="0">
+                <a:solidFill>
+                  <a:schemeClr val="bg1"/>
+                </a:solidFill>
+              </a:rPr>
+              <a:t>txt.format</a:t>
+            </a:r>
+            <a:r>
+              <a:rPr lang="en-US" dirty="0" smtClean="0">
+                <a:solidFill>
+                  <a:srgbClr val="FF66CC"/>
+                </a:solidFill>
+              </a:rPr>
+              <a:t>(</a:t>
+            </a:r>
+            <a:r>
+              <a:rPr lang="en-US" dirty="0">
+                <a:solidFill>
+                  <a:schemeClr val="bg1"/>
+                </a:solidFill>
+              </a:rPr>
+              <a:t>quantity</a:t>
+            </a:r>
+            <a:r>
+              <a:rPr lang="en-US" dirty="0" smtClean="0">
+                <a:solidFill>
+                  <a:schemeClr val="bg1"/>
+                </a:solidFill>
+              </a:rPr>
+              <a:t>, </a:t>
+            </a:r>
+            <a:r>
+              <a:rPr lang="en-US" dirty="0">
+                <a:solidFill>
+                  <a:schemeClr val="bg1"/>
+                </a:solidFill>
+              </a:rPr>
+              <a:t>price</a:t>
+            </a:r>
+            <a:r>
+              <a:rPr lang="en-US" dirty="0" smtClean="0">
+                <a:solidFill>
+                  <a:srgbClr val="FF66CC"/>
+                </a:solidFill>
+              </a:rPr>
+              <a:t>)</a:t>
+            </a:r>
+            <a:r>
+              <a:rPr lang="en-US" dirty="0" smtClean="0">
+                <a:solidFill>
+                  <a:schemeClr val="accent4">
+                    <a:lumMod val="60000"/>
+                    <a:lumOff val="40000"/>
+                  </a:schemeClr>
+                </a:solidFill>
+              </a:rPr>
+              <a:t>)</a:t>
+            </a:r>
+          </a:p>
+          <a:p>
+            <a:r>
+              <a:rPr lang="en-US" sz="1600" dirty="0" smtClean="0">
+                <a:solidFill>
+                  <a:schemeClr val="accent4">
+                    <a:lumMod val="60000"/>
+                    <a:lumOff val="40000"/>
+                  </a:schemeClr>
+                </a:solidFill>
+              </a:rPr>
+              <a:t>#</a:t>
+            </a:r>
+            <a:r>
+              <a:rPr lang="en-US" sz="1600" dirty="0" err="1" smtClean="0">
+                <a:solidFill>
+                  <a:schemeClr val="accent4">
+                    <a:lumMod val="60000"/>
+                    <a:lumOff val="40000"/>
+                  </a:schemeClr>
+                </a:solidFill>
+              </a:rPr>
+              <a:t>Kết</a:t>
+            </a:r>
+            <a:r>
+              <a:rPr lang="en-US" sz="1600" dirty="0" smtClean="0">
+                <a:solidFill>
+                  <a:schemeClr val="accent4">
+                    <a:lumMod val="60000"/>
+                    <a:lumOff val="40000"/>
+                  </a:schemeClr>
+                </a:solidFill>
+              </a:rPr>
+              <a:t> </a:t>
+            </a:r>
+            <a:r>
+              <a:rPr lang="en-US" sz="1600" dirty="0" err="1" smtClean="0">
+                <a:solidFill>
+                  <a:schemeClr val="accent4">
+                    <a:lumMod val="60000"/>
+                    <a:lumOff val="40000"/>
+                  </a:schemeClr>
+                </a:solidFill>
+              </a:rPr>
+              <a:t>quả</a:t>
+            </a:r>
+            <a:r>
+              <a:rPr lang="en-US" sz="1600" dirty="0" smtClean="0">
+                <a:solidFill>
+                  <a:schemeClr val="accent4">
+                    <a:lumMod val="60000"/>
+                    <a:lumOff val="40000"/>
+                  </a:schemeClr>
+                </a:solidFill>
+              </a:rPr>
+              <a:t> in </a:t>
+            </a:r>
+            <a:r>
+              <a:rPr lang="en-US" sz="1600" dirty="0" err="1" smtClean="0">
+                <a:solidFill>
+                  <a:schemeClr val="accent4">
+                    <a:lumMod val="60000"/>
+                    <a:lumOff val="40000"/>
+                  </a:schemeClr>
+                </a:solidFill>
+              </a:rPr>
+              <a:t>ra</a:t>
+            </a:r>
+            <a:r>
+              <a:rPr lang="en-US" sz="1600" dirty="0" smtClean="0">
+                <a:solidFill>
+                  <a:schemeClr val="accent4">
+                    <a:lumMod val="60000"/>
+                    <a:lumOff val="40000"/>
+                  </a:schemeClr>
+                </a:solidFill>
+              </a:rPr>
+              <a:t>: </a:t>
+            </a:r>
+            <a:r>
+              <a:rPr lang="en-US" dirty="0" err="1" smtClean="0">
+                <a:solidFill>
+                  <a:schemeClr val="accent4">
+                    <a:lumMod val="60000"/>
+                    <a:lumOff val="40000"/>
+                  </a:schemeClr>
+                </a:solidFill>
+              </a:rPr>
+              <a:t>Mua</a:t>
+            </a:r>
+            <a:r>
+              <a:rPr lang="en-US" dirty="0" smtClean="0">
+                <a:solidFill>
+                  <a:schemeClr val="accent4">
+                    <a:lumMod val="60000"/>
+                    <a:lumOff val="40000"/>
+                  </a:schemeClr>
+                </a:solidFill>
+              </a:rPr>
+              <a:t> 2 </a:t>
+            </a:r>
+            <a:r>
+              <a:rPr lang="en-US" dirty="0" err="1" smtClean="0">
+                <a:solidFill>
+                  <a:schemeClr val="accent4">
+                    <a:lumMod val="60000"/>
+                    <a:lumOff val="40000"/>
+                  </a:schemeClr>
+                </a:solidFill>
+              </a:rPr>
+              <a:t>cái</a:t>
+            </a:r>
+            <a:r>
+              <a:rPr lang="en-US" dirty="0" smtClean="0">
+                <a:solidFill>
+                  <a:schemeClr val="accent4">
+                    <a:lumMod val="60000"/>
+                    <a:lumOff val="40000"/>
+                  </a:schemeClr>
+                </a:solidFill>
+              </a:rPr>
+              <a:t> </a:t>
+            </a:r>
+            <a:r>
+              <a:rPr lang="en-US" dirty="0" err="1" smtClean="0">
+                <a:solidFill>
+                  <a:schemeClr val="accent4">
+                    <a:lumMod val="60000"/>
+                    <a:lumOff val="40000"/>
+                  </a:schemeClr>
+                </a:solidFill>
+              </a:rPr>
+              <a:t>bánh</a:t>
+            </a:r>
+            <a:r>
+              <a:rPr lang="en-US" dirty="0" smtClean="0">
+                <a:solidFill>
+                  <a:schemeClr val="accent4">
+                    <a:lumMod val="60000"/>
+                    <a:lumOff val="40000"/>
+                  </a:schemeClr>
+                </a:solidFill>
+              </a:rPr>
+              <a:t> </a:t>
+            </a:r>
+            <a:r>
+              <a:rPr lang="en-US" dirty="0" err="1" smtClean="0">
+                <a:solidFill>
+                  <a:schemeClr val="accent4">
+                    <a:lumMod val="60000"/>
+                    <a:lumOff val="40000"/>
+                  </a:schemeClr>
+                </a:solidFill>
+              </a:rPr>
+              <a:t>hết</a:t>
+            </a:r>
+            <a:r>
+              <a:rPr lang="en-US" dirty="0" smtClean="0">
+                <a:solidFill>
+                  <a:schemeClr val="accent4">
+                    <a:lumMod val="60000"/>
+                    <a:lumOff val="40000"/>
+                  </a:schemeClr>
+                </a:solidFill>
+              </a:rPr>
+              <a:t> 49.95 </a:t>
+            </a:r>
+            <a:r>
+              <a:rPr lang="en-US" dirty="0" err="1" smtClean="0">
+                <a:solidFill>
+                  <a:schemeClr val="accent4">
+                    <a:lumMod val="60000"/>
+                    <a:lumOff val="40000"/>
+                  </a:schemeClr>
+                </a:solidFill>
+              </a:rPr>
+              <a:t>đô</a:t>
+            </a:r>
+            <a:r>
+              <a:rPr lang="en-US" dirty="0" smtClean="0">
+                <a:solidFill>
+                  <a:schemeClr val="accent4">
+                    <a:lumMod val="60000"/>
+                    <a:lumOff val="40000"/>
+                  </a:schemeClr>
+                </a:solidFill>
+              </a:rPr>
+              <a:t> la. </a:t>
+            </a:r>
+            <a:r>
+              <a:rPr lang="en-US" dirty="0" err="1" smtClean="0">
+                <a:solidFill>
+                  <a:schemeClr val="accent4">
+                    <a:lumMod val="60000"/>
+                    <a:lumOff val="40000"/>
+                  </a:schemeClr>
+                </a:solidFill>
+              </a:rPr>
+              <a:t>Em</a:t>
+            </a:r>
+            <a:r>
+              <a:rPr lang="en-US" dirty="0" smtClean="0">
+                <a:solidFill>
+                  <a:schemeClr val="accent4">
+                    <a:lumMod val="60000"/>
+                    <a:lumOff val="40000"/>
+                  </a:schemeClr>
+                </a:solidFill>
+              </a:rPr>
+              <a:t> </a:t>
+            </a:r>
+            <a:r>
+              <a:rPr lang="en-US" dirty="0" err="1" smtClean="0">
+                <a:solidFill>
+                  <a:schemeClr val="accent4">
+                    <a:lumMod val="60000"/>
+                    <a:lumOff val="40000"/>
+                  </a:schemeClr>
+                </a:solidFill>
+              </a:rPr>
+              <a:t>tôi</a:t>
+            </a:r>
+            <a:r>
+              <a:rPr lang="en-US" dirty="0" smtClean="0">
+                <a:solidFill>
+                  <a:schemeClr val="accent4">
+                    <a:lumMod val="60000"/>
+                    <a:lumOff val="40000"/>
+                  </a:schemeClr>
+                </a:solidFill>
+              </a:rPr>
+              <a:t> </a:t>
+            </a:r>
+            <a:r>
+              <a:rPr lang="en-US" dirty="0" err="1" smtClean="0">
+                <a:solidFill>
+                  <a:schemeClr val="accent4">
+                    <a:lumMod val="60000"/>
+                    <a:lumOff val="40000"/>
+                  </a:schemeClr>
+                </a:solidFill>
+              </a:rPr>
+              <a:t>ăn</a:t>
+            </a:r>
+            <a:r>
+              <a:rPr lang="en-US" dirty="0" smtClean="0">
+                <a:solidFill>
+                  <a:schemeClr val="accent4">
+                    <a:lumMod val="60000"/>
+                    <a:lumOff val="40000"/>
+                  </a:schemeClr>
+                </a:solidFill>
+              </a:rPr>
+              <a:t> </a:t>
+            </a:r>
+            <a:r>
+              <a:rPr lang="en-US" dirty="0" err="1" smtClean="0">
+                <a:solidFill>
+                  <a:schemeClr val="accent4">
+                    <a:lumMod val="60000"/>
+                    <a:lumOff val="40000"/>
+                  </a:schemeClr>
+                </a:solidFill>
+              </a:rPr>
+              <a:t>hết</a:t>
+            </a:r>
+            <a:r>
+              <a:rPr lang="en-US" dirty="0" smtClean="0">
+                <a:solidFill>
+                  <a:schemeClr val="accent4">
+                    <a:lumMod val="60000"/>
+                    <a:lumOff val="40000"/>
+                  </a:schemeClr>
+                </a:solidFill>
+              </a:rPr>
+              <a:t> 2 </a:t>
+            </a:r>
+            <a:r>
+              <a:rPr lang="en-US" dirty="0" err="1" smtClean="0">
+                <a:solidFill>
+                  <a:schemeClr val="accent4">
+                    <a:lumMod val="60000"/>
+                    <a:lumOff val="40000"/>
+                  </a:schemeClr>
+                </a:solidFill>
+              </a:rPr>
+              <a:t>cái</a:t>
+            </a:r>
+            <a:r>
+              <a:rPr lang="en-US" dirty="0" smtClean="0">
+                <a:solidFill>
+                  <a:schemeClr val="accent4">
+                    <a:lumMod val="60000"/>
+                    <a:lumOff val="40000"/>
+                  </a:schemeClr>
+                </a:solidFill>
+              </a:rPr>
+              <a:t> </a:t>
+            </a:r>
+            <a:r>
+              <a:rPr lang="en-US" dirty="0" err="1" smtClean="0">
+                <a:solidFill>
+                  <a:schemeClr val="accent4">
+                    <a:lumMod val="60000"/>
+                    <a:lumOff val="40000"/>
+                  </a:schemeClr>
+                </a:solidFill>
+              </a:rPr>
+              <a:t>bánh</a:t>
+            </a:r>
+            <a:endParaRPr lang="en-US" sz="1600" dirty="0">
+              <a:solidFill>
+                <a:schemeClr val="accent4">
+                  <a:lumMod val="60000"/>
+                  <a:lumOff val="40000"/>
+                </a:schemeClr>
+              </a:solidFill>
+            </a:endParaRPr>
+          </a:p>
+        </p:txBody>
+      </p:sp>
+      <p:sp>
+        <p:nvSpPr>
+          <p:cNvPr id="14" name="TextBox 13"/>
+          <p:cNvSpPr txBox="1"/>
+          <p:nvPr/>
+        </p:nvSpPr>
+        <p:spPr>
+          <a:xfrm>
+            <a:off x="774221" y="2098011"/>
+            <a:ext cx="7834152" cy="369332"/>
+          </a:xfrm>
+          <a:prstGeom prst="rect">
+            <a:avLst/>
+          </a:prstGeom>
+          <a:noFill/>
+        </p:spPr>
+        <p:txBody>
+          <a:bodyPr wrap="square" rtlCol="0">
+            <a:spAutoFit/>
+          </a:bodyPr>
+          <a:lstStyle/>
+          <a:p>
+            <a:r>
+              <a:rPr lang="en-US" b="1" dirty="0" err="1" smtClean="0"/>
+              <a:t>Chỉ</a:t>
+            </a:r>
+            <a:r>
+              <a:rPr lang="en-US" b="1" dirty="0" smtClean="0"/>
+              <a:t> </a:t>
+            </a:r>
+            <a:r>
+              <a:rPr lang="en-US" b="1" dirty="0" err="1" smtClean="0"/>
+              <a:t>lệnh</a:t>
+            </a:r>
+            <a:r>
+              <a:rPr lang="en-US" b="1" dirty="0" smtClean="0"/>
+              <a:t> # (hash)</a:t>
+            </a:r>
+            <a:endParaRPr lang="en-US" b="1" dirty="0">
+              <a:solidFill>
+                <a:srgbClr val="FF0000"/>
+              </a:solidFill>
+            </a:endParaRPr>
+          </a:p>
+        </p:txBody>
+      </p:sp>
+      <p:sp>
+        <p:nvSpPr>
+          <p:cNvPr id="25" name="Flowchart: Decision 24"/>
+          <p:cNvSpPr/>
+          <p:nvPr/>
+        </p:nvSpPr>
+        <p:spPr>
+          <a:xfrm>
+            <a:off x="625365" y="2207205"/>
+            <a:ext cx="148856" cy="170120"/>
+          </a:xfrm>
+          <a:prstGeom prst="flowChartDecision">
+            <a:avLst/>
+          </a:prstGeom>
+          <a:solidFill>
+            <a:srgbClr val="3A75A6"/>
+          </a:solidFill>
+        </p:spPr>
+        <p:style>
+          <a:lnRef idx="2">
+            <a:schemeClr val="accent1">
+              <a:shade val="50000"/>
+            </a:schemeClr>
+          </a:lnRef>
+          <a:fillRef idx="1">
+            <a:schemeClr val="accent1"/>
+          </a:fillRef>
+          <a:effectRef idx="0">
+            <a:schemeClr val="accent1"/>
+          </a:effectRef>
+          <a:fontRef idx="minor">
+            <a:schemeClr val="lt1"/>
+          </a:fontRef>
+        </p:style>
+        <p:txBody>
+          <a:bodyPr rtlCol="0" anchor="ctr"/>
+          <a:lstStyle/>
+          <a:p>
+            <a:pPr algn="ctr"/>
+            <a:endParaRPr lang="en-US"/>
+          </a:p>
+        </p:txBody>
+      </p:sp>
+      <p:pic>
+        <p:nvPicPr>
+          <p:cNvPr id="26" name="Picture 2" descr="https://www.python.org/static/apple-touch-icon-precomposed.png"/>
+          <p:cNvPicPr>
+            <a:picLocks noChangeAspect="1" noChangeArrowheads="1"/>
+          </p:cNvPicPr>
+          <p:nvPr/>
+        </p:nvPicPr>
+        <p:blipFill>
+          <a:blip r:embed="rId2">
+            <a:extLst>
+              <a:ext uri="{28A0092B-C50C-407E-A947-70E740481C1C}">
+                <a14:useLocalDpi xmlns:a14="http://schemas.microsoft.com/office/drawing/2010/main" val="0"/>
+              </a:ext>
+            </a:extLst>
+          </a:blip>
+          <a:srcRect/>
+          <a:stretch>
+            <a:fillRect/>
+          </a:stretch>
+        </p:blipFill>
+        <p:spPr bwMode="auto">
+          <a:xfrm>
+            <a:off x="548981" y="1516875"/>
+            <a:ext cx="450480" cy="450481"/>
+          </a:xfrm>
+          <a:prstGeom prst="rect">
+            <a:avLst/>
+          </a:prstGeom>
+          <a:noFill/>
+          <a:extLst>
+            <a:ext uri="{909E8E84-426E-40DD-AFC4-6F175D3DCCD1}">
+              <a14:hiddenFill xmlns:a14="http://schemas.microsoft.com/office/drawing/2010/main">
+                <a:solidFill>
+                  <a:srgbClr val="FFFFFF"/>
+                </a:solidFill>
+              </a14:hiddenFill>
+            </a:ext>
+          </a:extLst>
+        </p:spPr>
+      </p:pic>
+      <p:sp>
+        <p:nvSpPr>
+          <p:cNvPr id="27" name="TextBox 26"/>
+          <p:cNvSpPr txBox="1"/>
+          <p:nvPr/>
+        </p:nvSpPr>
+        <p:spPr>
+          <a:xfrm>
+            <a:off x="1041993" y="1557449"/>
+            <a:ext cx="6432695" cy="369332"/>
+          </a:xfrm>
+          <a:prstGeom prst="rect">
+            <a:avLst/>
+          </a:prstGeom>
+          <a:noFill/>
+        </p:spPr>
+        <p:txBody>
+          <a:bodyPr wrap="square" rtlCol="0">
+            <a:spAutoFit/>
+          </a:bodyPr>
+          <a:lstStyle/>
+          <a:p>
+            <a:r>
+              <a:rPr lang="en-US" b="1" dirty="0" err="1" smtClean="0"/>
+              <a:t>Chỉ</a:t>
+            </a:r>
+            <a:r>
+              <a:rPr lang="en-US" b="1" dirty="0" smtClean="0"/>
+              <a:t> </a:t>
+            </a:r>
+            <a:r>
+              <a:rPr lang="en-US" b="1" dirty="0" err="1" smtClean="0"/>
+              <a:t>lệnh</a:t>
+            </a:r>
+            <a:r>
+              <a:rPr lang="en-US" b="1" dirty="0" smtClean="0"/>
+              <a:t> </a:t>
+            </a:r>
+            <a:r>
+              <a:rPr lang="en-US" b="1" dirty="0" err="1" smtClean="0"/>
+              <a:t>trong</a:t>
+            </a:r>
+            <a:r>
+              <a:rPr lang="en-US" b="1" dirty="0" smtClean="0"/>
+              <a:t> field</a:t>
+            </a:r>
+            <a:endParaRPr lang="en-US" b="1" dirty="0">
+              <a:solidFill>
+                <a:srgbClr val="FF0000"/>
+              </a:solidFill>
+            </a:endParaRPr>
+          </a:p>
+        </p:txBody>
+      </p:sp>
+    </p:spTree>
+    <p:extLst>
+      <p:ext uri="{BB962C8B-B14F-4D97-AF65-F5344CB8AC3E}">
+        <p14:creationId xmlns:p14="http://schemas.microsoft.com/office/powerpoint/2010/main" val="2529273737"/>
+      </p:ext>
+    </p:extLst>
+  </p:cSld>
+  <p:clrMapOvr>
+    <a:masterClrMapping/>
+  </p:clrMapOvr>
+  <p:timing>
+    <p:tnLst>
+      <p:par>
+        <p:cTn id="1" dur="indefinite" restart="never" nodeType="tmRoot"/>
+      </p:par>
+    </p:tnLst>
+  </p:timing>
+</p:sld>
+</file>
+
+<file path=ppt/slides/slide2.xml><?xml version="1.0" encoding="utf-8"?>
+<p:sld xmlns:a="http://schemas.openxmlformats.org/drawingml/2006/main" xmlns:r="http://schemas.openxmlformats.org/officeDocument/2006/relationships" xmlns:p="http://schemas.openxmlformats.org/presentationml/2006/main">
+  <p:cSld>
+    <p:spTree>
+      <p:nvGrpSpPr>
+        <p:cNvPr id="1" name=""/>
+        <p:cNvGrpSpPr/>
+        <p:nvPr/>
+      </p:nvGrpSpPr>
+      <p:grpSpPr>
+        <a:xfrm>
+          <a:off x="0" y="0"/>
+          <a:ext cx="0" cy="0"/>
+          <a:chOff x="0" y="0"/>
+          <a:chExt cx="0" cy="0"/>
+        </a:xfrm>
+      </p:grpSpPr>
+      <p:sp>
+        <p:nvSpPr>
+          <p:cNvPr id="2" name="Slide Number Placeholder 1"/>
+          <p:cNvSpPr>
+            <a:spLocks noGrp="1"/>
+          </p:cNvSpPr>
+          <p:nvPr>
+            <p:ph type="sldNum" sz="quarter" idx="12"/>
+          </p:nvPr>
+        </p:nvSpPr>
+        <p:spPr/>
+        <p:txBody>
+          <a:bodyPr/>
+          <a:lstStyle/>
+          <a:p>
+            <a:fld id="{7D9EC917-02A2-4152-9EE3-DFE2775A77C7}" type="slidenum">
+              <a:rPr lang="en-US" smtClean="0"/>
+              <a:pPr/>
+              <a:t>2</a:t>
+            </a:fld>
+            <a:endParaRPr lang="en-US"/>
+          </a:p>
+        </p:txBody>
+      </p:sp>
+      <p:sp>
+        <p:nvSpPr>
+          <p:cNvPr id="3" name="Text Placeholder 2"/>
+          <p:cNvSpPr>
+            <a:spLocks noGrp="1"/>
+          </p:cNvSpPr>
+          <p:nvPr>
+            <p:ph type="body" sz="quarter" idx="13"/>
+          </p:nvPr>
+        </p:nvSpPr>
+        <p:spPr>
+          <a:xfrm>
+            <a:off x="301926" y="797441"/>
+            <a:ext cx="8454964" cy="424732"/>
+          </a:xfrm>
+        </p:spPr>
+        <p:txBody>
+          <a:bodyPr/>
+          <a:lstStyle/>
+          <a:p>
+            <a:r>
+              <a:rPr lang="en-US" dirty="0" err="1" smtClean="0"/>
+              <a:t>Tóm</a:t>
+            </a:r>
+            <a:r>
+              <a:rPr lang="en-US" dirty="0" smtClean="0"/>
+              <a:t> </a:t>
+            </a:r>
+            <a:r>
+              <a:rPr lang="en-US" dirty="0" err="1" smtClean="0"/>
+              <a:t>Tắt</a:t>
+            </a:r>
+            <a:r>
+              <a:rPr lang="en-US" dirty="0" smtClean="0"/>
+              <a:t> </a:t>
+            </a:r>
+            <a:r>
+              <a:rPr lang="en-US" dirty="0" err="1" smtClean="0"/>
+              <a:t>Nội</a:t>
+            </a:r>
+            <a:r>
+              <a:rPr lang="en-US" dirty="0" smtClean="0"/>
+              <a:t> Dung</a:t>
+            </a:r>
+            <a:endParaRPr lang="en-US" dirty="0"/>
+          </a:p>
+        </p:txBody>
+      </p:sp>
+      <p:sp>
+        <p:nvSpPr>
+          <p:cNvPr id="4" name="Oval 3"/>
+          <p:cNvSpPr/>
+          <p:nvPr/>
+        </p:nvSpPr>
+        <p:spPr>
+          <a:xfrm>
+            <a:off x="602143" y="2356514"/>
+            <a:ext cx="439848" cy="439848"/>
+          </a:xfrm>
+          <a:prstGeom prst="ellipse">
+            <a:avLst/>
+          </a:prstGeom>
+          <a:gradFill flip="none" rotWithShape="1">
+            <a:gsLst>
+              <a:gs pos="15000">
+                <a:srgbClr val="67C7DF"/>
+              </a:gs>
+              <a:gs pos="100000">
+                <a:srgbClr val="5EB130"/>
+              </a:gs>
+            </a:gsLst>
+            <a:lin ang="2400000" scaled="0"/>
+            <a:tileRect/>
+          </a:gradFill>
+          <a:ln>
+            <a:noFill/>
+          </a:ln>
+        </p:spPr>
+        <p:style>
+          <a:lnRef idx="2">
+            <a:schemeClr val="accent1">
+              <a:shade val="50000"/>
+            </a:schemeClr>
+          </a:lnRef>
+          <a:fillRef idx="1">
+            <a:schemeClr val="accent1"/>
+          </a:fillRef>
+          <a:effectRef idx="0">
+            <a:schemeClr val="accent1"/>
+          </a:effectRef>
+          <a:fontRef idx="minor">
+            <a:schemeClr val="lt1"/>
+          </a:fontRef>
+        </p:style>
+        <p:txBody>
+          <a:bodyPr rtlCol="0" anchor="ctr"/>
+          <a:lstStyle/>
+          <a:p>
+            <a:pPr algn="ctr"/>
+            <a:r>
+              <a:rPr lang="en-US" b="1" dirty="0" smtClean="0"/>
+              <a:t>1</a:t>
+            </a:r>
+            <a:endParaRPr lang="en-US" b="1" dirty="0"/>
+          </a:p>
+        </p:txBody>
+      </p:sp>
+      <p:sp>
+        <p:nvSpPr>
+          <p:cNvPr id="6" name="TextBox 5"/>
+          <p:cNvSpPr txBox="1"/>
+          <p:nvPr/>
+        </p:nvSpPr>
+        <p:spPr>
+          <a:xfrm>
+            <a:off x="1201478" y="2373866"/>
+            <a:ext cx="6485861" cy="369332"/>
+          </a:xfrm>
+          <a:prstGeom prst="rect">
+            <a:avLst/>
+          </a:prstGeom>
+          <a:noFill/>
+        </p:spPr>
+        <p:txBody>
+          <a:bodyPr wrap="square" rtlCol="0">
+            <a:spAutoFit/>
+          </a:bodyPr>
+          <a:lstStyle/>
+          <a:p>
+            <a:r>
+              <a:rPr lang="en-US" dirty="0" err="1"/>
+              <a:t>Tổng</a:t>
+            </a:r>
+            <a:r>
+              <a:rPr lang="en-US" dirty="0"/>
+              <a:t> </a:t>
+            </a:r>
+            <a:r>
+              <a:rPr lang="en-US" dirty="0" err="1"/>
+              <a:t>quan</a:t>
+            </a:r>
+            <a:r>
+              <a:rPr lang="en-US" dirty="0"/>
+              <a:t> </a:t>
+            </a:r>
+            <a:r>
+              <a:rPr lang="en-US" dirty="0" err="1"/>
+              <a:t>về</a:t>
+            </a:r>
+            <a:r>
+              <a:rPr lang="en-US" dirty="0"/>
+              <a:t> </a:t>
+            </a:r>
+            <a:r>
+              <a:rPr lang="en-US" dirty="0" err="1"/>
+              <a:t>Chuỗi</a:t>
+            </a:r>
+            <a:r>
+              <a:rPr lang="en-US" dirty="0"/>
+              <a:t> (</a:t>
+            </a:r>
+            <a:r>
+              <a:rPr lang="en-US" dirty="0" smtClean="0"/>
+              <a:t>String)</a:t>
+            </a:r>
+            <a:endParaRPr lang="en-US" dirty="0"/>
+          </a:p>
+        </p:txBody>
+      </p:sp>
+      <p:sp>
+        <p:nvSpPr>
+          <p:cNvPr id="7" name="Oval 6"/>
+          <p:cNvSpPr/>
+          <p:nvPr/>
+        </p:nvSpPr>
+        <p:spPr>
+          <a:xfrm>
+            <a:off x="602143" y="3100793"/>
+            <a:ext cx="439848" cy="439848"/>
+          </a:xfrm>
+          <a:prstGeom prst="ellipse">
+            <a:avLst/>
+          </a:prstGeom>
+          <a:gradFill flip="none" rotWithShape="1">
+            <a:gsLst>
+              <a:gs pos="15000">
+                <a:srgbClr val="67C7DF"/>
+              </a:gs>
+              <a:gs pos="100000">
+                <a:srgbClr val="5EB130"/>
+              </a:gs>
+            </a:gsLst>
+            <a:lin ang="2400000" scaled="0"/>
+            <a:tileRect/>
+          </a:gradFill>
+          <a:ln>
+            <a:noFill/>
+          </a:ln>
+        </p:spPr>
+        <p:style>
+          <a:lnRef idx="2">
+            <a:schemeClr val="accent1">
+              <a:shade val="50000"/>
+            </a:schemeClr>
+          </a:lnRef>
+          <a:fillRef idx="1">
+            <a:schemeClr val="accent1"/>
+          </a:fillRef>
+          <a:effectRef idx="0">
+            <a:schemeClr val="accent1"/>
+          </a:effectRef>
+          <a:fontRef idx="minor">
+            <a:schemeClr val="lt1"/>
+          </a:fontRef>
+        </p:style>
+        <p:txBody>
+          <a:bodyPr rtlCol="0" anchor="ctr"/>
+          <a:lstStyle/>
+          <a:p>
+            <a:pPr algn="ctr"/>
+            <a:r>
+              <a:rPr lang="en-US" b="1" dirty="0"/>
+              <a:t>2</a:t>
+            </a:r>
+          </a:p>
+        </p:txBody>
+      </p:sp>
+      <p:sp>
+        <p:nvSpPr>
+          <p:cNvPr id="11" name="Oval 10"/>
+          <p:cNvSpPr/>
+          <p:nvPr/>
+        </p:nvSpPr>
+        <p:spPr>
+          <a:xfrm>
+            <a:off x="602143" y="3823807"/>
+            <a:ext cx="439848" cy="439848"/>
+          </a:xfrm>
+          <a:prstGeom prst="ellipse">
+            <a:avLst/>
+          </a:prstGeom>
+          <a:gradFill flip="none" rotWithShape="1">
+            <a:gsLst>
+              <a:gs pos="15000">
+                <a:srgbClr val="67C7DF"/>
+              </a:gs>
+              <a:gs pos="100000">
+                <a:srgbClr val="5EB130"/>
+              </a:gs>
+            </a:gsLst>
+            <a:lin ang="2400000" scaled="0"/>
+            <a:tileRect/>
+          </a:gradFill>
+          <a:ln>
+            <a:noFill/>
+          </a:ln>
+        </p:spPr>
+        <p:style>
+          <a:lnRef idx="2">
+            <a:schemeClr val="accent1">
+              <a:shade val="50000"/>
+            </a:schemeClr>
+          </a:lnRef>
+          <a:fillRef idx="1">
+            <a:schemeClr val="accent1"/>
+          </a:fillRef>
+          <a:effectRef idx="0">
+            <a:schemeClr val="accent1"/>
+          </a:effectRef>
+          <a:fontRef idx="minor">
+            <a:schemeClr val="lt1"/>
+          </a:fontRef>
+        </p:style>
+        <p:txBody>
+          <a:bodyPr rtlCol="0" anchor="ctr"/>
+          <a:lstStyle/>
+          <a:p>
+            <a:pPr algn="ctr"/>
+            <a:r>
+              <a:rPr lang="en-US" b="1" dirty="0" smtClean="0"/>
+              <a:t>3</a:t>
+            </a:r>
+            <a:endParaRPr lang="en-US" b="1" dirty="0"/>
+          </a:p>
+        </p:txBody>
+      </p:sp>
+      <p:sp>
+        <p:nvSpPr>
+          <p:cNvPr id="12" name="TextBox 11"/>
+          <p:cNvSpPr txBox="1"/>
+          <p:nvPr/>
+        </p:nvSpPr>
+        <p:spPr>
+          <a:xfrm>
+            <a:off x="1201479" y="3171309"/>
+            <a:ext cx="5178056" cy="369332"/>
+          </a:xfrm>
+          <a:prstGeom prst="rect">
+            <a:avLst/>
+          </a:prstGeom>
+          <a:noFill/>
+        </p:spPr>
+        <p:txBody>
+          <a:bodyPr wrap="square" rtlCol="0">
+            <a:spAutoFit/>
+          </a:bodyPr>
+          <a:lstStyle/>
+          <a:p>
+            <a:r>
+              <a:rPr lang="en-US" dirty="0" err="1" smtClean="0"/>
+              <a:t>Các</a:t>
+            </a:r>
+            <a:r>
+              <a:rPr lang="en-US" dirty="0" smtClean="0"/>
+              <a:t> </a:t>
+            </a:r>
+            <a:r>
+              <a:rPr lang="en-US" dirty="0" err="1" smtClean="0"/>
+              <a:t>phương</a:t>
+            </a:r>
+            <a:r>
+              <a:rPr lang="en-US" dirty="0" smtClean="0"/>
+              <a:t> </a:t>
+            </a:r>
+            <a:r>
+              <a:rPr lang="en-US" dirty="0" err="1" smtClean="0"/>
+              <a:t>thức</a:t>
+            </a:r>
+            <a:r>
+              <a:rPr lang="en-US" dirty="0" smtClean="0"/>
+              <a:t> </a:t>
+            </a:r>
+            <a:r>
+              <a:rPr lang="en-US" dirty="0" err="1" smtClean="0"/>
+              <a:t>xử</a:t>
+            </a:r>
+            <a:r>
+              <a:rPr lang="en-US" dirty="0" smtClean="0"/>
+              <a:t> </a:t>
+            </a:r>
+            <a:r>
+              <a:rPr lang="en-US" dirty="0" err="1" smtClean="0"/>
+              <a:t>lý</a:t>
+            </a:r>
+            <a:r>
+              <a:rPr lang="en-US" dirty="0" smtClean="0"/>
+              <a:t> </a:t>
+            </a:r>
+            <a:r>
+              <a:rPr lang="en-US" dirty="0" err="1" smtClean="0"/>
+              <a:t>với</a:t>
+            </a:r>
+            <a:r>
+              <a:rPr lang="en-US" dirty="0" smtClean="0"/>
+              <a:t> </a:t>
+            </a:r>
+            <a:r>
+              <a:rPr lang="en-US" dirty="0" err="1" smtClean="0"/>
+              <a:t>Chuỗi</a:t>
+            </a:r>
+            <a:endParaRPr lang="en-US" dirty="0"/>
+          </a:p>
+        </p:txBody>
+      </p:sp>
+      <p:sp>
+        <p:nvSpPr>
+          <p:cNvPr id="15" name="Oval 14"/>
+          <p:cNvSpPr/>
+          <p:nvPr/>
+        </p:nvSpPr>
+        <p:spPr>
+          <a:xfrm>
+            <a:off x="602143" y="4589351"/>
+            <a:ext cx="439848" cy="439848"/>
+          </a:xfrm>
+          <a:prstGeom prst="ellipse">
+            <a:avLst/>
+          </a:prstGeom>
+          <a:gradFill flip="none" rotWithShape="1">
+            <a:gsLst>
+              <a:gs pos="15000">
+                <a:srgbClr val="67C7DF"/>
+              </a:gs>
+              <a:gs pos="100000">
+                <a:srgbClr val="5EB130"/>
+              </a:gs>
+            </a:gsLst>
+            <a:lin ang="2400000" scaled="0"/>
+            <a:tileRect/>
+          </a:gradFill>
+          <a:ln>
+            <a:noFill/>
+          </a:ln>
+        </p:spPr>
+        <p:style>
+          <a:lnRef idx="2">
+            <a:schemeClr val="accent1">
+              <a:shade val="50000"/>
+            </a:schemeClr>
+          </a:lnRef>
+          <a:fillRef idx="1">
+            <a:schemeClr val="accent1"/>
+          </a:fillRef>
+          <a:effectRef idx="0">
+            <a:schemeClr val="accent1"/>
+          </a:effectRef>
+          <a:fontRef idx="minor">
+            <a:schemeClr val="lt1"/>
+          </a:fontRef>
+        </p:style>
+        <p:txBody>
+          <a:bodyPr rtlCol="0" anchor="ctr"/>
+          <a:lstStyle/>
+          <a:p>
+            <a:pPr algn="ctr"/>
+            <a:r>
+              <a:rPr lang="en-US" b="1" dirty="0"/>
+              <a:t>4</a:t>
+            </a:r>
+          </a:p>
+        </p:txBody>
+      </p:sp>
+      <p:sp>
+        <p:nvSpPr>
+          <p:cNvPr id="16" name="TextBox 15"/>
+          <p:cNvSpPr txBox="1"/>
+          <p:nvPr/>
+        </p:nvSpPr>
+        <p:spPr>
+          <a:xfrm>
+            <a:off x="1201479" y="4589351"/>
+            <a:ext cx="5178056" cy="369332"/>
+          </a:xfrm>
+          <a:prstGeom prst="rect">
+            <a:avLst/>
+          </a:prstGeom>
+          <a:noFill/>
+        </p:spPr>
+        <p:txBody>
+          <a:bodyPr wrap="square" rtlCol="0">
+            <a:spAutoFit/>
+          </a:bodyPr>
+          <a:lstStyle/>
+          <a:p>
+            <a:r>
+              <a:rPr lang="en-US" dirty="0" err="1" smtClean="0"/>
+              <a:t>Dãy</a:t>
+            </a:r>
+            <a:r>
+              <a:rPr lang="en-US" dirty="0" smtClean="0"/>
+              <a:t> </a:t>
+            </a:r>
+            <a:r>
+              <a:rPr lang="en-US" dirty="0" err="1" smtClean="0"/>
+              <a:t>thoát</a:t>
+            </a:r>
+            <a:r>
+              <a:rPr lang="en-US" dirty="0" smtClean="0"/>
+              <a:t> Escape </a:t>
+            </a:r>
+            <a:r>
+              <a:rPr lang="en-US" dirty="0" err="1" smtClean="0"/>
+              <a:t>trong</a:t>
+            </a:r>
+            <a:r>
+              <a:rPr lang="en-US" dirty="0" smtClean="0"/>
+              <a:t> Python</a:t>
+            </a:r>
+            <a:endParaRPr lang="en-US" dirty="0"/>
+          </a:p>
+        </p:txBody>
+      </p:sp>
+      <p:sp>
+        <p:nvSpPr>
+          <p:cNvPr id="14" name="TextBox 13"/>
+          <p:cNvSpPr txBox="1"/>
+          <p:nvPr/>
+        </p:nvSpPr>
+        <p:spPr>
+          <a:xfrm>
+            <a:off x="516657" y="1526604"/>
+            <a:ext cx="8240233" cy="369332"/>
+          </a:xfrm>
+          <a:prstGeom prst="rect">
+            <a:avLst/>
+          </a:prstGeom>
+          <a:noFill/>
+        </p:spPr>
+        <p:txBody>
+          <a:bodyPr wrap="square" rtlCol="0">
+            <a:spAutoFit/>
+          </a:bodyPr>
+          <a:lstStyle/>
+          <a:p>
+            <a:r>
+              <a:rPr lang="en-US" dirty="0" err="1" smtClean="0"/>
+              <a:t>Trong</a:t>
+            </a:r>
+            <a:r>
+              <a:rPr lang="en-US" dirty="0" smtClean="0"/>
+              <a:t> </a:t>
+            </a:r>
+            <a:r>
+              <a:rPr lang="en-US" dirty="0" err="1" smtClean="0"/>
+              <a:t>bài</a:t>
+            </a:r>
+            <a:r>
+              <a:rPr lang="en-US" dirty="0" smtClean="0"/>
+              <a:t> </a:t>
+            </a:r>
+            <a:r>
+              <a:rPr lang="en-US" dirty="0" err="1" smtClean="0"/>
+              <a:t>học</a:t>
+            </a:r>
+            <a:r>
+              <a:rPr lang="en-US" dirty="0" smtClean="0"/>
+              <a:t> </a:t>
+            </a:r>
+            <a:r>
+              <a:rPr lang="en-US" dirty="0" err="1" smtClean="0"/>
+              <a:t>này</a:t>
+            </a:r>
+            <a:r>
+              <a:rPr lang="en-US" dirty="0" smtClean="0"/>
+              <a:t> </a:t>
+            </a:r>
+            <a:r>
+              <a:rPr lang="en-US" dirty="0" err="1" smtClean="0"/>
+              <a:t>chúng</a:t>
+            </a:r>
+            <a:r>
+              <a:rPr lang="en-US" dirty="0" smtClean="0"/>
+              <a:t> ta </a:t>
+            </a:r>
+            <a:r>
+              <a:rPr lang="en-US" dirty="0" err="1" smtClean="0"/>
+              <a:t>sẽ</a:t>
+            </a:r>
+            <a:r>
+              <a:rPr lang="en-US" dirty="0" smtClean="0"/>
+              <a:t> </a:t>
+            </a:r>
+            <a:r>
+              <a:rPr lang="en-US" dirty="0" err="1" smtClean="0"/>
+              <a:t>đi</a:t>
+            </a:r>
+            <a:r>
+              <a:rPr lang="en-US" dirty="0" smtClean="0"/>
+              <a:t> </a:t>
+            </a:r>
+            <a:r>
+              <a:rPr lang="en-US" dirty="0" err="1" smtClean="0"/>
+              <a:t>tìm</a:t>
+            </a:r>
+            <a:r>
+              <a:rPr lang="en-US" dirty="0" smtClean="0"/>
+              <a:t> </a:t>
+            </a:r>
+            <a:r>
+              <a:rPr lang="en-US" dirty="0" err="1" smtClean="0"/>
+              <a:t>hiều</a:t>
+            </a:r>
+            <a:r>
+              <a:rPr lang="en-US" dirty="0" smtClean="0"/>
+              <a:t> </a:t>
+            </a:r>
+            <a:r>
+              <a:rPr lang="en-US" dirty="0" err="1" smtClean="0"/>
+              <a:t>lần</a:t>
+            </a:r>
+            <a:r>
+              <a:rPr lang="en-US" dirty="0" smtClean="0"/>
+              <a:t> </a:t>
+            </a:r>
+            <a:r>
+              <a:rPr lang="en-US" dirty="0" err="1" smtClean="0"/>
+              <a:t>lượt</a:t>
+            </a:r>
+            <a:r>
+              <a:rPr lang="en-US" dirty="0" smtClean="0"/>
+              <a:t> </a:t>
+            </a:r>
+            <a:r>
+              <a:rPr lang="en-US" dirty="0" err="1" smtClean="0"/>
+              <a:t>các</a:t>
+            </a:r>
+            <a:r>
+              <a:rPr lang="en-US" dirty="0" smtClean="0"/>
+              <a:t> </a:t>
+            </a:r>
+            <a:r>
+              <a:rPr lang="en-US" dirty="0" err="1" smtClean="0"/>
+              <a:t>nội</a:t>
+            </a:r>
+            <a:r>
+              <a:rPr lang="en-US" dirty="0" smtClean="0"/>
+              <a:t> dung</a:t>
+            </a:r>
+            <a:endParaRPr lang="en-US" dirty="0"/>
+          </a:p>
+        </p:txBody>
+      </p:sp>
+      <p:sp>
+        <p:nvSpPr>
+          <p:cNvPr id="13" name="TextBox 12"/>
+          <p:cNvSpPr txBox="1"/>
+          <p:nvPr/>
+        </p:nvSpPr>
+        <p:spPr>
+          <a:xfrm>
+            <a:off x="1201479" y="3851793"/>
+            <a:ext cx="5178056" cy="369332"/>
+          </a:xfrm>
+          <a:prstGeom prst="rect">
+            <a:avLst/>
+          </a:prstGeom>
+          <a:noFill/>
+        </p:spPr>
+        <p:txBody>
+          <a:bodyPr wrap="square" rtlCol="0">
+            <a:spAutoFit/>
+          </a:bodyPr>
+          <a:lstStyle/>
+          <a:p>
+            <a:r>
+              <a:rPr lang="en-US" dirty="0" err="1" smtClean="0"/>
+              <a:t>Định</a:t>
+            </a:r>
+            <a:r>
+              <a:rPr lang="en-US" dirty="0" smtClean="0"/>
+              <a:t> </a:t>
+            </a:r>
+            <a:r>
+              <a:rPr lang="en-US" dirty="0" err="1" smtClean="0"/>
+              <a:t>dạng</a:t>
+            </a:r>
+            <a:r>
+              <a:rPr lang="en-US" dirty="0" smtClean="0"/>
+              <a:t> </a:t>
+            </a:r>
+            <a:r>
+              <a:rPr lang="en-US" dirty="0" err="1" smtClean="0"/>
+              <a:t>chuỗi</a:t>
+            </a:r>
+            <a:r>
+              <a:rPr lang="en-US" dirty="0" smtClean="0"/>
+              <a:t> </a:t>
+            </a:r>
+            <a:r>
+              <a:rPr lang="en-US" dirty="0" err="1" smtClean="0"/>
+              <a:t>với</a:t>
+            </a:r>
+            <a:r>
+              <a:rPr lang="en-US" dirty="0" smtClean="0"/>
+              <a:t> </a:t>
+            </a:r>
+            <a:r>
+              <a:rPr lang="en-US" dirty="0" err="1" smtClean="0"/>
+              <a:t>khuôn</a:t>
+            </a:r>
+            <a:endParaRPr lang="en-US" dirty="0"/>
+          </a:p>
+        </p:txBody>
+      </p:sp>
+    </p:spTree>
+    <p:extLst>
+      <p:ext uri="{BB962C8B-B14F-4D97-AF65-F5344CB8AC3E}">
+        <p14:creationId xmlns:p14="http://schemas.microsoft.com/office/powerpoint/2010/main" val="1935813825"/>
+      </p:ext>
+    </p:extLst>
+  </p:cSld>
+  <p:clrMapOvr>
+    <a:masterClrMapping/>
+  </p:clrMapOvr>
+  <p:timing>
+    <p:tnLst>
+      <p:par>
+        <p:cTn id="1" dur="indefinite" restart="never" nodeType="tmRoot"/>
+      </p:par>
+    </p:tnLst>
+  </p:timing>
+</p:sld>
+</file>
+
+<file path=ppt/slides/slide20.xml><?xml version="1.0" encoding="utf-8"?>
+<p:sld xmlns:a="http://schemas.openxmlformats.org/drawingml/2006/main" xmlns:r="http://schemas.openxmlformats.org/officeDocument/2006/relationships" xmlns:p="http://schemas.openxmlformats.org/presentationml/2006/main">
+  <p:cSld>
+    <p:spTree>
+      <p:nvGrpSpPr>
+        <p:cNvPr id="1" name=""/>
+        <p:cNvGrpSpPr/>
+        <p:nvPr/>
+      </p:nvGrpSpPr>
+      <p:grpSpPr>
+        <a:xfrm>
+          <a:off x="0" y="0"/>
+          <a:ext cx="0" cy="0"/>
+          <a:chOff x="0" y="0"/>
+          <a:chExt cx="0" cy="0"/>
+        </a:xfrm>
+      </p:grpSpPr>
+      <p:sp>
+        <p:nvSpPr>
+          <p:cNvPr id="2" name="Slide Number Placeholder 1"/>
+          <p:cNvSpPr>
+            <a:spLocks noGrp="1"/>
+          </p:cNvSpPr>
+          <p:nvPr>
+            <p:ph type="sldNum" sz="quarter" idx="12"/>
+          </p:nvPr>
+        </p:nvSpPr>
+        <p:spPr/>
+        <p:txBody>
+          <a:bodyPr/>
+          <a:lstStyle/>
+          <a:p>
+            <a:fld id="{7D9EC917-02A2-4152-9EE3-DFE2775A77C7}" type="slidenum">
+              <a:rPr lang="en-US" smtClean="0"/>
+              <a:pPr/>
+              <a:t>20</a:t>
+            </a:fld>
+            <a:endParaRPr lang="en-US"/>
+          </a:p>
+        </p:txBody>
+      </p:sp>
+      <p:sp>
+        <p:nvSpPr>
+          <p:cNvPr id="3" name="Text Placeholder 2"/>
+          <p:cNvSpPr>
+            <a:spLocks noGrp="1"/>
+          </p:cNvSpPr>
+          <p:nvPr>
+            <p:ph type="body" sz="quarter" idx="13"/>
+          </p:nvPr>
+        </p:nvSpPr>
+        <p:spPr>
+          <a:xfrm>
+            <a:off x="301925" y="851290"/>
+            <a:ext cx="8454964" cy="424732"/>
+          </a:xfrm>
+        </p:spPr>
+        <p:txBody>
+          <a:bodyPr/>
+          <a:lstStyle/>
+          <a:p>
+            <a:r>
+              <a:rPr lang="en-US" dirty="0"/>
+              <a:t>9.3 </a:t>
+            </a:r>
+            <a:r>
+              <a:rPr lang="en-US" dirty="0" err="1"/>
+              <a:t>Định</a:t>
+            </a:r>
+            <a:r>
+              <a:rPr lang="en-US" dirty="0"/>
+              <a:t> </a:t>
+            </a:r>
+            <a:r>
+              <a:rPr lang="en-US" dirty="0" err="1"/>
+              <a:t>dạng</a:t>
+            </a:r>
+            <a:r>
+              <a:rPr lang="en-US" dirty="0"/>
+              <a:t> </a:t>
+            </a:r>
+            <a:r>
+              <a:rPr lang="en-US" dirty="0" err="1"/>
+              <a:t>Chuỗi</a:t>
+            </a:r>
+            <a:endParaRPr lang="en-US" dirty="0"/>
+          </a:p>
+        </p:txBody>
+      </p:sp>
+      <p:sp>
+        <p:nvSpPr>
+          <p:cNvPr id="29" name="Rectangle 28"/>
+          <p:cNvSpPr/>
+          <p:nvPr/>
+        </p:nvSpPr>
+        <p:spPr>
+          <a:xfrm>
+            <a:off x="699793" y="2590402"/>
+            <a:ext cx="7774356" cy="1843605"/>
+          </a:xfrm>
+          <a:prstGeom prst="rect">
+            <a:avLst/>
+          </a:prstGeom>
+          <a:solidFill>
+            <a:schemeClr val="tx1">
+              <a:lumMod val="85000"/>
+              <a:lumOff val="15000"/>
+            </a:schemeClr>
+          </a:solidFill>
+          <a:ln>
+            <a:noFill/>
+          </a:ln>
+        </p:spPr>
+        <p:style>
+          <a:lnRef idx="2">
+            <a:schemeClr val="accent1">
+              <a:shade val="50000"/>
+            </a:schemeClr>
+          </a:lnRef>
+          <a:fillRef idx="1">
+            <a:schemeClr val="accent1"/>
+          </a:fillRef>
+          <a:effectRef idx="0">
+            <a:schemeClr val="accent1"/>
+          </a:effectRef>
+          <a:fontRef idx="minor">
+            <a:schemeClr val="lt1"/>
+          </a:fontRef>
+        </p:style>
+        <p:txBody>
+          <a:bodyPr rtlCol="0" anchor="ctr"/>
+          <a:lstStyle/>
+          <a:p>
+            <a:pPr algn="ctr"/>
+            <a:endParaRPr lang="en-US" dirty="0"/>
+          </a:p>
+        </p:txBody>
+      </p:sp>
+      <p:sp>
+        <p:nvSpPr>
+          <p:cNvPr id="30" name="TextBox 29"/>
+          <p:cNvSpPr txBox="1"/>
+          <p:nvPr/>
+        </p:nvSpPr>
+        <p:spPr>
+          <a:xfrm>
+            <a:off x="880547" y="2740561"/>
+            <a:ext cx="7402216" cy="1477328"/>
+          </a:xfrm>
+          <a:prstGeom prst="rect">
+            <a:avLst/>
+          </a:prstGeom>
+          <a:noFill/>
+        </p:spPr>
+        <p:txBody>
+          <a:bodyPr wrap="square" rtlCol="0">
+            <a:spAutoFit/>
+          </a:bodyPr>
+          <a:lstStyle/>
+          <a:p>
+            <a:r>
+              <a:rPr lang="en-US" dirty="0">
+                <a:solidFill>
+                  <a:schemeClr val="bg1"/>
+                </a:solidFill>
+              </a:rPr>
+              <a:t>quantity</a:t>
+            </a:r>
+            <a:r>
+              <a:rPr lang="en-US" dirty="0"/>
+              <a:t> </a:t>
+            </a:r>
+            <a:r>
+              <a:rPr lang="en-US" dirty="0" smtClean="0">
+                <a:solidFill>
+                  <a:schemeClr val="bg1"/>
+                </a:solidFill>
+              </a:rPr>
+              <a:t> </a:t>
+            </a:r>
+            <a:r>
+              <a:rPr lang="en-US" dirty="0">
+                <a:solidFill>
+                  <a:schemeClr val="bg1"/>
+                </a:solidFill>
+              </a:rPr>
+              <a:t>= </a:t>
+            </a:r>
+            <a:r>
+              <a:rPr lang="en-US" dirty="0" smtClean="0">
+                <a:solidFill>
+                  <a:schemeClr val="accent6">
+                    <a:lumMod val="60000"/>
+                    <a:lumOff val="40000"/>
+                  </a:schemeClr>
+                </a:solidFill>
+              </a:rPr>
+              <a:t>2</a:t>
+            </a:r>
+          </a:p>
+          <a:p>
+            <a:r>
+              <a:rPr lang="en-US" dirty="0">
+                <a:solidFill>
+                  <a:schemeClr val="bg1"/>
+                </a:solidFill>
+              </a:rPr>
+              <a:t>price</a:t>
+            </a:r>
+            <a:r>
+              <a:rPr lang="en-US" dirty="0"/>
+              <a:t> </a:t>
+            </a:r>
+            <a:r>
+              <a:rPr lang="en-US" dirty="0" smtClean="0">
+                <a:solidFill>
+                  <a:schemeClr val="bg1"/>
+                </a:solidFill>
+              </a:rPr>
+              <a:t> = </a:t>
+            </a:r>
+            <a:r>
+              <a:rPr lang="en-US" dirty="0" smtClean="0">
+                <a:solidFill>
+                  <a:schemeClr val="accent6">
+                    <a:lumMod val="60000"/>
+                    <a:lumOff val="40000"/>
+                  </a:schemeClr>
+                </a:solidFill>
+              </a:rPr>
+              <a:t>49.95</a:t>
+            </a:r>
+          </a:p>
+          <a:p>
+            <a:r>
+              <a:rPr lang="en-US" dirty="0" smtClean="0">
+                <a:solidFill>
+                  <a:schemeClr val="bg1"/>
+                </a:solidFill>
+              </a:rPr>
+              <a:t>txt </a:t>
+            </a:r>
+            <a:r>
+              <a:rPr lang="en-US" dirty="0">
+                <a:solidFill>
+                  <a:schemeClr val="bg1"/>
+                </a:solidFill>
+              </a:rPr>
+              <a:t>= </a:t>
+            </a:r>
+            <a:r>
+              <a:rPr lang="en-US" dirty="0" smtClean="0">
+                <a:solidFill>
+                  <a:schemeClr val="accent2">
+                    <a:lumMod val="75000"/>
+                  </a:schemeClr>
+                </a:solidFill>
+              </a:rPr>
+              <a:t>“</a:t>
+            </a:r>
+            <a:r>
+              <a:rPr lang="en-US" dirty="0" err="1" smtClean="0">
+                <a:solidFill>
+                  <a:schemeClr val="accent2">
+                    <a:lumMod val="75000"/>
+                  </a:schemeClr>
+                </a:solidFill>
+              </a:rPr>
+              <a:t>Mua</a:t>
+            </a:r>
+            <a:r>
+              <a:rPr lang="en-US" dirty="0" smtClean="0">
+                <a:solidFill>
+                  <a:schemeClr val="accent2">
+                    <a:lumMod val="75000"/>
+                  </a:schemeClr>
+                </a:solidFill>
+              </a:rPr>
+              <a:t> {0} </a:t>
+            </a:r>
+            <a:r>
+              <a:rPr lang="en-US" dirty="0" err="1" smtClean="0">
+                <a:solidFill>
+                  <a:schemeClr val="accent2">
+                    <a:lumMod val="75000"/>
+                  </a:schemeClr>
+                </a:solidFill>
+              </a:rPr>
+              <a:t>cái</a:t>
+            </a:r>
+            <a:r>
+              <a:rPr lang="en-US" dirty="0" smtClean="0">
+                <a:solidFill>
+                  <a:schemeClr val="accent2">
+                    <a:lumMod val="75000"/>
+                  </a:schemeClr>
+                </a:solidFill>
+              </a:rPr>
+              <a:t> </a:t>
+            </a:r>
+            <a:r>
+              <a:rPr lang="en-US" dirty="0" err="1" smtClean="0">
+                <a:solidFill>
+                  <a:schemeClr val="accent2">
+                    <a:lumMod val="75000"/>
+                  </a:schemeClr>
+                </a:solidFill>
+              </a:rPr>
+              <a:t>bánh</a:t>
+            </a:r>
+            <a:r>
+              <a:rPr lang="en-US" dirty="0" smtClean="0">
+                <a:solidFill>
+                  <a:schemeClr val="accent2">
+                    <a:lumMod val="75000"/>
+                  </a:schemeClr>
+                </a:solidFill>
+              </a:rPr>
+              <a:t> </a:t>
+            </a:r>
+            <a:r>
+              <a:rPr lang="en-US" dirty="0" err="1" smtClean="0">
+                <a:solidFill>
+                  <a:schemeClr val="accent2">
+                    <a:lumMod val="75000"/>
+                  </a:schemeClr>
+                </a:solidFill>
+              </a:rPr>
+              <a:t>hết</a:t>
+            </a:r>
+            <a:r>
+              <a:rPr lang="en-US" dirty="0" smtClean="0">
+                <a:solidFill>
+                  <a:schemeClr val="accent2">
+                    <a:lumMod val="75000"/>
+                  </a:schemeClr>
+                </a:solidFill>
+              </a:rPr>
+              <a:t> {1} </a:t>
+            </a:r>
+            <a:r>
+              <a:rPr lang="en-US" dirty="0" err="1" smtClean="0">
+                <a:solidFill>
+                  <a:schemeClr val="accent2">
+                    <a:lumMod val="75000"/>
+                  </a:schemeClr>
+                </a:solidFill>
+              </a:rPr>
+              <a:t>đô</a:t>
+            </a:r>
+            <a:r>
+              <a:rPr lang="en-US" dirty="0" smtClean="0">
+                <a:solidFill>
+                  <a:schemeClr val="accent2">
+                    <a:lumMod val="75000"/>
+                  </a:schemeClr>
+                </a:solidFill>
+              </a:rPr>
+              <a:t> la. </a:t>
+            </a:r>
+            <a:r>
+              <a:rPr lang="en-US" dirty="0" err="1" smtClean="0">
+                <a:solidFill>
+                  <a:schemeClr val="accent2">
+                    <a:lumMod val="75000"/>
+                  </a:schemeClr>
+                </a:solidFill>
+              </a:rPr>
+              <a:t>Em</a:t>
+            </a:r>
+            <a:r>
+              <a:rPr lang="en-US" dirty="0" smtClean="0">
+                <a:solidFill>
+                  <a:schemeClr val="accent2">
+                    <a:lumMod val="75000"/>
+                  </a:schemeClr>
+                </a:solidFill>
+              </a:rPr>
+              <a:t> </a:t>
+            </a:r>
+            <a:r>
+              <a:rPr lang="en-US" dirty="0" err="1" smtClean="0">
+                <a:solidFill>
+                  <a:schemeClr val="accent2">
+                    <a:lumMod val="75000"/>
+                  </a:schemeClr>
+                </a:solidFill>
+              </a:rPr>
+              <a:t>tôi</a:t>
+            </a:r>
+            <a:r>
+              <a:rPr lang="en-US" dirty="0" smtClean="0">
+                <a:solidFill>
+                  <a:schemeClr val="accent2">
+                    <a:lumMod val="75000"/>
+                  </a:schemeClr>
+                </a:solidFill>
+              </a:rPr>
+              <a:t> </a:t>
+            </a:r>
+            <a:r>
+              <a:rPr lang="en-US" dirty="0" err="1" smtClean="0">
+                <a:solidFill>
+                  <a:schemeClr val="accent2">
+                    <a:lumMod val="75000"/>
+                  </a:schemeClr>
+                </a:solidFill>
+              </a:rPr>
+              <a:t>ăn</a:t>
+            </a:r>
+            <a:r>
+              <a:rPr lang="en-US" dirty="0" smtClean="0">
+                <a:solidFill>
+                  <a:schemeClr val="accent2">
+                    <a:lumMod val="75000"/>
+                  </a:schemeClr>
+                </a:solidFill>
+              </a:rPr>
+              <a:t> </a:t>
+            </a:r>
+            <a:r>
+              <a:rPr lang="en-US" dirty="0" err="1" smtClean="0">
+                <a:solidFill>
+                  <a:schemeClr val="accent2">
+                    <a:lumMod val="75000"/>
+                  </a:schemeClr>
+                </a:solidFill>
+              </a:rPr>
+              <a:t>hết</a:t>
+            </a:r>
+            <a:r>
+              <a:rPr lang="en-US" dirty="0" smtClean="0">
+                <a:solidFill>
+                  <a:schemeClr val="accent2">
+                    <a:lumMod val="75000"/>
+                  </a:schemeClr>
+                </a:solidFill>
+              </a:rPr>
+              <a:t> {0} </a:t>
+            </a:r>
+            <a:r>
+              <a:rPr lang="en-US" dirty="0" err="1" smtClean="0">
+                <a:solidFill>
+                  <a:schemeClr val="accent2">
+                    <a:lumMod val="75000"/>
+                  </a:schemeClr>
+                </a:solidFill>
+              </a:rPr>
+              <a:t>cái</a:t>
+            </a:r>
+            <a:r>
+              <a:rPr lang="en-US" dirty="0" smtClean="0">
+                <a:solidFill>
+                  <a:schemeClr val="accent2">
+                    <a:lumMod val="75000"/>
+                  </a:schemeClr>
+                </a:solidFill>
+              </a:rPr>
+              <a:t> </a:t>
+            </a:r>
+            <a:r>
+              <a:rPr lang="en-US" dirty="0" err="1" smtClean="0">
+                <a:solidFill>
+                  <a:schemeClr val="accent2">
+                    <a:lumMod val="75000"/>
+                  </a:schemeClr>
+                </a:solidFill>
+              </a:rPr>
+              <a:t>bánh</a:t>
+            </a:r>
+            <a:r>
+              <a:rPr lang="en-US" dirty="0" smtClean="0">
+                <a:solidFill>
+                  <a:schemeClr val="accent2">
+                    <a:lumMod val="75000"/>
+                  </a:schemeClr>
+                </a:solidFill>
+              </a:rPr>
+              <a:t>"</a:t>
+            </a:r>
+            <a:r>
+              <a:rPr lang="en-US" dirty="0">
+                <a:solidFill>
+                  <a:schemeClr val="bg1"/>
+                </a:solidFill>
+              </a:rPr>
+              <a:t/>
+            </a:r>
+            <a:br>
+              <a:rPr lang="en-US" dirty="0">
+                <a:solidFill>
+                  <a:schemeClr val="bg1"/>
+                </a:solidFill>
+              </a:rPr>
+            </a:br>
+            <a:r>
+              <a:rPr lang="en-US" dirty="0" smtClean="0">
+                <a:solidFill>
+                  <a:schemeClr val="bg1"/>
+                </a:solidFill>
+              </a:rPr>
+              <a:t>print</a:t>
+            </a:r>
+            <a:r>
+              <a:rPr lang="en-US" dirty="0" smtClean="0">
+                <a:solidFill>
+                  <a:schemeClr val="accent4">
+                    <a:lumMod val="60000"/>
+                    <a:lumOff val="40000"/>
+                  </a:schemeClr>
+                </a:solidFill>
+              </a:rPr>
+              <a:t>(</a:t>
+            </a:r>
+            <a:r>
+              <a:rPr lang="en-US" dirty="0" err="1" smtClean="0">
+                <a:solidFill>
+                  <a:schemeClr val="bg1"/>
+                </a:solidFill>
+              </a:rPr>
+              <a:t>txt.format</a:t>
+            </a:r>
+            <a:r>
+              <a:rPr lang="en-US" dirty="0" smtClean="0">
+                <a:solidFill>
+                  <a:srgbClr val="FF66CC"/>
+                </a:solidFill>
+              </a:rPr>
+              <a:t>(</a:t>
+            </a:r>
+            <a:r>
+              <a:rPr lang="en-US" dirty="0">
+                <a:solidFill>
+                  <a:schemeClr val="bg1"/>
+                </a:solidFill>
+              </a:rPr>
+              <a:t>quantity</a:t>
+            </a:r>
+            <a:r>
+              <a:rPr lang="en-US" dirty="0" smtClean="0">
+                <a:solidFill>
+                  <a:schemeClr val="bg1"/>
+                </a:solidFill>
+              </a:rPr>
+              <a:t>, </a:t>
+            </a:r>
+            <a:r>
+              <a:rPr lang="en-US" dirty="0">
+                <a:solidFill>
+                  <a:schemeClr val="bg1"/>
+                </a:solidFill>
+              </a:rPr>
+              <a:t>price</a:t>
+            </a:r>
+            <a:r>
+              <a:rPr lang="en-US" dirty="0" smtClean="0">
+                <a:solidFill>
+                  <a:srgbClr val="FF66CC"/>
+                </a:solidFill>
+              </a:rPr>
+              <a:t>)</a:t>
+            </a:r>
+            <a:r>
+              <a:rPr lang="en-US" dirty="0" smtClean="0">
+                <a:solidFill>
+                  <a:schemeClr val="accent4">
+                    <a:lumMod val="60000"/>
+                    <a:lumOff val="40000"/>
+                  </a:schemeClr>
+                </a:solidFill>
+              </a:rPr>
+              <a:t>)</a:t>
+            </a:r>
+          </a:p>
+          <a:p>
+            <a:r>
+              <a:rPr lang="en-US" sz="1600" dirty="0" smtClean="0">
+                <a:solidFill>
+                  <a:schemeClr val="accent4">
+                    <a:lumMod val="60000"/>
+                    <a:lumOff val="40000"/>
+                  </a:schemeClr>
+                </a:solidFill>
+              </a:rPr>
+              <a:t>#</a:t>
+            </a:r>
+            <a:r>
+              <a:rPr lang="en-US" sz="1600" dirty="0" err="1" smtClean="0">
+                <a:solidFill>
+                  <a:schemeClr val="accent4">
+                    <a:lumMod val="60000"/>
+                    <a:lumOff val="40000"/>
+                  </a:schemeClr>
+                </a:solidFill>
+              </a:rPr>
+              <a:t>Kết</a:t>
+            </a:r>
+            <a:r>
+              <a:rPr lang="en-US" sz="1600" dirty="0" smtClean="0">
+                <a:solidFill>
+                  <a:schemeClr val="accent4">
+                    <a:lumMod val="60000"/>
+                    <a:lumOff val="40000"/>
+                  </a:schemeClr>
+                </a:solidFill>
+              </a:rPr>
+              <a:t> </a:t>
+            </a:r>
+            <a:r>
+              <a:rPr lang="en-US" sz="1600" dirty="0" err="1" smtClean="0">
+                <a:solidFill>
+                  <a:schemeClr val="accent4">
+                    <a:lumMod val="60000"/>
+                    <a:lumOff val="40000"/>
+                  </a:schemeClr>
+                </a:solidFill>
+              </a:rPr>
+              <a:t>quả</a:t>
+            </a:r>
+            <a:r>
+              <a:rPr lang="en-US" sz="1600" dirty="0" smtClean="0">
+                <a:solidFill>
+                  <a:schemeClr val="accent4">
+                    <a:lumMod val="60000"/>
+                    <a:lumOff val="40000"/>
+                  </a:schemeClr>
+                </a:solidFill>
+              </a:rPr>
+              <a:t> in </a:t>
+            </a:r>
+            <a:r>
+              <a:rPr lang="en-US" sz="1600" dirty="0" err="1" smtClean="0">
+                <a:solidFill>
+                  <a:schemeClr val="accent4">
+                    <a:lumMod val="60000"/>
+                    <a:lumOff val="40000"/>
+                  </a:schemeClr>
+                </a:solidFill>
+              </a:rPr>
+              <a:t>ra</a:t>
+            </a:r>
+            <a:r>
+              <a:rPr lang="en-US" sz="1600" dirty="0" smtClean="0">
+                <a:solidFill>
+                  <a:schemeClr val="accent4">
+                    <a:lumMod val="60000"/>
+                    <a:lumOff val="40000"/>
+                  </a:schemeClr>
+                </a:solidFill>
+              </a:rPr>
+              <a:t>: </a:t>
+            </a:r>
+            <a:r>
+              <a:rPr lang="en-US" dirty="0" err="1" smtClean="0">
+                <a:solidFill>
+                  <a:schemeClr val="accent4">
+                    <a:lumMod val="60000"/>
+                    <a:lumOff val="40000"/>
+                  </a:schemeClr>
+                </a:solidFill>
+              </a:rPr>
+              <a:t>Mua</a:t>
+            </a:r>
+            <a:r>
+              <a:rPr lang="en-US" dirty="0" smtClean="0">
+                <a:solidFill>
+                  <a:schemeClr val="accent4">
+                    <a:lumMod val="60000"/>
+                    <a:lumOff val="40000"/>
+                  </a:schemeClr>
+                </a:solidFill>
+              </a:rPr>
+              <a:t> 2 </a:t>
+            </a:r>
+            <a:r>
+              <a:rPr lang="en-US" dirty="0" err="1" smtClean="0">
+                <a:solidFill>
+                  <a:schemeClr val="accent4">
+                    <a:lumMod val="60000"/>
+                    <a:lumOff val="40000"/>
+                  </a:schemeClr>
+                </a:solidFill>
+              </a:rPr>
+              <a:t>cái</a:t>
+            </a:r>
+            <a:r>
+              <a:rPr lang="en-US" dirty="0" smtClean="0">
+                <a:solidFill>
+                  <a:schemeClr val="accent4">
+                    <a:lumMod val="60000"/>
+                    <a:lumOff val="40000"/>
+                  </a:schemeClr>
+                </a:solidFill>
+              </a:rPr>
+              <a:t> </a:t>
+            </a:r>
+            <a:r>
+              <a:rPr lang="en-US" dirty="0" err="1" smtClean="0">
+                <a:solidFill>
+                  <a:schemeClr val="accent4">
+                    <a:lumMod val="60000"/>
+                    <a:lumOff val="40000"/>
+                  </a:schemeClr>
+                </a:solidFill>
+              </a:rPr>
+              <a:t>bánh</a:t>
+            </a:r>
+            <a:r>
+              <a:rPr lang="en-US" dirty="0" smtClean="0">
+                <a:solidFill>
+                  <a:schemeClr val="accent4">
+                    <a:lumMod val="60000"/>
+                    <a:lumOff val="40000"/>
+                  </a:schemeClr>
+                </a:solidFill>
+              </a:rPr>
+              <a:t> </a:t>
+            </a:r>
+            <a:r>
+              <a:rPr lang="en-US" dirty="0" err="1" smtClean="0">
+                <a:solidFill>
+                  <a:schemeClr val="accent4">
+                    <a:lumMod val="60000"/>
+                    <a:lumOff val="40000"/>
+                  </a:schemeClr>
+                </a:solidFill>
+              </a:rPr>
+              <a:t>hết</a:t>
+            </a:r>
+            <a:r>
+              <a:rPr lang="en-US" dirty="0" smtClean="0">
+                <a:solidFill>
+                  <a:schemeClr val="accent4">
+                    <a:lumMod val="60000"/>
+                    <a:lumOff val="40000"/>
+                  </a:schemeClr>
+                </a:solidFill>
+              </a:rPr>
+              <a:t> 49.95 </a:t>
+            </a:r>
+            <a:r>
+              <a:rPr lang="en-US" dirty="0" err="1" smtClean="0">
+                <a:solidFill>
+                  <a:schemeClr val="accent4">
+                    <a:lumMod val="60000"/>
+                    <a:lumOff val="40000"/>
+                  </a:schemeClr>
+                </a:solidFill>
+              </a:rPr>
+              <a:t>đô</a:t>
+            </a:r>
+            <a:r>
+              <a:rPr lang="en-US" dirty="0" smtClean="0">
+                <a:solidFill>
+                  <a:schemeClr val="accent4">
+                    <a:lumMod val="60000"/>
+                    <a:lumOff val="40000"/>
+                  </a:schemeClr>
+                </a:solidFill>
+              </a:rPr>
+              <a:t> la. </a:t>
+            </a:r>
+            <a:r>
+              <a:rPr lang="en-US" dirty="0" err="1" smtClean="0">
+                <a:solidFill>
+                  <a:schemeClr val="accent4">
+                    <a:lumMod val="60000"/>
+                    <a:lumOff val="40000"/>
+                  </a:schemeClr>
+                </a:solidFill>
+              </a:rPr>
+              <a:t>Em</a:t>
+            </a:r>
+            <a:r>
+              <a:rPr lang="en-US" dirty="0" smtClean="0">
+                <a:solidFill>
+                  <a:schemeClr val="accent4">
+                    <a:lumMod val="60000"/>
+                    <a:lumOff val="40000"/>
+                  </a:schemeClr>
+                </a:solidFill>
+              </a:rPr>
+              <a:t> </a:t>
+            </a:r>
+            <a:r>
+              <a:rPr lang="en-US" dirty="0" err="1" smtClean="0">
+                <a:solidFill>
+                  <a:schemeClr val="accent4">
+                    <a:lumMod val="60000"/>
+                    <a:lumOff val="40000"/>
+                  </a:schemeClr>
+                </a:solidFill>
+              </a:rPr>
+              <a:t>tôi</a:t>
+            </a:r>
+            <a:r>
+              <a:rPr lang="en-US" dirty="0" smtClean="0">
+                <a:solidFill>
+                  <a:schemeClr val="accent4">
+                    <a:lumMod val="60000"/>
+                    <a:lumOff val="40000"/>
+                  </a:schemeClr>
+                </a:solidFill>
+              </a:rPr>
+              <a:t> </a:t>
+            </a:r>
+            <a:r>
+              <a:rPr lang="en-US" dirty="0" err="1" smtClean="0">
+                <a:solidFill>
+                  <a:schemeClr val="accent4">
+                    <a:lumMod val="60000"/>
+                    <a:lumOff val="40000"/>
+                  </a:schemeClr>
+                </a:solidFill>
+              </a:rPr>
+              <a:t>ăn</a:t>
+            </a:r>
+            <a:r>
+              <a:rPr lang="en-US" dirty="0" smtClean="0">
+                <a:solidFill>
+                  <a:schemeClr val="accent4">
+                    <a:lumMod val="60000"/>
+                    <a:lumOff val="40000"/>
+                  </a:schemeClr>
+                </a:solidFill>
+              </a:rPr>
+              <a:t> </a:t>
+            </a:r>
+            <a:r>
+              <a:rPr lang="en-US" dirty="0" err="1" smtClean="0">
+                <a:solidFill>
+                  <a:schemeClr val="accent4">
+                    <a:lumMod val="60000"/>
+                    <a:lumOff val="40000"/>
+                  </a:schemeClr>
+                </a:solidFill>
+              </a:rPr>
+              <a:t>hết</a:t>
+            </a:r>
+            <a:r>
+              <a:rPr lang="en-US" dirty="0" smtClean="0">
+                <a:solidFill>
+                  <a:schemeClr val="accent4">
+                    <a:lumMod val="60000"/>
+                    <a:lumOff val="40000"/>
+                  </a:schemeClr>
+                </a:solidFill>
+              </a:rPr>
+              <a:t> 2 </a:t>
+            </a:r>
+            <a:r>
+              <a:rPr lang="en-US" dirty="0" err="1" smtClean="0">
+                <a:solidFill>
+                  <a:schemeClr val="accent4">
+                    <a:lumMod val="60000"/>
+                    <a:lumOff val="40000"/>
+                  </a:schemeClr>
+                </a:solidFill>
+              </a:rPr>
+              <a:t>cái</a:t>
+            </a:r>
+            <a:r>
+              <a:rPr lang="en-US" dirty="0" smtClean="0">
+                <a:solidFill>
+                  <a:schemeClr val="accent4">
+                    <a:lumMod val="60000"/>
+                    <a:lumOff val="40000"/>
+                  </a:schemeClr>
+                </a:solidFill>
+              </a:rPr>
+              <a:t> </a:t>
+            </a:r>
+            <a:r>
+              <a:rPr lang="en-US" dirty="0" err="1" smtClean="0">
+                <a:solidFill>
+                  <a:schemeClr val="accent4">
+                    <a:lumMod val="60000"/>
+                    <a:lumOff val="40000"/>
+                  </a:schemeClr>
+                </a:solidFill>
+              </a:rPr>
+              <a:t>bánh</a:t>
+            </a:r>
+            <a:endParaRPr lang="en-US" sz="1600" dirty="0">
+              <a:solidFill>
+                <a:schemeClr val="accent4">
+                  <a:lumMod val="60000"/>
+                  <a:lumOff val="40000"/>
+                </a:schemeClr>
+              </a:solidFill>
+            </a:endParaRPr>
+          </a:p>
+        </p:txBody>
+      </p:sp>
+      <p:sp>
+        <p:nvSpPr>
+          <p:cNvPr id="14" name="TextBox 13"/>
+          <p:cNvSpPr txBox="1"/>
+          <p:nvPr/>
+        </p:nvSpPr>
+        <p:spPr>
+          <a:xfrm>
+            <a:off x="774221" y="2098011"/>
+            <a:ext cx="7834152" cy="369332"/>
+          </a:xfrm>
+          <a:prstGeom prst="rect">
+            <a:avLst/>
+          </a:prstGeom>
+          <a:noFill/>
+        </p:spPr>
+        <p:txBody>
+          <a:bodyPr wrap="square" rtlCol="0">
+            <a:spAutoFit/>
+          </a:bodyPr>
+          <a:lstStyle/>
+          <a:p>
+            <a:r>
+              <a:rPr lang="en-US" b="1" dirty="0" err="1" smtClean="0"/>
+              <a:t>Chỉ</a:t>
+            </a:r>
+            <a:r>
+              <a:rPr lang="en-US" b="1" dirty="0" smtClean="0"/>
+              <a:t> </a:t>
+            </a:r>
+            <a:r>
+              <a:rPr lang="en-US" b="1" dirty="0" err="1" smtClean="0"/>
+              <a:t>lệnh</a:t>
+            </a:r>
+            <a:r>
+              <a:rPr lang="en-US" b="1" dirty="0" smtClean="0"/>
+              <a:t> </a:t>
+            </a:r>
+            <a:r>
+              <a:rPr lang="en-US" b="1" dirty="0" err="1" smtClean="0"/>
+              <a:t>kiểu</a:t>
+            </a:r>
+            <a:r>
+              <a:rPr lang="en-US" b="1" smtClean="0"/>
+              <a:t> (type)</a:t>
+            </a:r>
+            <a:endParaRPr lang="en-US" b="1" dirty="0">
+              <a:solidFill>
+                <a:srgbClr val="FF0000"/>
+              </a:solidFill>
+            </a:endParaRPr>
+          </a:p>
+        </p:txBody>
+      </p:sp>
+      <p:sp>
+        <p:nvSpPr>
+          <p:cNvPr id="25" name="Flowchart: Decision 24"/>
+          <p:cNvSpPr/>
+          <p:nvPr/>
+        </p:nvSpPr>
+        <p:spPr>
+          <a:xfrm>
+            <a:off x="625365" y="2207205"/>
+            <a:ext cx="148856" cy="170120"/>
+          </a:xfrm>
+          <a:prstGeom prst="flowChartDecision">
+            <a:avLst/>
+          </a:prstGeom>
+          <a:solidFill>
+            <a:srgbClr val="3A75A6"/>
+          </a:solidFill>
+        </p:spPr>
+        <p:style>
+          <a:lnRef idx="2">
+            <a:schemeClr val="accent1">
+              <a:shade val="50000"/>
+            </a:schemeClr>
+          </a:lnRef>
+          <a:fillRef idx="1">
+            <a:schemeClr val="accent1"/>
+          </a:fillRef>
+          <a:effectRef idx="0">
+            <a:schemeClr val="accent1"/>
+          </a:effectRef>
+          <a:fontRef idx="minor">
+            <a:schemeClr val="lt1"/>
+          </a:fontRef>
+        </p:style>
+        <p:txBody>
+          <a:bodyPr rtlCol="0" anchor="ctr"/>
+          <a:lstStyle/>
+          <a:p>
+            <a:pPr algn="ctr"/>
+            <a:endParaRPr lang="en-US"/>
+          </a:p>
+        </p:txBody>
+      </p:sp>
+      <p:pic>
+        <p:nvPicPr>
+          <p:cNvPr id="26" name="Picture 2" descr="https://www.python.org/static/apple-touch-icon-precomposed.png"/>
+          <p:cNvPicPr>
+            <a:picLocks noChangeAspect="1" noChangeArrowheads="1"/>
+          </p:cNvPicPr>
+          <p:nvPr/>
+        </p:nvPicPr>
+        <p:blipFill>
+          <a:blip r:embed="rId2">
+            <a:extLst>
+              <a:ext uri="{28A0092B-C50C-407E-A947-70E740481C1C}">
+                <a14:useLocalDpi xmlns:a14="http://schemas.microsoft.com/office/drawing/2010/main" val="0"/>
+              </a:ext>
+            </a:extLst>
+          </a:blip>
+          <a:srcRect/>
+          <a:stretch>
+            <a:fillRect/>
+          </a:stretch>
+        </p:blipFill>
+        <p:spPr bwMode="auto">
+          <a:xfrm>
+            <a:off x="548981" y="1516875"/>
+            <a:ext cx="450480" cy="450481"/>
+          </a:xfrm>
+          <a:prstGeom prst="rect">
+            <a:avLst/>
+          </a:prstGeom>
+          <a:noFill/>
+          <a:extLst>
+            <a:ext uri="{909E8E84-426E-40DD-AFC4-6F175D3DCCD1}">
+              <a14:hiddenFill xmlns:a14="http://schemas.microsoft.com/office/drawing/2010/main">
+                <a:solidFill>
+                  <a:srgbClr val="FFFFFF"/>
+                </a:solidFill>
+              </a14:hiddenFill>
+            </a:ext>
+          </a:extLst>
+        </p:spPr>
+      </p:pic>
+      <p:sp>
+        <p:nvSpPr>
+          <p:cNvPr id="27" name="TextBox 26"/>
+          <p:cNvSpPr txBox="1"/>
+          <p:nvPr/>
+        </p:nvSpPr>
+        <p:spPr>
+          <a:xfrm>
+            <a:off x="1041993" y="1557449"/>
+            <a:ext cx="6432695" cy="369332"/>
+          </a:xfrm>
+          <a:prstGeom prst="rect">
+            <a:avLst/>
+          </a:prstGeom>
+          <a:noFill/>
+        </p:spPr>
+        <p:txBody>
+          <a:bodyPr wrap="square" rtlCol="0">
+            <a:spAutoFit/>
+          </a:bodyPr>
+          <a:lstStyle/>
+          <a:p>
+            <a:r>
+              <a:rPr lang="en-US" b="1" dirty="0" err="1" smtClean="0"/>
+              <a:t>Chỉ</a:t>
+            </a:r>
+            <a:r>
+              <a:rPr lang="en-US" b="1" dirty="0" smtClean="0"/>
+              <a:t> </a:t>
+            </a:r>
+            <a:r>
+              <a:rPr lang="en-US" b="1" dirty="0" err="1" smtClean="0"/>
+              <a:t>lệnh</a:t>
+            </a:r>
+            <a:r>
+              <a:rPr lang="en-US" b="1" dirty="0" smtClean="0"/>
+              <a:t> </a:t>
+            </a:r>
+            <a:r>
+              <a:rPr lang="en-US" b="1" dirty="0" err="1" smtClean="0"/>
+              <a:t>trong</a:t>
+            </a:r>
+            <a:r>
+              <a:rPr lang="en-US" b="1" dirty="0" smtClean="0"/>
+              <a:t> field</a:t>
+            </a:r>
+            <a:endParaRPr lang="en-US" b="1" dirty="0">
+              <a:solidFill>
+                <a:srgbClr val="FF0000"/>
+              </a:solidFill>
+            </a:endParaRPr>
+          </a:p>
+        </p:txBody>
+      </p:sp>
+    </p:spTree>
+    <p:extLst>
+      <p:ext uri="{BB962C8B-B14F-4D97-AF65-F5344CB8AC3E}">
+        <p14:creationId xmlns:p14="http://schemas.microsoft.com/office/powerpoint/2010/main" val="1395188783"/>
+      </p:ext>
+    </p:extLst>
+  </p:cSld>
+  <p:clrMapOvr>
+    <a:masterClrMapping/>
+  </p:clrMapOvr>
+  <p:timing>
+    <p:tnLst>
+      <p:par>
+        <p:cTn id="1" dur="indefinite" restart="never" nodeType="tmRoot"/>
+      </p:par>
+    </p:tnLst>
+  </p:timing>
+</p:sld>
+</file>
+
+<file path=ppt/slides/slide21.xml><?xml version="1.0" encoding="utf-8"?>
+<p:sld xmlns:a="http://schemas.openxmlformats.org/drawingml/2006/main" xmlns:r="http://schemas.openxmlformats.org/officeDocument/2006/relationships" xmlns:p="http://schemas.openxmlformats.org/presentationml/2006/main">
+  <p:cSld>
+    <p:spTree>
+      <p:nvGrpSpPr>
+        <p:cNvPr id="1" name=""/>
+        <p:cNvGrpSpPr/>
+        <p:nvPr/>
+      </p:nvGrpSpPr>
+      <p:grpSpPr>
+        <a:xfrm>
+          <a:off x="0" y="0"/>
+          <a:ext cx="0" cy="0"/>
+          <a:chOff x="0" y="0"/>
+          <a:chExt cx="0" cy="0"/>
+        </a:xfrm>
+      </p:grpSpPr>
+      <p:sp>
+        <p:nvSpPr>
+          <p:cNvPr id="2" name="Slide Number Placeholder 1"/>
+          <p:cNvSpPr>
+            <a:spLocks noGrp="1"/>
+          </p:cNvSpPr>
+          <p:nvPr>
+            <p:ph type="sldNum" sz="quarter" idx="12"/>
+          </p:nvPr>
+        </p:nvSpPr>
+        <p:spPr/>
+        <p:txBody>
+          <a:bodyPr/>
+          <a:lstStyle/>
+          <a:p>
+            <a:fld id="{7D9EC917-02A2-4152-9EE3-DFE2775A77C7}" type="slidenum">
+              <a:rPr lang="en-US" smtClean="0"/>
+              <a:pPr/>
+              <a:t>21</a:t>
+            </a:fld>
+            <a:endParaRPr lang="en-US"/>
+          </a:p>
+        </p:txBody>
+      </p:sp>
+      <p:sp>
+        <p:nvSpPr>
+          <p:cNvPr id="3" name="Text Placeholder 2"/>
+          <p:cNvSpPr>
+            <a:spLocks noGrp="1"/>
+          </p:cNvSpPr>
+          <p:nvPr>
+            <p:ph type="body" sz="quarter" idx="13"/>
+          </p:nvPr>
+        </p:nvSpPr>
+        <p:spPr>
+          <a:xfrm>
+            <a:off x="301925" y="851290"/>
+            <a:ext cx="8454964" cy="424732"/>
+          </a:xfrm>
+        </p:spPr>
+        <p:txBody>
+          <a:bodyPr/>
+          <a:lstStyle/>
+          <a:p>
+            <a:r>
+              <a:rPr lang="en-US" dirty="0" smtClean="0"/>
+              <a:t>9.4 </a:t>
+            </a:r>
+            <a:r>
+              <a:rPr lang="en-US" dirty="0"/>
+              <a:t>Escape </a:t>
+            </a:r>
+            <a:r>
+              <a:rPr lang="en-US" dirty="0" smtClean="0"/>
+              <a:t>Character</a:t>
+            </a:r>
+            <a:endParaRPr lang="en-US" dirty="0">
+              <a:solidFill>
+                <a:srgbClr val="FF0000"/>
+              </a:solidFill>
+            </a:endParaRPr>
+          </a:p>
+        </p:txBody>
+      </p:sp>
+      <p:sp>
+        <p:nvSpPr>
+          <p:cNvPr id="14" name="TextBox 13"/>
+          <p:cNvSpPr txBox="1"/>
+          <p:nvPr/>
+        </p:nvSpPr>
+        <p:spPr>
+          <a:xfrm>
+            <a:off x="774221" y="2098011"/>
+            <a:ext cx="7834152" cy="2862322"/>
+          </a:xfrm>
+          <a:prstGeom prst="rect">
+            <a:avLst/>
+          </a:prstGeom>
+          <a:noFill/>
+        </p:spPr>
+        <p:txBody>
+          <a:bodyPr wrap="square" rtlCol="0">
+            <a:spAutoFit/>
+          </a:bodyPr>
+          <a:lstStyle/>
+          <a:p>
+            <a:r>
+              <a:rPr lang="vi-VN" dirty="0"/>
+              <a:t>Trong Python, ký tự escape (escape character) là một ký tự đặc biệt được sử dụng để thể hiện các ký tự không thể hiện hoặc có ý nghĩa đặc biệt trong chuỗi. Khi bạn sử dụng ký tự escape, nó cho phép bạn đưa vào chuỗi những ký tự đặc biệt như dấu nháy kép, dấu nháy đơn, dấu gạch chéo ngược, và các ký tự khác mà không bị xem là kết thúc của chuỗi hoặc gây ra sự hiểu lầm về cú pháp.</a:t>
+            </a:r>
+          </a:p>
+          <a:p>
+            <a:endParaRPr lang="vi-VN" dirty="0"/>
+          </a:p>
+          <a:p>
+            <a:r>
+              <a:rPr lang="vi-VN" dirty="0"/>
+              <a:t>Ký tự escape được ký hiệu bằng một dấu gạch chéo ngược ("") theo sau là ký tự đại diện cho ý nghĩa cụ thể. Dưới đây là một số ví dụ về ký tự escape phổ biến trong Python:</a:t>
+            </a:r>
+            <a:endParaRPr lang="en-US" dirty="0">
+              <a:solidFill>
+                <a:srgbClr val="FF0000"/>
+              </a:solidFill>
+            </a:endParaRPr>
+          </a:p>
+        </p:txBody>
+      </p:sp>
+      <p:sp>
+        <p:nvSpPr>
+          <p:cNvPr id="25" name="Flowchart: Decision 24"/>
+          <p:cNvSpPr/>
+          <p:nvPr/>
+        </p:nvSpPr>
+        <p:spPr>
+          <a:xfrm>
+            <a:off x="625365" y="2207205"/>
+            <a:ext cx="148856" cy="170120"/>
+          </a:xfrm>
+          <a:prstGeom prst="flowChartDecision">
+            <a:avLst/>
+          </a:prstGeom>
+          <a:solidFill>
+            <a:srgbClr val="3A75A6"/>
+          </a:solidFill>
+        </p:spPr>
+        <p:style>
+          <a:lnRef idx="2">
+            <a:schemeClr val="accent1">
+              <a:shade val="50000"/>
+            </a:schemeClr>
+          </a:lnRef>
+          <a:fillRef idx="1">
+            <a:schemeClr val="accent1"/>
+          </a:fillRef>
+          <a:effectRef idx="0">
+            <a:schemeClr val="accent1"/>
+          </a:effectRef>
+          <a:fontRef idx="minor">
+            <a:schemeClr val="lt1"/>
+          </a:fontRef>
+        </p:style>
+        <p:txBody>
+          <a:bodyPr rtlCol="0" anchor="ctr"/>
+          <a:lstStyle/>
+          <a:p>
+            <a:pPr algn="ctr"/>
+            <a:endParaRPr lang="en-US"/>
+          </a:p>
+        </p:txBody>
+      </p:sp>
+      <p:pic>
+        <p:nvPicPr>
+          <p:cNvPr id="26" name="Picture 2" descr="https://www.python.org/static/apple-touch-icon-precomposed.png"/>
+          <p:cNvPicPr>
+            <a:picLocks noChangeAspect="1" noChangeArrowheads="1"/>
+          </p:cNvPicPr>
+          <p:nvPr/>
+        </p:nvPicPr>
+        <p:blipFill>
+          <a:blip r:embed="rId2">
+            <a:extLst>
+              <a:ext uri="{28A0092B-C50C-407E-A947-70E740481C1C}">
+                <a14:useLocalDpi xmlns:a14="http://schemas.microsoft.com/office/drawing/2010/main" val="0"/>
+              </a:ext>
+            </a:extLst>
+          </a:blip>
+          <a:srcRect/>
+          <a:stretch>
+            <a:fillRect/>
+          </a:stretch>
+        </p:blipFill>
+        <p:spPr bwMode="auto">
+          <a:xfrm>
+            <a:off x="548981" y="1516875"/>
+            <a:ext cx="450480" cy="450481"/>
+          </a:xfrm>
+          <a:prstGeom prst="rect">
+            <a:avLst/>
+          </a:prstGeom>
+          <a:noFill/>
+          <a:extLst>
+            <a:ext uri="{909E8E84-426E-40DD-AFC4-6F175D3DCCD1}">
+              <a14:hiddenFill xmlns:a14="http://schemas.microsoft.com/office/drawing/2010/main">
+                <a:solidFill>
+                  <a:srgbClr val="FFFFFF"/>
+                </a:solidFill>
+              </a14:hiddenFill>
+            </a:ext>
+          </a:extLst>
+        </p:spPr>
+      </p:pic>
+      <p:sp>
+        <p:nvSpPr>
+          <p:cNvPr id="27" name="TextBox 26"/>
+          <p:cNvSpPr txBox="1"/>
+          <p:nvPr/>
+        </p:nvSpPr>
+        <p:spPr>
+          <a:xfrm>
+            <a:off x="1041993" y="1557449"/>
+            <a:ext cx="6432695" cy="369332"/>
+          </a:xfrm>
+          <a:prstGeom prst="rect">
+            <a:avLst/>
+          </a:prstGeom>
+          <a:noFill/>
+        </p:spPr>
+        <p:txBody>
+          <a:bodyPr wrap="square" rtlCol="0">
+            <a:spAutoFit/>
+          </a:bodyPr>
+          <a:lstStyle/>
+          <a:p>
+            <a:r>
+              <a:rPr lang="en-US" b="1" dirty="0" err="1" smtClean="0"/>
+              <a:t>Giới</a:t>
+            </a:r>
+            <a:r>
+              <a:rPr lang="en-US" b="1" dirty="0" smtClean="0"/>
+              <a:t> </a:t>
+            </a:r>
+            <a:r>
+              <a:rPr lang="en-US" b="1" dirty="0" err="1" smtClean="0"/>
+              <a:t>thiệu</a:t>
+            </a:r>
+            <a:r>
+              <a:rPr lang="en-US" b="1" dirty="0" smtClean="0"/>
+              <a:t> </a:t>
+            </a:r>
+            <a:r>
+              <a:rPr lang="en-US" b="1" dirty="0" err="1" smtClean="0"/>
+              <a:t>về</a:t>
+            </a:r>
+            <a:r>
+              <a:rPr lang="en-US" b="1" dirty="0" smtClean="0"/>
+              <a:t> </a:t>
+            </a:r>
+            <a:r>
+              <a:rPr lang="en-US" b="1" dirty="0" err="1" smtClean="0"/>
+              <a:t>khái</a:t>
+            </a:r>
+            <a:r>
+              <a:rPr lang="en-US" b="1" dirty="0" smtClean="0"/>
+              <a:t> </a:t>
+            </a:r>
+            <a:r>
+              <a:rPr lang="en-US" b="1" dirty="0" err="1" smtClean="0"/>
+              <a:t>niệm</a:t>
+            </a:r>
+            <a:r>
+              <a:rPr lang="en-US" b="1" dirty="0" smtClean="0"/>
+              <a:t> Escape</a:t>
+            </a:r>
+            <a:endParaRPr lang="en-US" b="1" dirty="0">
+              <a:solidFill>
+                <a:srgbClr val="FF0000"/>
+              </a:solidFill>
+            </a:endParaRPr>
+          </a:p>
+        </p:txBody>
+      </p:sp>
+      <p:sp>
+        <p:nvSpPr>
+          <p:cNvPr id="13" name="TextBox 12"/>
+          <p:cNvSpPr txBox="1"/>
+          <p:nvPr/>
+        </p:nvSpPr>
+        <p:spPr>
+          <a:xfrm>
+            <a:off x="774221" y="5128290"/>
+            <a:ext cx="7834152" cy="1200329"/>
+          </a:xfrm>
+          <a:prstGeom prst="rect">
+            <a:avLst/>
+          </a:prstGeom>
+          <a:noFill/>
+        </p:spPr>
+        <p:txBody>
+          <a:bodyPr wrap="square" rtlCol="0">
+            <a:spAutoFit/>
+          </a:bodyPr>
+          <a:lstStyle/>
+          <a:p>
+            <a:r>
+              <a:rPr lang="en-US" dirty="0"/>
+              <a:t>\n: </a:t>
+            </a:r>
+            <a:r>
+              <a:rPr lang="en-US" dirty="0" err="1"/>
+              <a:t>Ký</a:t>
+            </a:r>
+            <a:r>
+              <a:rPr lang="en-US" dirty="0"/>
+              <a:t> </a:t>
+            </a:r>
+            <a:r>
+              <a:rPr lang="en-US" dirty="0" err="1"/>
+              <a:t>tự</a:t>
+            </a:r>
+            <a:r>
+              <a:rPr lang="en-US" dirty="0"/>
+              <a:t> </a:t>
+            </a:r>
+            <a:r>
+              <a:rPr lang="en-US" dirty="0" err="1"/>
+              <a:t>xuống</a:t>
+            </a:r>
+            <a:r>
+              <a:rPr lang="en-US" dirty="0"/>
+              <a:t> </a:t>
+            </a:r>
+            <a:r>
+              <a:rPr lang="en-US" dirty="0" err="1"/>
+              <a:t>dòng</a:t>
+            </a:r>
+            <a:r>
+              <a:rPr lang="en-US" dirty="0"/>
+              <a:t> (newline</a:t>
+            </a:r>
+            <a:r>
+              <a:rPr lang="en-US" dirty="0" smtClean="0"/>
+              <a:t>)</a:t>
+            </a:r>
+          </a:p>
+          <a:p>
+            <a:r>
+              <a:rPr lang="en-US" dirty="0"/>
+              <a:t>\t: </a:t>
+            </a:r>
+            <a:r>
+              <a:rPr lang="en-US" dirty="0" err="1"/>
+              <a:t>Ký</a:t>
+            </a:r>
+            <a:r>
+              <a:rPr lang="en-US" dirty="0"/>
+              <a:t> </a:t>
+            </a:r>
+            <a:r>
+              <a:rPr lang="en-US" dirty="0" err="1"/>
+              <a:t>tự</a:t>
+            </a:r>
+            <a:r>
+              <a:rPr lang="en-US" dirty="0"/>
+              <a:t> tab </a:t>
+            </a:r>
+            <a:r>
+              <a:rPr lang="en-US" dirty="0" err="1"/>
+              <a:t>ngang</a:t>
+            </a:r>
+            <a:r>
+              <a:rPr lang="en-US" dirty="0"/>
+              <a:t> (tab</a:t>
+            </a:r>
+            <a:r>
+              <a:rPr lang="en-US" dirty="0" smtClean="0"/>
+              <a:t>)</a:t>
+            </a:r>
+          </a:p>
+          <a:p>
+            <a:r>
+              <a:rPr lang="en-US" dirty="0"/>
+              <a:t>": </a:t>
+            </a:r>
+            <a:r>
+              <a:rPr lang="en-US" dirty="0" err="1"/>
+              <a:t>Dấu</a:t>
+            </a:r>
+            <a:r>
+              <a:rPr lang="en-US" dirty="0"/>
+              <a:t> </a:t>
+            </a:r>
+            <a:r>
+              <a:rPr lang="en-US" dirty="0" err="1"/>
+              <a:t>nháy</a:t>
+            </a:r>
+            <a:r>
+              <a:rPr lang="en-US" dirty="0"/>
+              <a:t> </a:t>
+            </a:r>
+            <a:r>
+              <a:rPr lang="en-US" dirty="0" err="1" smtClean="0"/>
+              <a:t>kép</a:t>
+            </a:r>
+            <a:endParaRPr lang="en-US" dirty="0" smtClean="0"/>
+          </a:p>
+          <a:p>
+            <a:r>
+              <a:rPr lang="vi-VN" dirty="0"/>
+              <a:t>': Dấu nháy </a:t>
+            </a:r>
+            <a:r>
+              <a:rPr lang="vi-VN" dirty="0" smtClean="0"/>
+              <a:t>đơn</a:t>
+            </a:r>
+            <a:endParaRPr lang="en-US" dirty="0">
+              <a:solidFill>
+                <a:srgbClr val="FF0000"/>
+              </a:solidFill>
+            </a:endParaRPr>
+          </a:p>
+        </p:txBody>
+      </p:sp>
+    </p:spTree>
+    <p:extLst>
+      <p:ext uri="{BB962C8B-B14F-4D97-AF65-F5344CB8AC3E}">
+        <p14:creationId xmlns:p14="http://schemas.microsoft.com/office/powerpoint/2010/main" val="3937770836"/>
+      </p:ext>
+    </p:extLst>
+  </p:cSld>
+  <p:clrMapOvr>
+    <a:masterClrMapping/>
+  </p:clrMapOvr>
+  <p:timing>
+    <p:tnLst>
+      <p:par>
+        <p:cTn id="1" dur="indefinite" restart="never" nodeType="tmRoot"/>
+      </p:par>
+    </p:tnLst>
+  </p:timing>
+</p:sld>
+</file>
+
+<file path=ppt/slides/slide22.xml><?xml version="1.0" encoding="utf-8"?>
+<p:sld xmlns:a="http://schemas.openxmlformats.org/drawingml/2006/main" xmlns:r="http://schemas.openxmlformats.org/officeDocument/2006/relationships" xmlns:p="http://schemas.openxmlformats.org/presentationml/2006/main">
+  <p:cSld>
+    <p:spTree>
+      <p:nvGrpSpPr>
+        <p:cNvPr id="1" name=""/>
+        <p:cNvGrpSpPr/>
+        <p:nvPr/>
+      </p:nvGrpSpPr>
+      <p:grpSpPr>
+        <a:xfrm>
+          <a:off x="0" y="0"/>
+          <a:ext cx="0" cy="0"/>
+          <a:chOff x="0" y="0"/>
+          <a:chExt cx="0" cy="0"/>
+        </a:xfrm>
+      </p:grpSpPr>
+      <p:sp>
+        <p:nvSpPr>
+          <p:cNvPr id="2" name="Slide Number Placeholder 1"/>
+          <p:cNvSpPr>
+            <a:spLocks noGrp="1"/>
+          </p:cNvSpPr>
+          <p:nvPr>
+            <p:ph type="sldNum" sz="quarter" idx="12"/>
+          </p:nvPr>
+        </p:nvSpPr>
+        <p:spPr/>
+        <p:txBody>
+          <a:bodyPr/>
+          <a:lstStyle/>
+          <a:p>
+            <a:fld id="{7D9EC917-02A2-4152-9EE3-DFE2775A77C7}" type="slidenum">
+              <a:rPr lang="en-US" smtClean="0"/>
+              <a:pPr/>
+              <a:t>22</a:t>
+            </a:fld>
+            <a:endParaRPr lang="en-US"/>
+          </a:p>
+        </p:txBody>
+      </p:sp>
+      <p:sp>
+        <p:nvSpPr>
+          <p:cNvPr id="3" name="Text Placeholder 2"/>
+          <p:cNvSpPr>
+            <a:spLocks noGrp="1"/>
+          </p:cNvSpPr>
+          <p:nvPr>
+            <p:ph type="body" sz="quarter" idx="13"/>
+          </p:nvPr>
+        </p:nvSpPr>
+        <p:spPr>
+          <a:xfrm>
+            <a:off x="301925" y="851290"/>
+            <a:ext cx="8454964" cy="424732"/>
+          </a:xfrm>
+        </p:spPr>
+        <p:txBody>
+          <a:bodyPr/>
+          <a:lstStyle/>
+          <a:p>
+            <a:r>
+              <a:rPr lang="en-US" dirty="0"/>
               <a:t>9.4 Escape Character</a:t>
             </a:r>
             <a:endParaRPr lang="en-US" dirty="0">
@@ -10874,7 +18349,7 @@
 </p:sld>
 </file>
 
-<file path=ppt/slides/slide17.xml><?xml version="1.0" encoding="utf-8"?>
+<file path=ppt/slides/slide23.xml><?xml version="1.0" encoding="utf-8"?>
 <p:sld xmlns:a="http://schemas.openxmlformats.org/drawingml/2006/main" xmlns:r="http://schemas.openxmlformats.org/officeDocument/2006/relationships" xmlns:p="http://schemas.openxmlformats.org/presentationml/2006/main">
   <p:cSld>
     <p:spTree>
@@ -11140,15 +18615,7 @@
                   <a:schemeClr val="bg1"/>
                 </a:solidFill>
               </a:rPr>
-              <a:t> </a:t>
-            </a:r>
-            <a:r>
-              <a:rPr lang="en-US" b="1" dirty="0" smtClean="0">
-                <a:solidFill>
-                  <a:schemeClr val="bg1"/>
-                </a:solidFill>
-              </a:rPr>
-              <a:t>9</a:t>
+              <a:t> 9</a:t>
             </a:r>
             <a:endParaRPr lang="en-US" b="1" dirty="0">
               <a:solidFill>
@@ -11668,15 +19135,7 @@
                   <a:schemeClr val="bg1"/>
                 </a:solidFill>
               </a:rPr>
-              <a:t>c</a:t>
-            </a:r>
-            <a:r>
-              <a:rPr lang="en-US" dirty="0" err="1" smtClean="0">
-                <a:solidFill>
-                  <a:schemeClr val="bg1"/>
-                </a:solidFill>
-              </a:rPr>
-              <a:t>ác</a:t>
+              <a:t>các</a:t>
             </a:r>
             <a:r>
               <a:rPr lang="en-US" dirty="0" smtClean="0">
@@ -12134,731 +19593,6 @@
     <p:extLst>
       <p:ext uri="{BB962C8B-B14F-4D97-AF65-F5344CB8AC3E}">
         <p14:creationId xmlns:p14="http://schemas.microsoft.com/office/powerpoint/2010/main" val="2671992717"/>
-      </p:ext>
-    </p:extLst>
-  </p:cSld>
-  <p:clrMapOvr>
-    <a:masterClrMapping/>
-  </p:clrMapOvr>
-  <p:timing>
-    <p:tnLst>
-      <p:par>
-        <p:cTn id="1" dur="indefinite" restart="never" nodeType="tmRoot"/>
-      </p:par>
-    </p:tnLst>
-  </p:timing>
-</p:sld>
-</file>
-
-<file path=ppt/slides/slide2.xml><?xml version="1.0" encoding="utf-8"?>
-<p:sld xmlns:a="http://schemas.openxmlformats.org/drawingml/2006/main" xmlns:r="http://schemas.openxmlformats.org/officeDocument/2006/relationships" xmlns:p="http://schemas.openxmlformats.org/presentationml/2006/main">
-  <p:cSld>
-    <p:spTree>
-      <p:nvGrpSpPr>
-        <p:cNvPr id="1" name=""/>
-        <p:cNvGrpSpPr/>
-        <p:nvPr/>
-      </p:nvGrpSpPr>
-      <p:grpSpPr>
-        <a:xfrm>
-          <a:off x="0" y="0"/>
-          <a:ext cx="0" cy="0"/>
-          <a:chOff x="0" y="0"/>
-          <a:chExt cx="0" cy="0"/>
-        </a:xfrm>
-      </p:grpSpPr>
-      <p:sp>
-        <p:nvSpPr>
-          <p:cNvPr id="2" name="Slide Number Placeholder 1"/>
-          <p:cNvSpPr>
-            <a:spLocks noGrp="1"/>
-          </p:cNvSpPr>
-          <p:nvPr>
-            <p:ph type="sldNum" sz="quarter" idx="12"/>
-          </p:nvPr>
-        </p:nvSpPr>
-        <p:spPr/>
-        <p:txBody>
-          <a:bodyPr/>
-          <a:lstStyle/>
-          <a:p>
-            <a:fld id="{7D9EC917-02A2-4152-9EE3-DFE2775A77C7}" type="slidenum">
-              <a:rPr lang="en-US" smtClean="0"/>
-              <a:pPr/>
-              <a:t>2</a:t>
-            </a:fld>
-            <a:endParaRPr lang="en-US"/>
-          </a:p>
-        </p:txBody>
-      </p:sp>
-      <p:sp>
-        <p:nvSpPr>
-          <p:cNvPr id="3" name="Text Placeholder 2"/>
-          <p:cNvSpPr>
-            <a:spLocks noGrp="1"/>
-          </p:cNvSpPr>
-          <p:nvPr>
-            <p:ph type="body" sz="quarter" idx="13"/>
-          </p:nvPr>
-        </p:nvSpPr>
-        <p:spPr>
-          <a:xfrm>
-            <a:off x="301926" y="797441"/>
-            <a:ext cx="8454964" cy="424732"/>
-          </a:xfrm>
-        </p:spPr>
-        <p:txBody>
-          <a:bodyPr/>
-          <a:lstStyle/>
-          <a:p>
-            <a:r>
-              <a:rPr lang="en-US" dirty="0" err="1" smtClean="0"/>
-              <a:t>Tóm</a:t>
-            </a:r>
-            <a:r>
-              <a:rPr lang="en-US" dirty="0" smtClean="0"/>
-              <a:t> </a:t>
-            </a:r>
-            <a:r>
-              <a:rPr lang="en-US" dirty="0" err="1" smtClean="0"/>
-              <a:t>Tắt</a:t>
-            </a:r>
-            <a:r>
-              <a:rPr lang="en-US" dirty="0" smtClean="0"/>
-              <a:t> </a:t>
-            </a:r>
-            <a:r>
-              <a:rPr lang="en-US" dirty="0" err="1" smtClean="0"/>
-              <a:t>Nội</a:t>
-            </a:r>
-            <a:r>
-              <a:rPr lang="en-US" dirty="0" smtClean="0"/>
-              <a:t> Dung</a:t>
-            </a:r>
-            <a:endParaRPr lang="en-US" dirty="0"/>
-          </a:p>
-        </p:txBody>
-      </p:sp>
-      <p:sp>
-        <p:nvSpPr>
-          <p:cNvPr id="4" name="Oval 3"/>
-          <p:cNvSpPr/>
-          <p:nvPr/>
-        </p:nvSpPr>
-        <p:spPr>
-          <a:xfrm>
-            <a:off x="602143" y="2356514"/>
-            <a:ext cx="439848" cy="439848"/>
-          </a:xfrm>
-          <a:prstGeom prst="ellipse">
-            <a:avLst/>
-          </a:prstGeom>
-          <a:gradFill flip="none" rotWithShape="1">
-            <a:gsLst>
-              <a:gs pos="15000">
-                <a:srgbClr val="67C7DF"/>
-              </a:gs>
-              <a:gs pos="100000">
-                <a:srgbClr val="5EB130"/>
-              </a:gs>
-            </a:gsLst>
-            <a:lin ang="2400000" scaled="0"/>
-            <a:tileRect/>
-          </a:gradFill>
-          <a:ln>
-            <a:noFill/>
-          </a:ln>
-        </p:spPr>
-        <p:style>
-          <a:lnRef idx="2">
-            <a:schemeClr val="accent1">
-              <a:shade val="50000"/>
-            </a:schemeClr>
-          </a:lnRef>
-          <a:fillRef idx="1">
-            <a:schemeClr val="accent1"/>
-          </a:fillRef>
-          <a:effectRef idx="0">
-            <a:schemeClr val="accent1"/>
-          </a:effectRef>
-          <a:fontRef idx="minor">
-            <a:schemeClr val="lt1"/>
-          </a:fontRef>
-        </p:style>
-        <p:txBody>
-          <a:bodyPr rtlCol="0" anchor="ctr"/>
-          <a:lstStyle/>
-          <a:p>
-            <a:pPr algn="ctr"/>
-            <a:r>
-              <a:rPr lang="en-US" b="1" dirty="0" smtClean="0"/>
-              <a:t>1</a:t>
-            </a:r>
-            <a:endParaRPr lang="en-US" b="1" dirty="0"/>
-          </a:p>
-        </p:txBody>
-      </p:sp>
-      <p:sp>
-        <p:nvSpPr>
-          <p:cNvPr id="6" name="TextBox 5"/>
-          <p:cNvSpPr txBox="1"/>
-          <p:nvPr/>
-        </p:nvSpPr>
-        <p:spPr>
-          <a:xfrm>
-            <a:off x="1201478" y="2373866"/>
-            <a:ext cx="6485861" cy="369332"/>
-          </a:xfrm>
-          <a:prstGeom prst="rect">
-            <a:avLst/>
-          </a:prstGeom>
-          <a:noFill/>
-        </p:spPr>
-        <p:txBody>
-          <a:bodyPr wrap="square" rtlCol="0">
-            <a:spAutoFit/>
-          </a:bodyPr>
-          <a:lstStyle/>
-          <a:p>
-            <a:r>
-              <a:rPr lang="en-US" dirty="0" err="1"/>
-              <a:t>Tổng</a:t>
-            </a:r>
-            <a:r>
-              <a:rPr lang="en-US" dirty="0"/>
-              <a:t> </a:t>
-            </a:r>
-            <a:r>
-              <a:rPr lang="en-US" dirty="0" err="1"/>
-              <a:t>quan</a:t>
-            </a:r>
-            <a:r>
-              <a:rPr lang="en-US" dirty="0"/>
-              <a:t> </a:t>
-            </a:r>
-            <a:r>
-              <a:rPr lang="en-US" dirty="0" err="1"/>
-              <a:t>về</a:t>
-            </a:r>
-            <a:r>
-              <a:rPr lang="en-US" dirty="0"/>
-              <a:t> </a:t>
-            </a:r>
-            <a:r>
-              <a:rPr lang="en-US" dirty="0" err="1"/>
-              <a:t>Chuỗi</a:t>
-            </a:r>
-            <a:r>
-              <a:rPr lang="en-US" dirty="0"/>
-              <a:t> (</a:t>
-            </a:r>
-            <a:r>
-              <a:rPr lang="en-US" dirty="0" smtClean="0"/>
-              <a:t>String)</a:t>
-            </a:r>
-            <a:endParaRPr lang="en-US" dirty="0"/>
-          </a:p>
-        </p:txBody>
-      </p:sp>
-      <p:sp>
-        <p:nvSpPr>
-          <p:cNvPr id="7" name="Oval 6"/>
-          <p:cNvSpPr/>
-          <p:nvPr/>
-        </p:nvSpPr>
-        <p:spPr>
-          <a:xfrm>
-            <a:off x="602143" y="3100793"/>
-            <a:ext cx="439848" cy="439848"/>
-          </a:xfrm>
-          <a:prstGeom prst="ellipse">
-            <a:avLst/>
-          </a:prstGeom>
-          <a:gradFill flip="none" rotWithShape="1">
-            <a:gsLst>
-              <a:gs pos="15000">
-                <a:srgbClr val="67C7DF"/>
-              </a:gs>
-              <a:gs pos="100000">
-                <a:srgbClr val="5EB130"/>
-              </a:gs>
-            </a:gsLst>
-            <a:lin ang="2400000" scaled="0"/>
-            <a:tileRect/>
-          </a:gradFill>
-          <a:ln>
-            <a:noFill/>
-          </a:ln>
-        </p:spPr>
-        <p:style>
-          <a:lnRef idx="2">
-            <a:schemeClr val="accent1">
-              <a:shade val="50000"/>
-            </a:schemeClr>
-          </a:lnRef>
-          <a:fillRef idx="1">
-            <a:schemeClr val="accent1"/>
-          </a:fillRef>
-          <a:effectRef idx="0">
-            <a:schemeClr val="accent1"/>
-          </a:effectRef>
-          <a:fontRef idx="minor">
-            <a:schemeClr val="lt1"/>
-          </a:fontRef>
-        </p:style>
-        <p:txBody>
-          <a:bodyPr rtlCol="0" anchor="ctr"/>
-          <a:lstStyle/>
-          <a:p>
-            <a:pPr algn="ctr"/>
-            <a:r>
-              <a:rPr lang="en-US" b="1" dirty="0"/>
-              <a:t>2</a:t>
-            </a:r>
-          </a:p>
-        </p:txBody>
-      </p:sp>
-      <p:sp>
-        <p:nvSpPr>
-          <p:cNvPr id="11" name="Oval 10"/>
-          <p:cNvSpPr/>
-          <p:nvPr/>
-        </p:nvSpPr>
-        <p:spPr>
-          <a:xfrm>
-            <a:off x="602143" y="3823807"/>
-            <a:ext cx="439848" cy="439848"/>
-          </a:xfrm>
-          <a:prstGeom prst="ellipse">
-            <a:avLst/>
-          </a:prstGeom>
-          <a:gradFill flip="none" rotWithShape="1">
-            <a:gsLst>
-              <a:gs pos="15000">
-                <a:srgbClr val="67C7DF"/>
-              </a:gs>
-              <a:gs pos="100000">
-                <a:srgbClr val="5EB130"/>
-              </a:gs>
-            </a:gsLst>
-            <a:lin ang="2400000" scaled="0"/>
-            <a:tileRect/>
-          </a:gradFill>
-          <a:ln>
-            <a:noFill/>
-          </a:ln>
-        </p:spPr>
-        <p:style>
-          <a:lnRef idx="2">
-            <a:schemeClr val="accent1">
-              <a:shade val="50000"/>
-            </a:schemeClr>
-          </a:lnRef>
-          <a:fillRef idx="1">
-            <a:schemeClr val="accent1"/>
-          </a:fillRef>
-          <a:effectRef idx="0">
-            <a:schemeClr val="accent1"/>
-          </a:effectRef>
-          <a:fontRef idx="minor">
-            <a:schemeClr val="lt1"/>
-          </a:fontRef>
-        </p:style>
-        <p:txBody>
-          <a:bodyPr rtlCol="0" anchor="ctr"/>
-          <a:lstStyle/>
-          <a:p>
-            <a:pPr algn="ctr"/>
-            <a:r>
-              <a:rPr lang="en-US" b="1" dirty="0" smtClean="0"/>
-              <a:t>3</a:t>
-            </a:r>
-            <a:endParaRPr lang="en-US" b="1" dirty="0"/>
-          </a:p>
-        </p:txBody>
-      </p:sp>
-      <p:sp>
-        <p:nvSpPr>
-          <p:cNvPr id="12" name="TextBox 11"/>
-          <p:cNvSpPr txBox="1"/>
-          <p:nvPr/>
-        </p:nvSpPr>
-        <p:spPr>
-          <a:xfrm>
-            <a:off x="1201479" y="3171309"/>
-            <a:ext cx="5178056" cy="369332"/>
-          </a:xfrm>
-          <a:prstGeom prst="rect">
-            <a:avLst/>
-          </a:prstGeom>
-          <a:noFill/>
-        </p:spPr>
-        <p:txBody>
-          <a:bodyPr wrap="square" rtlCol="0">
-            <a:spAutoFit/>
-          </a:bodyPr>
-          <a:lstStyle/>
-          <a:p>
-            <a:r>
-              <a:rPr lang="en-US" dirty="0" err="1" smtClean="0"/>
-              <a:t>Các</a:t>
-            </a:r>
-            <a:r>
-              <a:rPr lang="en-US" dirty="0" smtClean="0"/>
-              <a:t> </a:t>
-            </a:r>
-            <a:r>
-              <a:rPr lang="en-US" dirty="0" err="1" smtClean="0"/>
-              <a:t>phương</a:t>
-            </a:r>
-            <a:r>
-              <a:rPr lang="en-US" dirty="0" smtClean="0"/>
-              <a:t> </a:t>
-            </a:r>
-            <a:r>
-              <a:rPr lang="en-US" dirty="0" err="1" smtClean="0"/>
-              <a:t>thức</a:t>
-            </a:r>
-            <a:r>
-              <a:rPr lang="en-US" dirty="0" smtClean="0"/>
-              <a:t> </a:t>
-            </a:r>
-            <a:r>
-              <a:rPr lang="en-US" dirty="0" err="1" smtClean="0"/>
-              <a:t>xử</a:t>
-            </a:r>
-            <a:r>
-              <a:rPr lang="en-US" dirty="0" smtClean="0"/>
-              <a:t> </a:t>
-            </a:r>
-            <a:r>
-              <a:rPr lang="en-US" dirty="0" err="1" smtClean="0"/>
-              <a:t>lý</a:t>
-            </a:r>
-            <a:r>
-              <a:rPr lang="en-US" dirty="0" smtClean="0"/>
-              <a:t> </a:t>
-            </a:r>
-            <a:r>
-              <a:rPr lang="en-US" dirty="0" err="1" smtClean="0"/>
-              <a:t>với</a:t>
-            </a:r>
-            <a:r>
-              <a:rPr lang="en-US" dirty="0" smtClean="0"/>
-              <a:t> </a:t>
-            </a:r>
-            <a:r>
-              <a:rPr lang="en-US" dirty="0" err="1" smtClean="0"/>
-              <a:t>Chuỗi</a:t>
-            </a:r>
-            <a:endParaRPr lang="en-US" dirty="0"/>
-          </a:p>
-        </p:txBody>
-      </p:sp>
-      <p:sp>
-        <p:nvSpPr>
-          <p:cNvPr id="15" name="Oval 14"/>
-          <p:cNvSpPr/>
-          <p:nvPr/>
-        </p:nvSpPr>
-        <p:spPr>
-          <a:xfrm>
-            <a:off x="602143" y="4589351"/>
-            <a:ext cx="439848" cy="439848"/>
-          </a:xfrm>
-          <a:prstGeom prst="ellipse">
-            <a:avLst/>
-          </a:prstGeom>
-          <a:gradFill flip="none" rotWithShape="1">
-            <a:gsLst>
-              <a:gs pos="15000">
-                <a:srgbClr val="67C7DF"/>
-              </a:gs>
-              <a:gs pos="100000">
-                <a:srgbClr val="5EB130"/>
-              </a:gs>
-            </a:gsLst>
-            <a:lin ang="2400000" scaled="0"/>
-            <a:tileRect/>
-          </a:gradFill>
-          <a:ln>
-            <a:noFill/>
-          </a:ln>
-        </p:spPr>
-        <p:style>
-          <a:lnRef idx="2">
-            <a:schemeClr val="accent1">
-              <a:shade val="50000"/>
-            </a:schemeClr>
-          </a:lnRef>
-          <a:fillRef idx="1">
-            <a:schemeClr val="accent1"/>
-          </a:fillRef>
-          <a:effectRef idx="0">
-            <a:schemeClr val="accent1"/>
-          </a:effectRef>
-          <a:fontRef idx="minor">
-            <a:schemeClr val="lt1"/>
-          </a:fontRef>
-        </p:style>
-        <p:txBody>
-          <a:bodyPr rtlCol="0" anchor="ctr"/>
-          <a:lstStyle/>
-          <a:p>
-            <a:pPr algn="ctr"/>
-            <a:r>
-              <a:rPr lang="en-US" b="1" dirty="0"/>
-              <a:t>4</a:t>
-            </a:r>
-          </a:p>
-        </p:txBody>
-      </p:sp>
-      <p:sp>
-        <p:nvSpPr>
-          <p:cNvPr id="16" name="TextBox 15"/>
-          <p:cNvSpPr txBox="1"/>
-          <p:nvPr/>
-        </p:nvSpPr>
-        <p:spPr>
-          <a:xfrm>
-            <a:off x="1201479" y="4589351"/>
-            <a:ext cx="5178056" cy="369332"/>
-          </a:xfrm>
-          <a:prstGeom prst="rect">
-            <a:avLst/>
-          </a:prstGeom>
-          <a:noFill/>
-        </p:spPr>
-        <p:txBody>
-          <a:bodyPr wrap="square" rtlCol="0">
-            <a:spAutoFit/>
-          </a:bodyPr>
-          <a:lstStyle/>
-          <a:p>
-            <a:r>
-              <a:rPr lang="en-US" dirty="0" err="1" smtClean="0"/>
-              <a:t>Dãy</a:t>
-            </a:r>
-            <a:r>
-              <a:rPr lang="en-US" dirty="0" smtClean="0"/>
-              <a:t> </a:t>
-            </a:r>
-            <a:r>
-              <a:rPr lang="en-US" dirty="0" err="1" smtClean="0"/>
-              <a:t>thoát</a:t>
-            </a:r>
-            <a:r>
-              <a:rPr lang="en-US" dirty="0" smtClean="0"/>
-              <a:t> Escape </a:t>
-            </a:r>
-            <a:r>
-              <a:rPr lang="en-US" dirty="0" err="1" smtClean="0"/>
-              <a:t>trong</a:t>
-            </a:r>
-            <a:r>
-              <a:rPr lang="en-US" dirty="0" smtClean="0"/>
-              <a:t> Python</a:t>
-            </a:r>
-            <a:endParaRPr lang="en-US" dirty="0"/>
-          </a:p>
-        </p:txBody>
-      </p:sp>
-      <p:sp>
-        <p:nvSpPr>
-          <p:cNvPr id="14" name="TextBox 13"/>
-          <p:cNvSpPr txBox="1"/>
-          <p:nvPr/>
-        </p:nvSpPr>
-        <p:spPr>
-          <a:xfrm>
-            <a:off x="516657" y="1526604"/>
-            <a:ext cx="8240233" cy="369332"/>
-          </a:xfrm>
-          <a:prstGeom prst="rect">
-            <a:avLst/>
-          </a:prstGeom>
-          <a:noFill/>
-        </p:spPr>
-        <p:txBody>
-          <a:bodyPr wrap="square" rtlCol="0">
-            <a:spAutoFit/>
-          </a:bodyPr>
-          <a:lstStyle/>
-          <a:p>
-            <a:r>
-              <a:rPr lang="en-US" dirty="0" err="1" smtClean="0"/>
-              <a:t>Trong</a:t>
-            </a:r>
-            <a:r>
-              <a:rPr lang="en-US" dirty="0" smtClean="0"/>
-              <a:t> </a:t>
-            </a:r>
-            <a:r>
-              <a:rPr lang="en-US" dirty="0" err="1" smtClean="0"/>
-              <a:t>bài</a:t>
-            </a:r>
-            <a:r>
-              <a:rPr lang="en-US" dirty="0" smtClean="0"/>
-              <a:t> </a:t>
-            </a:r>
-            <a:r>
-              <a:rPr lang="en-US" dirty="0" err="1" smtClean="0"/>
-              <a:t>học</a:t>
-            </a:r>
-            <a:r>
-              <a:rPr lang="en-US" dirty="0" smtClean="0"/>
-              <a:t> </a:t>
-            </a:r>
-            <a:r>
-              <a:rPr lang="en-US" dirty="0" err="1" smtClean="0"/>
-              <a:t>này</a:t>
-            </a:r>
-            <a:r>
-              <a:rPr lang="en-US" dirty="0" smtClean="0"/>
-              <a:t> </a:t>
-            </a:r>
-            <a:r>
-              <a:rPr lang="en-US" dirty="0" err="1" smtClean="0"/>
-              <a:t>chúng</a:t>
-            </a:r>
-            <a:r>
-              <a:rPr lang="en-US" dirty="0" smtClean="0"/>
-              <a:t> ta </a:t>
-            </a:r>
-            <a:r>
-              <a:rPr lang="en-US" dirty="0" err="1" smtClean="0"/>
-              <a:t>sẽ</a:t>
-            </a:r>
-            <a:r>
-              <a:rPr lang="en-US" dirty="0" smtClean="0"/>
-              <a:t> </a:t>
-            </a:r>
-            <a:r>
-              <a:rPr lang="en-US" dirty="0" err="1" smtClean="0"/>
-              <a:t>đi</a:t>
-            </a:r>
-            <a:r>
-              <a:rPr lang="en-US" dirty="0" smtClean="0"/>
-              <a:t> </a:t>
-            </a:r>
-            <a:r>
-              <a:rPr lang="en-US" dirty="0" err="1" smtClean="0"/>
-              <a:t>tìm</a:t>
-            </a:r>
-            <a:r>
-              <a:rPr lang="en-US" dirty="0" smtClean="0"/>
-              <a:t> </a:t>
-            </a:r>
-            <a:r>
-              <a:rPr lang="en-US" dirty="0" err="1" smtClean="0"/>
-              <a:t>hiều</a:t>
-            </a:r>
-            <a:r>
-              <a:rPr lang="en-US" dirty="0" smtClean="0"/>
-              <a:t> </a:t>
-            </a:r>
-            <a:r>
-              <a:rPr lang="en-US" dirty="0" err="1" smtClean="0"/>
-              <a:t>lần</a:t>
-            </a:r>
-            <a:r>
-              <a:rPr lang="en-US" dirty="0" smtClean="0"/>
-              <a:t> </a:t>
-            </a:r>
-            <a:r>
-              <a:rPr lang="en-US" dirty="0" err="1" smtClean="0"/>
-              <a:t>lượt</a:t>
-            </a:r>
-            <a:r>
-              <a:rPr lang="en-US" dirty="0" smtClean="0"/>
-              <a:t> </a:t>
-            </a:r>
-            <a:r>
-              <a:rPr lang="en-US" dirty="0" err="1" smtClean="0"/>
-              <a:t>các</a:t>
-            </a:r>
-            <a:r>
-              <a:rPr lang="en-US" dirty="0" smtClean="0"/>
-              <a:t> </a:t>
-            </a:r>
-            <a:r>
-              <a:rPr lang="en-US" dirty="0" err="1" smtClean="0"/>
-              <a:t>nội</a:t>
-            </a:r>
-            <a:r>
-              <a:rPr lang="en-US" dirty="0" smtClean="0"/>
-              <a:t> dung</a:t>
-            </a:r>
-            <a:endParaRPr lang="en-US" dirty="0"/>
-          </a:p>
-        </p:txBody>
-      </p:sp>
-      <p:sp>
-        <p:nvSpPr>
-          <p:cNvPr id="13" name="TextBox 12"/>
-          <p:cNvSpPr txBox="1"/>
-          <p:nvPr/>
-        </p:nvSpPr>
-        <p:spPr>
-          <a:xfrm>
-            <a:off x="1201479" y="3851793"/>
-            <a:ext cx="5178056" cy="369332"/>
-          </a:xfrm>
-          <a:prstGeom prst="rect">
-            <a:avLst/>
-          </a:prstGeom>
-          <a:noFill/>
-        </p:spPr>
-        <p:txBody>
-          <a:bodyPr wrap="square" rtlCol="0">
-            <a:spAutoFit/>
-          </a:bodyPr>
-          <a:lstStyle/>
-          <a:p>
-            <a:r>
-              <a:rPr lang="en-US" dirty="0" err="1" smtClean="0"/>
-              <a:t>Định</a:t>
-            </a:r>
-            <a:r>
-              <a:rPr lang="en-US" dirty="0" smtClean="0"/>
-              <a:t> </a:t>
-            </a:r>
-            <a:r>
-              <a:rPr lang="en-US" dirty="0" err="1" smtClean="0"/>
-              <a:t>dạng</a:t>
-            </a:r>
-            <a:r>
-              <a:rPr lang="en-US" dirty="0" smtClean="0"/>
-              <a:t> </a:t>
-            </a:r>
-            <a:r>
-              <a:rPr lang="en-US" dirty="0" err="1" smtClean="0"/>
-              <a:t>chuỗi</a:t>
-            </a:r>
-            <a:r>
-              <a:rPr lang="en-US" dirty="0" smtClean="0"/>
-              <a:t> </a:t>
-            </a:r>
-            <a:r>
-              <a:rPr lang="en-US" dirty="0" err="1" smtClean="0"/>
-              <a:t>với</a:t>
-            </a:r>
-            <a:r>
-              <a:rPr lang="en-US" dirty="0" smtClean="0"/>
-              <a:t> </a:t>
-            </a:r>
-            <a:r>
-              <a:rPr lang="en-US" dirty="0" err="1" smtClean="0"/>
-              <a:t>khuôn</a:t>
-            </a:r>
-            <a:endParaRPr lang="en-US" dirty="0"/>
-          </a:p>
-        </p:txBody>
-      </p:sp>
-    </p:spTree>
-    <p:extLst>
-      <p:ext uri="{BB962C8B-B14F-4D97-AF65-F5344CB8AC3E}">
-        <p14:creationId xmlns:p14="http://schemas.microsoft.com/office/powerpoint/2010/main" val="1935813825"/>
       </p:ext>
     </p:extLst>
   </p:cSld>
